--- a/htmlcss수업참고자료.pptx
+++ b/htmlcss수업참고자료.pptx
@@ -38,25 +38,25 @@
     <p:sldId id="316" r:id="rId29"/>
     <p:sldId id="317" r:id="rId30"/>
     <p:sldId id="318" r:id="rId31"/>
-    <p:sldId id="291" r:id="rId32"/>
-    <p:sldId id="319" r:id="rId33"/>
-    <p:sldId id="320" r:id="rId34"/>
-    <p:sldId id="321" r:id="rId35"/>
-    <p:sldId id="322" r:id="rId36"/>
-    <p:sldId id="323" r:id="rId37"/>
-    <p:sldId id="324" r:id="rId38"/>
-    <p:sldId id="325" r:id="rId39"/>
-    <p:sldId id="326" r:id="rId40"/>
-    <p:sldId id="327" r:id="rId41"/>
-    <p:sldId id="328" r:id="rId42"/>
-    <p:sldId id="286" r:id="rId43"/>
-    <p:sldId id="307" r:id="rId44"/>
-    <p:sldId id="295" r:id="rId45"/>
-    <p:sldId id="296" r:id="rId46"/>
-    <p:sldId id="297" r:id="rId47"/>
-    <p:sldId id="298" r:id="rId48"/>
-    <p:sldId id="300" r:id="rId49"/>
-    <p:sldId id="301" r:id="rId50"/>
+    <p:sldId id="283" r:id="rId32"/>
+    <p:sldId id="284" r:id="rId33"/>
+    <p:sldId id="286" r:id="rId34"/>
+    <p:sldId id="291" r:id="rId35"/>
+    <p:sldId id="295" r:id="rId36"/>
+    <p:sldId id="296" r:id="rId37"/>
+    <p:sldId id="297" r:id="rId38"/>
+    <p:sldId id="300" r:id="rId39"/>
+    <p:sldId id="301" r:id="rId40"/>
+    <p:sldId id="303" r:id="rId41"/>
+    <p:sldId id="319" r:id="rId42"/>
+    <p:sldId id="320" r:id="rId43"/>
+    <p:sldId id="321" r:id="rId44"/>
+    <p:sldId id="322" r:id="rId45"/>
+    <p:sldId id="323" r:id="rId46"/>
+    <p:sldId id="324" r:id="rId47"/>
+    <p:sldId id="325" r:id="rId48"/>
+    <p:sldId id="326" r:id="rId49"/>
+    <p:sldId id="304" r:id="rId50"/>
     <p:sldId id="305" r:id="rId51"/>
   </p:sldIdLst>
   <p:sldSz cx="12192000" cy="6858000"/>
@@ -246,7 +246,7 @@
           <a:p>
             <a:fld id="{2DBDA9EE-54A2-477C-AEB9-809997B96F67}" type="datetimeFigureOut">
               <a:rPr lang="ko-KR" altLang="en-US" smtClean="0"/>
-              <a:t>2025-04-06</a:t>
+              <a:t>2025-04-12</a:t>
             </a:fld>
             <a:endParaRPr lang="ko-KR" altLang="en-US"/>
           </a:p>
@@ -1004,7 +1004,7 @@
           <a:p>
             <a:fld id="{C2B98DBC-31B0-4B92-AF78-88FAE7396B67}" type="datetimeFigureOut">
               <a:rPr lang="ko-KR" altLang="en-US" smtClean="0"/>
-              <a:t>2025-04-06</a:t>
+              <a:t>2025-04-12</a:t>
             </a:fld>
             <a:endParaRPr lang="ko-KR" altLang="en-US"/>
           </a:p>
@@ -1179,7 +1179,7 @@
           <a:p>
             <a:fld id="{C2B98DBC-31B0-4B92-AF78-88FAE7396B67}" type="datetimeFigureOut">
               <a:rPr lang="ko-KR" altLang="en-US" smtClean="0"/>
-              <a:t>2025-04-06</a:t>
+              <a:t>2025-04-12</a:t>
             </a:fld>
             <a:endParaRPr lang="ko-KR" altLang="en-US"/>
           </a:p>
@@ -1557,7 +1557,7 @@
           <a:p>
             <a:fld id="{C2B98DBC-31B0-4B92-AF78-88FAE7396B67}" type="datetimeFigureOut">
               <a:rPr lang="ko-KR" altLang="en-US" smtClean="0"/>
-              <a:t>2025-04-06</a:t>
+              <a:t>2025-04-12</a:t>
             </a:fld>
             <a:endParaRPr lang="ko-KR" altLang="en-US"/>
           </a:p>
@@ -1727,7 +1727,7 @@
           <a:p>
             <a:fld id="{C2B98DBC-31B0-4B92-AF78-88FAE7396B67}" type="datetimeFigureOut">
               <a:rPr lang="ko-KR" altLang="en-US" smtClean="0"/>
-              <a:t>2025-04-06</a:t>
+              <a:t>2025-04-12</a:t>
             </a:fld>
             <a:endParaRPr lang="ko-KR" altLang="en-US"/>
           </a:p>
@@ -1954,7 +1954,7 @@
           <a:p>
             <a:fld id="{C2B98DBC-31B0-4B92-AF78-88FAE7396B67}" type="datetimeFigureOut">
               <a:rPr lang="ko-KR" altLang="en-US" smtClean="0"/>
-              <a:t>2025-04-06</a:t>
+              <a:t>2025-04-12</a:t>
             </a:fld>
             <a:endParaRPr lang="ko-KR" altLang="en-US"/>
           </a:p>
@@ -2485,7 +2485,7 @@
           <a:p>
             <a:fld id="{C2B98DBC-31B0-4B92-AF78-88FAE7396B67}" type="datetimeFigureOut">
               <a:rPr lang="ko-KR" altLang="en-US" smtClean="0"/>
-              <a:t>2025-04-06</a:t>
+              <a:t>2025-04-12</a:t>
             </a:fld>
             <a:endParaRPr lang="ko-KR" altLang="en-US"/>
           </a:p>
@@ -2981,7 +2981,7 @@
           <a:p>
             <a:fld id="{C2B98DBC-31B0-4B92-AF78-88FAE7396B67}" type="datetimeFigureOut">
               <a:rPr lang="ko-KR" altLang="en-US" smtClean="0"/>
-              <a:t>2025-04-06</a:t>
+              <a:t>2025-04-12</a:t>
             </a:fld>
             <a:endParaRPr lang="ko-KR" altLang="en-US"/>
           </a:p>
@@ -3314,7 +3314,7 @@
           <a:p>
             <a:fld id="{C2B98DBC-31B0-4B92-AF78-88FAE7396B67}" type="datetimeFigureOut">
               <a:rPr lang="ko-KR" altLang="en-US" smtClean="0"/>
-              <a:t>2025-04-06</a:t>
+              <a:t>2025-04-12</a:t>
             </a:fld>
             <a:endParaRPr lang="ko-KR" altLang="en-US"/>
           </a:p>
@@ -3703,7 +3703,7 @@
           <a:p>
             <a:fld id="{C2B98DBC-31B0-4B92-AF78-88FAE7396B67}" type="datetimeFigureOut">
               <a:rPr lang="ko-KR" altLang="en-US" smtClean="0"/>
-              <a:t>2025-04-06</a:t>
+              <a:t>2025-04-12</a:t>
             </a:fld>
             <a:endParaRPr lang="ko-KR" altLang="en-US"/>
           </a:p>
@@ -3927,7 +3927,7 @@
           <a:p>
             <a:fld id="{C2B98DBC-31B0-4B92-AF78-88FAE7396B67}" type="datetimeFigureOut">
               <a:rPr lang="ko-KR" altLang="en-US" smtClean="0"/>
-              <a:t>2025-04-06</a:t>
+              <a:t>2025-04-12</a:t>
             </a:fld>
             <a:endParaRPr lang="ko-KR" altLang="en-US"/>
           </a:p>
@@ -4286,7 +4286,7 @@
           <a:p>
             <a:fld id="{C2B98DBC-31B0-4B92-AF78-88FAE7396B67}" type="datetimeFigureOut">
               <a:rPr lang="ko-KR" altLang="en-US" smtClean="0"/>
-              <a:t>2025-04-06</a:t>
+              <a:t>2025-04-12</a:t>
             </a:fld>
             <a:endParaRPr lang="ko-KR" altLang="en-US"/>
           </a:p>
@@ -4697,7 +4697,7 @@
           <a:p>
             <a:fld id="{C2B98DBC-31B0-4B92-AF78-88FAE7396B67}" type="datetimeFigureOut">
               <a:rPr lang="ko-KR" altLang="en-US" smtClean="0"/>
-              <a:t>2025-04-06</a:t>
+              <a:t>2025-04-12</a:t>
             </a:fld>
             <a:endParaRPr lang="ko-KR" altLang="en-US"/>
           </a:p>
@@ -11439,9 +11439,16 @@
             </a:endParaRPr>
           </a:p>
           <a:p>
-            <a:pPr>
-              <a:buFont typeface="Wingdings" panose="05000000000000000000" pitchFamily="2" charset="2"/>
-              <a:buChar char="Ø"/>
+            <a:pPr marL="0" indent="0">
+              <a:buNone/>
+            </a:pPr>
+            <a:endParaRPr lang="en-US" altLang="ko-KR" sz="2800" dirty="0">
+              <a:latin typeface="+mn-ea"/>
+            </a:endParaRPr>
+          </a:p>
+          <a:p>
+            <a:pPr marL="0" indent="0">
+              <a:buNone/>
             </a:pPr>
             <a:r>
               <a:rPr lang="ko-KR" altLang="en-US" sz="2800" dirty="0">
@@ -11602,6 +11609,541 @@
 </file>
 
 <file path=ppt/slides/slide31.xml><?xml version="1.0" encoding="utf-8"?>
+<p:sld xmlns:a="http://schemas.openxmlformats.org/drawingml/2006/main" xmlns:r="http://schemas.openxmlformats.org/officeDocument/2006/relationships" xmlns:p="http://schemas.openxmlformats.org/presentationml/2006/main">
+  <p:cSld>
+    <p:spTree>
+      <p:nvGrpSpPr>
+        <p:cNvPr id="1" name="">
+          <a:extLst>
+            <a:ext uri="{FF2B5EF4-FFF2-40B4-BE49-F238E27FC236}">
+              <a16:creationId xmlns:a16="http://schemas.microsoft.com/office/drawing/2014/main" id="{C5C89B71-BC89-BB7C-A93B-0F091655A216}"/>
+            </a:ext>
+          </a:extLst>
+        </p:cNvPr>
+        <p:cNvGrpSpPr/>
+        <p:nvPr/>
+      </p:nvGrpSpPr>
+      <p:grpSpPr>
+        <a:xfrm>
+          <a:off x="0" y="0"/>
+          <a:ext cx="0" cy="0"/>
+          <a:chOff x="0" y="0"/>
+          <a:chExt cx="0" cy="0"/>
+        </a:xfrm>
+      </p:grpSpPr>
+      <p:sp>
+        <p:nvSpPr>
+          <p:cNvPr id="2" name="제목 1">
+            <a:extLst>
+              <a:ext uri="{FF2B5EF4-FFF2-40B4-BE49-F238E27FC236}">
+                <a16:creationId xmlns:a16="http://schemas.microsoft.com/office/drawing/2014/main" id="{33151E6F-5AEC-45F5-9A1A-8803BF41EDD4}"/>
+              </a:ext>
+            </a:extLst>
+          </p:cNvPr>
+          <p:cNvSpPr>
+            <a:spLocks noGrp="1"/>
+          </p:cNvSpPr>
+          <p:nvPr>
+            <p:ph type="ctrTitle"/>
+          </p:nvPr>
+        </p:nvSpPr>
+        <p:spPr>
+          <a:xfrm>
+            <a:off x="1524000" y="1122362"/>
+            <a:ext cx="9144000" cy="3835585"/>
+          </a:xfrm>
+        </p:spPr>
+        <p:txBody>
+          <a:bodyPr anchor="ctr"/>
+          <a:lstStyle/>
+          <a:p>
+            <a:r>
+              <a:rPr lang="en-US" altLang="ko-KR" dirty="0"/>
+              <a:t>4. HTML/CSS </a:t>
+            </a:r>
+            <a:r>
+              <a:rPr lang="ko-KR" altLang="en-US" dirty="0"/>
+              <a:t>기본</a:t>
+            </a:r>
+          </a:p>
+        </p:txBody>
+      </p:sp>
+    </p:spTree>
+    <p:extLst>
+      <p:ext uri="{BB962C8B-B14F-4D97-AF65-F5344CB8AC3E}">
+        <p14:creationId xmlns:p14="http://schemas.microsoft.com/office/powerpoint/2010/main" val="1837776051"/>
+      </p:ext>
+    </p:extLst>
+  </p:cSld>
+  <p:clrMapOvr>
+    <a:masterClrMapping/>
+  </p:clrMapOvr>
+</p:sld>
+</file>
+
+<file path=ppt/slides/slide32.xml><?xml version="1.0" encoding="utf-8"?>
+<p:sld xmlns:a="http://schemas.openxmlformats.org/drawingml/2006/main" xmlns:r="http://schemas.openxmlformats.org/officeDocument/2006/relationships" xmlns:p="http://schemas.openxmlformats.org/presentationml/2006/main">
+  <p:cSld>
+    <p:spTree>
+      <p:nvGrpSpPr>
+        <p:cNvPr id="1" name="">
+          <a:extLst>
+            <a:ext uri="{FF2B5EF4-FFF2-40B4-BE49-F238E27FC236}">
+              <a16:creationId xmlns:a16="http://schemas.microsoft.com/office/drawing/2014/main" id="{3872D6B9-F5C5-86E2-CA2F-A777B3F90CCB}"/>
+            </a:ext>
+          </a:extLst>
+        </p:cNvPr>
+        <p:cNvGrpSpPr/>
+        <p:nvPr/>
+      </p:nvGrpSpPr>
+      <p:grpSpPr>
+        <a:xfrm>
+          <a:off x="0" y="0"/>
+          <a:ext cx="0" cy="0"/>
+          <a:chOff x="0" y="0"/>
+          <a:chExt cx="0" cy="0"/>
+        </a:xfrm>
+      </p:grpSpPr>
+      <p:sp>
+        <p:nvSpPr>
+          <p:cNvPr id="3" name="내용 개체 틀 2">
+            <a:extLst>
+              <a:ext uri="{FF2B5EF4-FFF2-40B4-BE49-F238E27FC236}">
+                <a16:creationId xmlns:a16="http://schemas.microsoft.com/office/drawing/2014/main" id="{5C37DFD5-7F5F-52B5-FECC-815642A047DB}"/>
+              </a:ext>
+            </a:extLst>
+          </p:cNvPr>
+          <p:cNvSpPr>
+            <a:spLocks noGrp="1"/>
+          </p:cNvSpPr>
+          <p:nvPr>
+            <p:ph idx="1"/>
+          </p:nvPr>
+        </p:nvSpPr>
+        <p:spPr>
+          <a:xfrm>
+            <a:off x="838200" y="314696"/>
+            <a:ext cx="10515600" cy="5862267"/>
+          </a:xfrm>
+        </p:spPr>
+        <p:txBody>
+          <a:bodyPr>
+            <a:normAutofit fontScale="70000" lnSpcReduction="20000"/>
+          </a:bodyPr>
+          <a:lstStyle/>
+          <a:p>
+            <a:pPr marL="0" indent="0">
+              <a:buNone/>
+            </a:pPr>
+            <a:r>
+              <a:rPr lang="en-US" altLang="ko-KR" dirty="0"/>
+              <a:t>3. HTML/CSS </a:t>
+            </a:r>
+            <a:r>
+              <a:rPr lang="ko-KR" altLang="en-US" dirty="0"/>
+              <a:t>기본</a:t>
+            </a:r>
+            <a:endParaRPr lang="en-US" altLang="ko-KR" dirty="0"/>
+          </a:p>
+          <a:p>
+            <a:pPr marL="0" indent="0">
+              <a:buNone/>
+            </a:pPr>
+            <a:endParaRPr lang="en-US" altLang="ko-KR" dirty="0"/>
+          </a:p>
+          <a:p>
+            <a:pPr marL="0" indent="0">
+              <a:buNone/>
+            </a:pPr>
+            <a:r>
+              <a:rPr lang="en-US" altLang="ko-KR" dirty="0"/>
+              <a:t>&lt;div&gt;&lt;/div&gt; : </a:t>
+            </a:r>
+            <a:r>
+              <a:rPr lang="ko-KR" altLang="en-US" dirty="0"/>
+              <a:t>구간을 나누는 네모 상자를 만든다</a:t>
+            </a:r>
+            <a:r>
+              <a:rPr lang="en-US" altLang="ko-KR" dirty="0"/>
+              <a:t>. </a:t>
+            </a:r>
+            <a:r>
+              <a:rPr lang="ko-KR" altLang="en-US" dirty="0"/>
+              <a:t>기본높이 </a:t>
+            </a:r>
+            <a:r>
+              <a:rPr lang="en-US" altLang="ko-KR" dirty="0"/>
+              <a:t>0;</a:t>
+            </a:r>
+          </a:p>
+          <a:p>
+            <a:pPr marL="0" indent="0">
+              <a:buNone/>
+            </a:pPr>
+            <a:endParaRPr lang="en-US" altLang="ko-KR" dirty="0"/>
+          </a:p>
+          <a:p>
+            <a:pPr marL="0" indent="0">
+              <a:buNone/>
+            </a:pPr>
+            <a:r>
+              <a:rPr lang="en-US" altLang="ko-KR" dirty="0"/>
+              <a:t>&lt;div class=“box”&gt;</a:t>
+            </a:r>
+            <a:r>
+              <a:rPr lang="ko-KR" altLang="en-US" dirty="0"/>
+              <a:t>안녕</a:t>
+            </a:r>
+            <a:r>
+              <a:rPr lang="en-US" altLang="ko-KR" dirty="0"/>
+              <a:t>&lt;/div&gt;</a:t>
+            </a:r>
+          </a:p>
+          <a:p>
+            <a:pPr marL="0" indent="0">
+              <a:buNone/>
+            </a:pPr>
+            <a:endParaRPr lang="en-US" altLang="ko-KR" dirty="0"/>
+          </a:p>
+          <a:p>
+            <a:pPr marL="0" indent="0">
+              <a:buNone/>
+            </a:pPr>
+            <a:r>
+              <a:rPr lang="en-US" altLang="ko-KR" dirty="0"/>
+              <a:t>.box{</a:t>
+            </a:r>
+          </a:p>
+          <a:p>
+            <a:pPr marL="0" indent="0">
+              <a:buNone/>
+            </a:pPr>
+            <a:r>
+              <a:rPr lang="en-US" altLang="ko-KR" dirty="0"/>
+              <a:t>    width: 100px;              </a:t>
+            </a:r>
+            <a:r>
+              <a:rPr lang="ko-KR" altLang="en-US" dirty="0"/>
+              <a:t>가로크기</a:t>
+            </a:r>
+            <a:endParaRPr lang="en-US" altLang="ko-KR" dirty="0"/>
+          </a:p>
+          <a:p>
+            <a:pPr marL="0" indent="0">
+              <a:buNone/>
+            </a:pPr>
+            <a:r>
+              <a:rPr lang="en-US" altLang="ko-KR" dirty="0"/>
+              <a:t>    height: 80px;             </a:t>
+            </a:r>
+            <a:r>
+              <a:rPr lang="ko-KR" altLang="en-US" dirty="0"/>
+              <a:t>높이</a:t>
+            </a:r>
+            <a:endParaRPr lang="en-US" altLang="ko-KR" dirty="0"/>
+          </a:p>
+          <a:p>
+            <a:pPr marL="0" indent="0">
+              <a:buNone/>
+            </a:pPr>
+            <a:r>
+              <a:rPr lang="en-US" altLang="ko-KR" dirty="0"/>
+              <a:t>    background: aqua;       </a:t>
+            </a:r>
+            <a:r>
+              <a:rPr lang="ko-KR" altLang="en-US" dirty="0"/>
+              <a:t>배경색</a:t>
+            </a:r>
+            <a:endParaRPr lang="en-US" altLang="ko-KR" dirty="0"/>
+          </a:p>
+          <a:p>
+            <a:pPr marL="0" indent="0">
+              <a:buNone/>
+            </a:pPr>
+            <a:r>
+              <a:rPr lang="en-US" altLang="ko-KR" dirty="0"/>
+              <a:t>    margin: 30px;             </a:t>
+            </a:r>
+            <a:r>
+              <a:rPr lang="ko-KR" altLang="en-US" dirty="0"/>
+              <a:t>여백</a:t>
+            </a:r>
+            <a:endParaRPr lang="en-US" altLang="ko-KR" dirty="0"/>
+          </a:p>
+          <a:p>
+            <a:pPr marL="0" indent="0">
+              <a:buNone/>
+            </a:pPr>
+            <a:r>
+              <a:rPr lang="en-US" altLang="ko-KR" dirty="0"/>
+              <a:t>    padding: 40px;			</a:t>
+            </a:r>
+            <a:r>
+              <a:rPr lang="ko-KR" altLang="en-US" dirty="0" err="1"/>
+              <a:t>안쪽여백</a:t>
+            </a:r>
+            <a:endParaRPr lang="en-US" altLang="ko-KR" dirty="0"/>
+          </a:p>
+          <a:p>
+            <a:pPr marL="0" indent="0">
+              <a:buNone/>
+            </a:pPr>
+            <a:r>
+              <a:rPr lang="en-US" altLang="ko-KR" dirty="0"/>
+              <a:t>    border:</a:t>
+            </a:r>
+            <a:r>
+              <a:rPr lang="ko-KR" altLang="en-US" dirty="0"/>
+              <a:t> </a:t>
+            </a:r>
+            <a:r>
+              <a:rPr lang="en-US" altLang="ko-KR" dirty="0"/>
+              <a:t>4px</a:t>
+            </a:r>
+            <a:r>
+              <a:rPr lang="ko-KR" altLang="en-US" dirty="0"/>
+              <a:t> </a:t>
+            </a:r>
+            <a:r>
+              <a:rPr lang="en-US" altLang="ko-KR" dirty="0"/>
+              <a:t>solid</a:t>
+            </a:r>
+            <a:r>
+              <a:rPr lang="ko-KR" altLang="en-US" dirty="0"/>
+              <a:t> </a:t>
+            </a:r>
+            <a:r>
+              <a:rPr lang="en-US" altLang="ko-KR" dirty="0"/>
+              <a:t>black;        </a:t>
+            </a:r>
+            <a:r>
+              <a:rPr lang="ko-KR" altLang="en-US" dirty="0"/>
+              <a:t>테두리</a:t>
+            </a:r>
+            <a:endParaRPr lang="en-US" altLang="ko-KR" dirty="0"/>
+          </a:p>
+          <a:p>
+            <a:pPr marL="0" indent="0">
+              <a:buNone/>
+            </a:pPr>
+            <a:r>
+              <a:rPr lang="en-US" altLang="ko-KR" dirty="0"/>
+              <a:t>    border-radius: 15px;             </a:t>
+            </a:r>
+            <a:r>
+              <a:rPr lang="ko-KR" altLang="en-US" dirty="0"/>
+              <a:t>테두리 둥글게</a:t>
+            </a:r>
+            <a:endParaRPr lang="en-US" altLang="ko-KR" dirty="0"/>
+          </a:p>
+          <a:p>
+            <a:pPr marL="0" indent="0">
+              <a:buNone/>
+            </a:pPr>
+            <a:r>
+              <a:rPr lang="en-US" altLang="ko-KR" dirty="0"/>
+              <a:t>    font-size: 20px;                   </a:t>
+            </a:r>
+            <a:r>
+              <a:rPr lang="ko-KR" altLang="en-US" dirty="0"/>
+              <a:t>글씨크기</a:t>
+            </a:r>
+            <a:r>
+              <a:rPr lang="en-US" altLang="ko-KR" dirty="0"/>
+              <a:t> (</a:t>
+            </a:r>
+            <a:r>
+              <a:rPr lang="ko-KR" altLang="en-US" dirty="0"/>
+              <a:t>상속됨</a:t>
+            </a:r>
+            <a:r>
+              <a:rPr lang="en-US" altLang="ko-KR" dirty="0"/>
+              <a:t>)</a:t>
+            </a:r>
+          </a:p>
+          <a:p>
+            <a:pPr marL="0" indent="0">
+              <a:buNone/>
+            </a:pPr>
+            <a:r>
+              <a:rPr lang="en-US" altLang="ko-KR" dirty="0"/>
+              <a:t>    font-family: </a:t>
+            </a:r>
+            <a:r>
+              <a:rPr lang="en-US" altLang="ko-KR" dirty="0" err="1"/>
+              <a:t>gulim</a:t>
+            </a:r>
+            <a:r>
+              <a:rPr lang="en-US" altLang="ko-KR" dirty="0"/>
+              <a:t>;               </a:t>
+            </a:r>
+            <a:r>
+              <a:rPr lang="ko-KR" altLang="en-US" dirty="0"/>
+              <a:t>글씨체</a:t>
+            </a:r>
+            <a:r>
+              <a:rPr lang="en-US" altLang="ko-KR" dirty="0"/>
+              <a:t> (</a:t>
+            </a:r>
+            <a:r>
+              <a:rPr lang="ko-KR" altLang="en-US" dirty="0"/>
+              <a:t>상속됨</a:t>
+            </a:r>
+            <a:r>
+              <a:rPr lang="en-US" altLang="ko-KR" dirty="0"/>
+              <a:t>)</a:t>
+            </a:r>
+          </a:p>
+          <a:p>
+            <a:pPr marL="0" indent="0">
+              <a:buNone/>
+            </a:pPr>
+            <a:r>
+              <a:rPr lang="en-US" altLang="ko-KR" dirty="0"/>
+              <a:t>}</a:t>
+            </a:r>
+          </a:p>
+        </p:txBody>
+      </p:sp>
+    </p:spTree>
+    <p:extLst>
+      <p:ext uri="{BB962C8B-B14F-4D97-AF65-F5344CB8AC3E}">
+        <p14:creationId xmlns:p14="http://schemas.microsoft.com/office/powerpoint/2010/main" val="2310844418"/>
+      </p:ext>
+    </p:extLst>
+  </p:cSld>
+  <p:clrMapOvr>
+    <a:masterClrMapping/>
+  </p:clrMapOvr>
+</p:sld>
+</file>
+
+<file path=ppt/slides/slide33.xml><?xml version="1.0" encoding="utf-8"?>
+<p:sld xmlns:a="http://schemas.openxmlformats.org/drawingml/2006/main" xmlns:r="http://schemas.openxmlformats.org/officeDocument/2006/relationships" xmlns:p="http://schemas.openxmlformats.org/presentationml/2006/main">
+  <p:cSld>
+    <p:spTree>
+      <p:nvGrpSpPr>
+        <p:cNvPr id="1" name="">
+          <a:extLst>
+            <a:ext uri="{FF2B5EF4-FFF2-40B4-BE49-F238E27FC236}">
+              <a16:creationId xmlns:a16="http://schemas.microsoft.com/office/drawing/2014/main" id="{B119C335-DF39-FBC2-F69A-38327DC5B92E}"/>
+            </a:ext>
+          </a:extLst>
+        </p:cNvPr>
+        <p:cNvGrpSpPr/>
+        <p:nvPr/>
+      </p:nvGrpSpPr>
+      <p:grpSpPr>
+        <a:xfrm>
+          <a:off x="0" y="0"/>
+          <a:ext cx="0" cy="0"/>
+          <a:chOff x="0" y="0"/>
+          <a:chExt cx="0" cy="0"/>
+        </a:xfrm>
+      </p:grpSpPr>
+      <p:sp>
+        <p:nvSpPr>
+          <p:cNvPr id="3" name="내용 개체 틀 2">
+            <a:extLst>
+              <a:ext uri="{FF2B5EF4-FFF2-40B4-BE49-F238E27FC236}">
+                <a16:creationId xmlns:a16="http://schemas.microsoft.com/office/drawing/2014/main" id="{961C0312-20BF-F366-4710-D3FD793BD4F1}"/>
+              </a:ext>
+            </a:extLst>
+          </p:cNvPr>
+          <p:cNvSpPr>
+            <a:spLocks noGrp="1"/>
+          </p:cNvSpPr>
+          <p:nvPr>
+            <p:ph idx="1"/>
+          </p:nvPr>
+        </p:nvSpPr>
+        <p:spPr>
+          <a:xfrm>
+            <a:off x="838200" y="497866"/>
+            <a:ext cx="10515600" cy="5862267"/>
+          </a:xfrm>
+        </p:spPr>
+        <p:txBody>
+          <a:bodyPr>
+            <a:normAutofit/>
+          </a:bodyPr>
+          <a:lstStyle/>
+          <a:p>
+            <a:pPr marL="0" indent="0">
+              <a:buNone/>
+            </a:pPr>
+            <a:r>
+              <a:rPr lang="en-US" altLang="ko-KR" dirty="0"/>
+              <a:t>3. HTML/CSS </a:t>
+            </a:r>
+            <a:r>
+              <a:rPr lang="ko-KR" altLang="en-US" dirty="0"/>
+              <a:t>기본</a:t>
+            </a:r>
+            <a:endParaRPr lang="en-US" altLang="ko-KR" dirty="0"/>
+          </a:p>
+          <a:p>
+            <a:pPr marL="0" indent="0">
+              <a:buNone/>
+            </a:pPr>
+            <a:endParaRPr lang="en-US" altLang="ko-KR" dirty="0"/>
+          </a:p>
+          <a:p>
+            <a:pPr marL="0" indent="0">
+              <a:buNone/>
+            </a:pPr>
+            <a:r>
+              <a:rPr lang="ko-KR" altLang="en-US" dirty="0"/>
+              <a:t>아래 화면을 만들어보자</a:t>
+            </a:r>
+            <a:endParaRPr lang="en-US" altLang="ko-KR" dirty="0"/>
+          </a:p>
+        </p:txBody>
+      </p:sp>
+      <p:pic>
+        <p:nvPicPr>
+          <p:cNvPr id="4" name="그림 3">
+            <a:extLst>
+              <a:ext uri="{FF2B5EF4-FFF2-40B4-BE49-F238E27FC236}">
+                <a16:creationId xmlns:a16="http://schemas.microsoft.com/office/drawing/2014/main" id="{D8ED2C31-C96D-5B15-5CAF-2F56F185B2FD}"/>
+              </a:ext>
+            </a:extLst>
+          </p:cNvPr>
+          <p:cNvPicPr>
+            <a:picLocks noChangeAspect="1"/>
+          </p:cNvPicPr>
+          <p:nvPr/>
+        </p:nvPicPr>
+        <p:blipFill>
+          <a:blip r:embed="rId2"/>
+          <a:stretch>
+            <a:fillRect/>
+          </a:stretch>
+        </p:blipFill>
+        <p:spPr>
+          <a:xfrm>
+            <a:off x="2751855" y="2678019"/>
+            <a:ext cx="5468017" cy="3901250"/>
+          </a:xfrm>
+          <a:prstGeom prst="rect">
+            <a:avLst/>
+          </a:prstGeom>
+        </p:spPr>
+      </p:pic>
+    </p:spTree>
+    <p:extLst>
+      <p:ext uri="{BB962C8B-B14F-4D97-AF65-F5344CB8AC3E}">
+        <p14:creationId xmlns:p14="http://schemas.microsoft.com/office/powerpoint/2010/main" val="4068231637"/>
+      </p:ext>
+    </p:extLst>
+  </p:cSld>
+  <p:clrMapOvr>
+    <a:masterClrMapping/>
+  </p:clrMapOvr>
+</p:sld>
+</file>
+
+<file path=ppt/slides/slide34.xml><?xml version="1.0" encoding="utf-8"?>
 <p:sld xmlns:a="http://schemas.openxmlformats.org/drawingml/2006/main" xmlns:r="http://schemas.openxmlformats.org/officeDocument/2006/relationships" xmlns:p="http://schemas.openxmlformats.org/presentationml/2006/main">
   <p:cSld>
     <p:spTree>
@@ -11657,18 +12199,23 @@
             </a:pPr>
             <a:r>
               <a:rPr lang="en-US" altLang="ko-KR" dirty="0"/>
-              <a:t>3. CSS </a:t>
+              <a:t>3. HTML/CSS </a:t>
             </a:r>
             <a:r>
               <a:rPr lang="ko-KR" altLang="en-US" dirty="0"/>
-              <a:t>기초</a:t>
+              <a:t>기본</a:t>
             </a:r>
             <a:endParaRPr lang="en-US" altLang="ko-KR" dirty="0"/>
           </a:p>
           <a:p>
-            <a:pPr>
-              <a:buFont typeface="Wingdings" panose="05000000000000000000" pitchFamily="2" charset="2"/>
-              <a:buChar char="Ø"/>
+            <a:pPr marL="0" indent="0">
+              <a:buNone/>
+            </a:pPr>
+            <a:endParaRPr lang="en-US" altLang="ko-KR" dirty="0"/>
+          </a:p>
+          <a:p>
+            <a:pPr marL="0" indent="0">
+              <a:buNone/>
             </a:pPr>
             <a:r>
               <a:rPr lang="ko-KR" altLang="en-US" dirty="0"/>
@@ -11812,7 +12359,7 @@
 </p:sld>
 </file>
 
-<file path=ppt/slides/slide32.xml><?xml version="1.0" encoding="utf-8"?>
+<file path=ppt/slides/slide35.xml><?xml version="1.0" encoding="utf-8"?>
 <p:sld xmlns:a="http://schemas.openxmlformats.org/drawingml/2006/main" xmlns:r="http://schemas.openxmlformats.org/officeDocument/2006/relationships" xmlns:p="http://schemas.openxmlformats.org/presentationml/2006/main">
   <p:cSld>
     <p:spTree>
@@ -11820,7 +12367,7 @@
         <p:cNvPr id="1" name="">
           <a:extLst>
             <a:ext uri="{FF2B5EF4-FFF2-40B4-BE49-F238E27FC236}">
-              <a16:creationId xmlns:a16="http://schemas.microsoft.com/office/drawing/2014/main" id="{635F9F78-F086-7204-B959-447F7040D78F}"/>
+              <a16:creationId xmlns:a16="http://schemas.microsoft.com/office/drawing/2014/main" id="{3FC79613-FADB-3467-7923-4EA4E1895A9C}"/>
             </a:ext>
           </a:extLst>
         </p:cNvPr>
@@ -11840,7 +12387,7 @@
           <p:cNvPr id="3" name="내용 개체 틀 2">
             <a:extLst>
               <a:ext uri="{FF2B5EF4-FFF2-40B4-BE49-F238E27FC236}">
-                <a16:creationId xmlns:a16="http://schemas.microsoft.com/office/drawing/2014/main" id="{47786202-4E8A-DC84-010A-96B0B685A443}"/>
+                <a16:creationId xmlns:a16="http://schemas.microsoft.com/office/drawing/2014/main" id="{D883516A-D7EE-69BD-C7BB-04FE66E1D945}"/>
               </a:ext>
             </a:extLst>
           </p:cNvPr>
@@ -11853,13 +12400,13 @@
         </p:nvSpPr>
         <p:spPr>
           <a:xfrm>
-            <a:off x="838199" y="314697"/>
-            <a:ext cx="11068455" cy="1339006"/>
+            <a:off x="838200" y="314696"/>
+            <a:ext cx="10515600" cy="5862267"/>
           </a:xfrm>
         </p:spPr>
         <p:txBody>
           <a:bodyPr>
-            <a:normAutofit/>
+            <a:normAutofit fontScale="70000" lnSpcReduction="20000"/>
           </a:bodyPr>
           <a:lstStyle/>
           <a:p>
@@ -11868,355 +12415,214 @@
             </a:pPr>
             <a:r>
               <a:rPr lang="en-US" altLang="ko-KR" dirty="0"/>
-              <a:t>3. CSS </a:t>
+              <a:t>3. HTML/CSS </a:t>
             </a:r>
             <a:r>
               <a:rPr lang="ko-KR" altLang="en-US" dirty="0"/>
-              <a:t>기초</a:t>
+              <a:t>기본</a:t>
             </a:r>
             <a:endParaRPr lang="en-US" altLang="ko-KR" dirty="0"/>
           </a:p>
           <a:p>
-            <a:pPr>
-              <a:buFont typeface="Wingdings" panose="05000000000000000000" pitchFamily="2" charset="2"/>
-              <a:buChar char="Ø"/>
-            </a:pPr>
+            <a:pPr marL="0" indent="0">
+              <a:buNone/>
+            </a:pPr>
+            <a:endParaRPr lang="en-US" altLang="ko-KR" dirty="0"/>
+          </a:p>
+          <a:p>
+            <a:pPr marL="0" indent="0">
+              <a:buNone/>
+            </a:pPr>
+            <a:r>
+              <a:rPr lang="en-US" altLang="ko-KR" dirty="0"/>
+              <a:t>form / input</a:t>
+            </a:r>
+          </a:p>
+          <a:p>
+            <a:pPr marL="0" indent="0">
+              <a:buNone/>
+            </a:pPr>
+            <a:endParaRPr lang="en-US" altLang="ko-KR" dirty="0"/>
+          </a:p>
+          <a:p>
+            <a:pPr marL="0" indent="0">
+              <a:buNone/>
+            </a:pPr>
+            <a:r>
+              <a:rPr lang="en-US" altLang="ko-KR" dirty="0"/>
+              <a:t>&lt;form action=“</a:t>
+            </a:r>
+            <a:r>
+              <a:rPr lang="ko-KR" altLang="en-US" dirty="0"/>
+              <a:t>서버경로</a:t>
+            </a:r>
+            <a:r>
+              <a:rPr lang="en-US" altLang="ko-KR" dirty="0"/>
+              <a:t>” method=“</a:t>
+            </a:r>
+            <a:r>
+              <a:rPr lang="ko-KR" altLang="en-US" dirty="0"/>
+              <a:t>전송방식</a:t>
+            </a:r>
+            <a:r>
+              <a:rPr lang="en-US" altLang="ko-KR" dirty="0"/>
+              <a:t>”&gt;</a:t>
+            </a:r>
+          </a:p>
+          <a:p>
+            <a:pPr marL="0" indent="0">
+              <a:buNone/>
+            </a:pPr>
+            <a:r>
+              <a:rPr lang="en-US" altLang="ko-KR" dirty="0"/>
+              <a:t>    &lt;input type=“text” value=“</a:t>
+            </a:r>
+            <a:r>
+              <a:rPr lang="ko-KR" altLang="en-US" dirty="0"/>
+              <a:t>초기값</a:t>
+            </a:r>
+            <a:r>
+              <a:rPr lang="en-US" altLang="ko-KR" dirty="0"/>
+              <a:t>”&gt;</a:t>
+            </a:r>
+          </a:p>
+          <a:p>
+            <a:pPr marL="0" indent="0">
+              <a:buNone/>
+            </a:pPr>
+            <a:r>
+              <a:rPr lang="en-US" altLang="ko-KR" dirty="0"/>
+              <a:t>    &lt;input type=“number” placeholder=“</a:t>
+            </a:r>
+            <a:r>
+              <a:rPr lang="ko-KR" altLang="en-US" dirty="0"/>
+              <a:t>힌트</a:t>
+            </a:r>
+            <a:r>
+              <a:rPr lang="en-US" altLang="ko-KR" dirty="0"/>
+              <a:t>”&gt;</a:t>
+            </a:r>
+          </a:p>
+          <a:p>
+            <a:pPr marL="0" indent="0">
+              <a:buNone/>
+            </a:pPr>
+            <a:r>
+              <a:rPr lang="en-US" altLang="ko-KR" dirty="0"/>
+              <a:t>    &lt;input type=“password” name=“</a:t>
+            </a:r>
             <a:r>
               <a:rPr lang="ko-KR" altLang="en-US" dirty="0" err="1"/>
-              <a:t>그라데이션</a:t>
-            </a:r>
-            <a:endParaRPr lang="en-US" altLang="ko-KR" dirty="0"/>
-          </a:p>
-          <a:p>
-            <a:pPr marL="0" indent="0">
-              <a:buNone/>
-            </a:pPr>
-            <a:endParaRPr lang="en-US" altLang="ko-KR" dirty="0"/>
-          </a:p>
-        </p:txBody>
-      </p:sp>
-      <p:pic>
-        <p:nvPicPr>
-          <p:cNvPr id="4" name="그림 3">
-            <a:extLst>
-              <a:ext uri="{FF2B5EF4-FFF2-40B4-BE49-F238E27FC236}">
-                <a16:creationId xmlns:a16="http://schemas.microsoft.com/office/drawing/2014/main" id="{616FF037-4062-1460-D072-08BE2FFCD76A}"/>
-              </a:ext>
-            </a:extLst>
-          </p:cNvPr>
-          <p:cNvPicPr>
-            <a:picLocks noChangeAspect="1"/>
-          </p:cNvPicPr>
-          <p:nvPr/>
-        </p:nvPicPr>
-        <p:blipFill>
-          <a:blip r:embed="rId2"/>
-          <a:stretch>
-            <a:fillRect/>
-          </a:stretch>
-        </p:blipFill>
-        <p:spPr>
-          <a:xfrm>
-            <a:off x="9346123" y="416172"/>
-            <a:ext cx="2391109" cy="1124107"/>
-          </a:xfrm>
-          <a:prstGeom prst="rect">
-            <a:avLst/>
-          </a:prstGeom>
-        </p:spPr>
-      </p:pic>
-      <p:pic>
-        <p:nvPicPr>
-          <p:cNvPr id="6" name="그림 5">
-            <a:extLst>
-              <a:ext uri="{FF2B5EF4-FFF2-40B4-BE49-F238E27FC236}">
-                <a16:creationId xmlns:a16="http://schemas.microsoft.com/office/drawing/2014/main" id="{9EFE354D-7BCF-7628-4837-9FAB6F005415}"/>
-              </a:ext>
-            </a:extLst>
-          </p:cNvPr>
-          <p:cNvPicPr>
-            <a:picLocks noChangeAspect="1"/>
-          </p:cNvPicPr>
-          <p:nvPr/>
-        </p:nvPicPr>
-        <p:blipFill>
-          <a:blip r:embed="rId3"/>
-          <a:stretch>
-            <a:fillRect/>
-          </a:stretch>
-        </p:blipFill>
-        <p:spPr>
-          <a:xfrm>
-            <a:off x="5452091" y="416173"/>
-            <a:ext cx="3644080" cy="1124106"/>
-          </a:xfrm>
-          <a:prstGeom prst="rect">
-            <a:avLst/>
-          </a:prstGeom>
-        </p:spPr>
-      </p:pic>
-      <p:sp>
-        <p:nvSpPr>
-          <p:cNvPr id="8" name="TextBox 7">
-            <a:extLst>
-              <a:ext uri="{FF2B5EF4-FFF2-40B4-BE49-F238E27FC236}">
-                <a16:creationId xmlns:a16="http://schemas.microsoft.com/office/drawing/2014/main" id="{FA2C6C05-49B8-BC0B-573B-1FD8E833BCED}"/>
-              </a:ext>
-            </a:extLst>
-          </p:cNvPr>
-          <p:cNvSpPr txBox="1"/>
-          <p:nvPr/>
-        </p:nvSpPr>
-        <p:spPr>
-          <a:xfrm>
-            <a:off x="162127" y="1540279"/>
-            <a:ext cx="11867745" cy="5272341"/>
-          </a:xfrm>
-          <a:prstGeom prst="rect">
-            <a:avLst/>
-          </a:prstGeom>
-          <a:noFill/>
-        </p:spPr>
-        <p:txBody>
-          <a:bodyPr wrap="square" rtlCol="0">
-            <a:spAutoFit/>
-          </a:bodyPr>
-          <a:lstStyle/>
-          <a:p>
+              <a:t>서버로보내는값</a:t>
+            </a:r>
             <a:r>
               <a:rPr lang="en-US" altLang="ko-KR" dirty="0"/>
-              <a:t>.linear{</a:t>
-            </a:r>
-          </a:p>
-          <a:p>
-            <a:pPr>
-              <a:buNone/>
-            </a:pPr>
-            <a:r>
-              <a:rPr lang="en-US" altLang="ko-KR" b="0" dirty="0">
-                <a:effectLst/>
-                <a:latin typeface="Tw Cen MT (본문)"/>
-              </a:rPr>
-              <a:t>    background: linear-gradient(to bottom, red, yellow, green, blue);</a:t>
-            </a:r>
-          </a:p>
-          <a:p>
-            <a:pPr>
-              <a:buNone/>
-            </a:pPr>
-            <a:r>
-              <a:rPr lang="en-US" altLang="ko-KR" b="0" dirty="0">
-                <a:effectLst/>
-                <a:latin typeface="Tw Cen MT (본문)"/>
-              </a:rPr>
-              <a:t>    background: linear-gradient(to right, red, yellow, green, blue);</a:t>
-            </a:r>
-          </a:p>
-          <a:p>
-            <a:pPr>
-              <a:buNone/>
-            </a:pPr>
-            <a:r>
-              <a:rPr lang="en-US" altLang="ko-KR" b="0" dirty="0">
-                <a:effectLst/>
-                <a:latin typeface="Tw Cen MT (본문)"/>
-              </a:rPr>
-              <a:t>    background: linear-gradient(to top left, red, yellow, green, blue);</a:t>
-            </a:r>
-          </a:p>
-          <a:p>
-            <a:pPr>
-              <a:buNone/>
-            </a:pPr>
-            <a:r>
-              <a:rPr lang="en-US" altLang="ko-KR" b="0" dirty="0">
-                <a:effectLst/>
-                <a:latin typeface="Tw Cen MT (본문)"/>
-              </a:rPr>
-              <a:t>    background: linear-gradient(270deg, red, yellow, green, blue);</a:t>
-            </a:r>
-          </a:p>
-          <a:p>
-            <a:pPr>
-              <a:buNone/>
-            </a:pPr>
-            <a:r>
-              <a:rPr lang="en-US" altLang="ko-KR" b="0" dirty="0">
-                <a:effectLst/>
-                <a:latin typeface="Tw Cen MT (본문)"/>
-              </a:rPr>
-              <a:t>    background: linear-gradient(to bottom, black 30%, red 50%, yellow 75%);</a:t>
-            </a:r>
-          </a:p>
-          <a:p>
-            <a:pPr>
-              <a:buNone/>
-            </a:pPr>
-            <a:r>
-              <a:rPr lang="en-US" altLang="ko-KR" b="0" dirty="0">
-                <a:effectLst/>
-                <a:latin typeface="Tw Cen MT (본문)"/>
-              </a:rPr>
-              <a:t>    background: linear-gradient(to bottom, black 30%, red 30%, red 75%, yellow 75%);</a:t>
-            </a:r>
-          </a:p>
-          <a:p>
-            <a:r>
-              <a:rPr lang="en-US" altLang="ko-KR" b="0" dirty="0">
-                <a:effectLst/>
-                <a:latin typeface="Tw Cen MT (본문)"/>
-              </a:rPr>
-              <a:t>    background: linear-gradient(190deg, transparent 50%, black 50%);</a:t>
-            </a:r>
-            <a:endParaRPr lang="en-US" altLang="ko-KR" dirty="0"/>
-          </a:p>
-          <a:p>
+              <a:t>”&gt;</a:t>
+            </a:r>
+          </a:p>
+          <a:p>
+            <a:pPr marL="0" indent="0">
+              <a:buNone/>
+            </a:pPr>
             <a:r>
               <a:rPr lang="en-US" altLang="ko-KR" dirty="0"/>
-              <a:t>}</a:t>
-            </a:r>
-          </a:p>
-          <a:p>
-            <a:pPr>
-              <a:buNone/>
-            </a:pPr>
-            <a:r>
-              <a:rPr lang="en-US" altLang="ko-KR" b="0" dirty="0">
-                <a:effectLst/>
-              </a:rPr>
-              <a:t>.radial{</a:t>
-            </a:r>
-          </a:p>
-          <a:p>
-            <a:pPr>
-              <a:buNone/>
-            </a:pPr>
-            <a:r>
-              <a:rPr lang="en-US" altLang="ko-KR" b="0" dirty="0">
-                <a:effectLst/>
-              </a:rPr>
-              <a:t>            background: radial-gradient(red, yellow, green, blue);</a:t>
-            </a:r>
-          </a:p>
-          <a:p>
-            <a:pPr>
-              <a:buNone/>
-            </a:pPr>
-            <a:r>
-              <a:rPr lang="en-US" altLang="ko-KR" b="0" dirty="0">
-                <a:effectLst/>
-              </a:rPr>
-              <a:t>    background: radial-gradient(red 30%, transparent 70%), linear-gradient(green, brown);</a:t>
-            </a:r>
-          </a:p>
-          <a:p>
-            <a:r>
-              <a:rPr lang="en-US" altLang="ko-KR" b="0" dirty="0">
-                <a:effectLst/>
-              </a:rPr>
-              <a:t>}</a:t>
-            </a:r>
-          </a:p>
-          <a:p>
-            <a:pPr>
-              <a:buNone/>
-            </a:pPr>
-            <a:r>
-              <a:rPr lang="en-US" altLang="ko-KR" b="0" dirty="0">
-                <a:effectLst/>
-                <a:latin typeface="Consolas" panose="020B0609020204030204" pitchFamily="49" charset="0"/>
-              </a:rPr>
-              <a:t>.blackhole{</a:t>
-            </a:r>
-          </a:p>
-          <a:p>
-            <a:pPr>
-              <a:buNone/>
-            </a:pPr>
-            <a:r>
-              <a:rPr lang="en-US" altLang="ko-KR" b="0" dirty="0">
-                <a:effectLst/>
-                <a:latin typeface="Consolas" panose="020B0609020204030204" pitchFamily="49" charset="0"/>
-              </a:rPr>
-              <a:t>      </a:t>
-            </a:r>
-            <a:r>
-              <a:rPr lang="en-US" altLang="ko-KR" b="0" dirty="0" err="1">
-                <a:effectLst/>
-                <a:latin typeface="Consolas" panose="020B0609020204030204" pitchFamily="49" charset="0"/>
-              </a:rPr>
-              <a:t>background-size:cover</a:t>
-            </a:r>
-            <a:r>
-              <a:rPr lang="en-US" altLang="ko-KR" b="0" dirty="0">
-                <a:effectLst/>
-                <a:latin typeface="Consolas" panose="020B0609020204030204" pitchFamily="49" charset="0"/>
-              </a:rPr>
-              <a:t>;</a:t>
-            </a:r>
-          </a:p>
-          <a:p>
-            <a:pPr>
-              <a:buNone/>
-            </a:pPr>
-            <a:r>
-              <a:rPr lang="en-US" altLang="ko-KR" b="0" dirty="0">
-                <a:effectLst/>
-                <a:latin typeface="Consolas" panose="020B0609020204030204" pitchFamily="49" charset="0"/>
-              </a:rPr>
-              <a:t>      background-position: center;</a:t>
-            </a:r>
-          </a:p>
-          <a:p>
-            <a:pPr>
-              <a:buNone/>
-            </a:pPr>
-            <a:r>
-              <a:rPr lang="en-US" altLang="ko-KR" b="0" dirty="0">
-                <a:effectLst/>
-                <a:latin typeface="Consolas" panose="020B0609020204030204" pitchFamily="49" charset="0"/>
-              </a:rPr>
-              <a:t>      background-repeat: no-repeat;</a:t>
-            </a:r>
-          </a:p>
-          <a:p>
-            <a:pPr>
-              <a:buNone/>
-            </a:pPr>
-            <a:r>
-              <a:rPr lang="en-US" altLang="ko-KR" b="0" dirty="0">
-                <a:effectLst/>
-                <a:latin typeface="Consolas" panose="020B0609020204030204" pitchFamily="49" charset="0"/>
-              </a:rPr>
-              <a:t>      background: radial-gradient(black 40%, white 41%, transparent 49%), </a:t>
-            </a:r>
-            <a:r>
-              <a:rPr lang="en-US" altLang="ko-KR" b="0" dirty="0" err="1">
-                <a:effectLst/>
-                <a:latin typeface="Consolas" panose="020B0609020204030204" pitchFamily="49" charset="0"/>
-              </a:rPr>
-              <a:t>url</a:t>
-            </a:r>
-            <a:r>
-              <a:rPr lang="en-US" altLang="ko-KR" b="0" dirty="0">
-                <a:effectLst/>
-                <a:latin typeface="Consolas" panose="020B0609020204030204" pitchFamily="49" charset="0"/>
-              </a:rPr>
-              <a:t>(universe.png);</a:t>
-            </a:r>
-          </a:p>
-          <a:p>
-            <a:pPr>
-              <a:lnSpc>
-                <a:spcPts val="1425"/>
-              </a:lnSpc>
-            </a:pPr>
-            <a:r>
-              <a:rPr lang="en-US" altLang="ko-KR" b="0" dirty="0">
-                <a:effectLst/>
-                <a:latin typeface="Consolas" panose="020B0609020204030204" pitchFamily="49" charset="0"/>
-              </a:rPr>
-              <a:t>}</a:t>
+              <a:t>    &lt;input type=“email”&gt;</a:t>
+            </a:r>
+          </a:p>
+          <a:p>
+            <a:pPr marL="0" indent="0">
+              <a:buNone/>
+            </a:pPr>
+            <a:r>
+              <a:rPr lang="en-US" altLang="ko-KR" dirty="0"/>
+              <a:t>    &lt;input type=“date”&gt;</a:t>
+            </a:r>
+          </a:p>
+          <a:p>
+            <a:pPr marL="0" indent="0">
+              <a:buNone/>
+            </a:pPr>
+            <a:r>
+              <a:rPr lang="en-US" altLang="ko-KR" dirty="0"/>
+              <a:t>    &lt;input type=“checkbox”&gt;</a:t>
+            </a:r>
+          </a:p>
+          <a:p>
+            <a:pPr marL="0" indent="0">
+              <a:buNone/>
+            </a:pPr>
+            <a:r>
+              <a:rPr lang="en-US" altLang="ko-KR" dirty="0"/>
+              <a:t>    &lt;input type=“radio” name=“</a:t>
+            </a:r>
+            <a:r>
+              <a:rPr lang="en-US" altLang="ko-KR" dirty="0" err="1"/>
+              <a:t>bundle_radio</a:t>
+            </a:r>
+            <a:r>
+              <a:rPr lang="en-US" altLang="ko-KR" dirty="0"/>
+              <a:t>” id=“rad1”&gt;</a:t>
+            </a:r>
+          </a:p>
+          <a:p>
+            <a:pPr marL="0" indent="0">
+              <a:buNone/>
+            </a:pPr>
+            <a:r>
+              <a:rPr lang="en-US" altLang="ko-KR" dirty="0"/>
+              <a:t>    &lt;label for=“rad1”&gt;A&lt;/label&gt;</a:t>
+            </a:r>
+          </a:p>
+          <a:p>
+            <a:pPr marL="0" indent="0">
+              <a:buNone/>
+            </a:pPr>
+            <a:r>
+              <a:rPr lang="en-US" altLang="ko-KR" dirty="0"/>
+              <a:t>    &lt;input type=“radio” name=“</a:t>
+            </a:r>
+            <a:r>
+              <a:rPr lang="en-US" altLang="ko-KR" dirty="0" err="1"/>
+              <a:t>bundle_radio</a:t>
+            </a:r>
+            <a:r>
+              <a:rPr lang="en-US" altLang="ko-KR" dirty="0"/>
+              <a:t>” id=“rad2”&gt;</a:t>
+            </a:r>
+          </a:p>
+          <a:p>
+            <a:pPr marL="0" indent="0">
+              <a:buNone/>
+            </a:pPr>
+            <a:r>
+              <a:rPr lang="en-US" altLang="ko-KR" dirty="0"/>
+              <a:t>    &lt;label for=“rad2”&gt;B&lt;/label&gt;</a:t>
+            </a:r>
+          </a:p>
+          <a:p>
+            <a:pPr marL="0" indent="0">
+              <a:buNone/>
+            </a:pPr>
+            <a:r>
+              <a:rPr lang="en-US" altLang="ko-KR" dirty="0"/>
+              <a:t>    &lt;input type=“submit” value=“</a:t>
+            </a:r>
+            <a:r>
+              <a:rPr lang="ko-KR" altLang="en-US" dirty="0"/>
+              <a:t>전송하기</a:t>
+            </a:r>
+            <a:r>
+              <a:rPr lang="en-US" altLang="ko-KR" dirty="0"/>
+              <a:t>”&gt;</a:t>
+            </a:r>
+          </a:p>
+          <a:p>
+            <a:pPr marL="0" indent="0">
+              <a:buNone/>
+            </a:pPr>
+            <a:r>
+              <a:rPr lang="en-US" altLang="ko-KR" dirty="0"/>
+              <a:t>&lt;/form&gt;</a:t>
             </a:r>
           </a:p>
         </p:txBody>
@@ -12224,7 +12630,7 @@
     </p:spTree>
     <p:extLst>
       <p:ext uri="{BB962C8B-B14F-4D97-AF65-F5344CB8AC3E}">
-        <p14:creationId xmlns:p14="http://schemas.microsoft.com/office/powerpoint/2010/main" val="1037533194"/>
+        <p14:creationId xmlns:p14="http://schemas.microsoft.com/office/powerpoint/2010/main" val="2591352747"/>
       </p:ext>
     </p:extLst>
   </p:cSld>
@@ -12234,7 +12640,7 @@
 </p:sld>
 </file>
 
-<file path=ppt/slides/slide33.xml><?xml version="1.0" encoding="utf-8"?>
+<file path=ppt/slides/slide36.xml><?xml version="1.0" encoding="utf-8"?>
 <p:sld xmlns:a="http://schemas.openxmlformats.org/drawingml/2006/main" xmlns:r="http://schemas.openxmlformats.org/officeDocument/2006/relationships" xmlns:p="http://schemas.openxmlformats.org/presentationml/2006/main">
   <p:cSld>
     <p:spTree>
@@ -12242,7 +12648,7 @@
         <p:cNvPr id="1" name="">
           <a:extLst>
             <a:ext uri="{FF2B5EF4-FFF2-40B4-BE49-F238E27FC236}">
-              <a16:creationId xmlns:a16="http://schemas.microsoft.com/office/drawing/2014/main" id="{B08912CB-9084-F668-1E1F-42D54E7A579F}"/>
+              <a16:creationId xmlns:a16="http://schemas.microsoft.com/office/drawing/2014/main" id="{481B4EA8-BF6D-04B6-DD65-80EFE274C6CD}"/>
             </a:ext>
           </a:extLst>
         </p:cNvPr>
@@ -12262,7 +12668,7 @@
           <p:cNvPr id="3" name="내용 개체 틀 2">
             <a:extLst>
               <a:ext uri="{FF2B5EF4-FFF2-40B4-BE49-F238E27FC236}">
-                <a16:creationId xmlns:a16="http://schemas.microsoft.com/office/drawing/2014/main" id="{0203035C-F733-353F-B0F0-39FF18D2F1BD}"/>
+                <a16:creationId xmlns:a16="http://schemas.microsoft.com/office/drawing/2014/main" id="{9E6062FC-AFB9-02F1-7FAF-F4D13F7EF209}"/>
               </a:ext>
             </a:extLst>
           </p:cNvPr>
@@ -12275,13 +12681,13 @@
         </p:nvSpPr>
         <p:spPr>
           <a:xfrm>
-            <a:off x="838199" y="314697"/>
-            <a:ext cx="11068455" cy="1339006"/>
+            <a:off x="838200" y="314696"/>
+            <a:ext cx="10515600" cy="5862267"/>
           </a:xfrm>
         </p:spPr>
         <p:txBody>
           <a:bodyPr>
-            <a:normAutofit/>
+            <a:normAutofit fontScale="85000" lnSpcReduction="20000"/>
           </a:bodyPr>
           <a:lstStyle/>
           <a:p>
@@ -12290,656 +12696,187 @@
             </a:pPr>
             <a:r>
               <a:rPr lang="en-US" altLang="ko-KR" dirty="0"/>
-              <a:t>3. CSS </a:t>
+              <a:t>3. HTML/CSS </a:t>
             </a:r>
             <a:r>
               <a:rPr lang="ko-KR" altLang="en-US" dirty="0"/>
-              <a:t>기초</a:t>
+              <a:t>기본</a:t>
             </a:r>
             <a:endParaRPr lang="en-US" altLang="ko-KR" dirty="0"/>
           </a:p>
           <a:p>
-            <a:pPr>
-              <a:buFont typeface="Wingdings" panose="05000000000000000000" pitchFamily="2" charset="2"/>
-              <a:buChar char="Ø"/>
-            </a:pPr>
+            <a:pPr marL="0" indent="0">
+              <a:buNone/>
+            </a:pPr>
+            <a:endParaRPr lang="en-US" altLang="ko-KR" dirty="0"/>
+          </a:p>
+          <a:p>
+            <a:pPr marL="0" indent="0">
+              <a:buNone/>
+            </a:pPr>
+            <a:r>
+              <a:rPr lang="en-US" altLang="ko-KR" dirty="0"/>
+              <a:t>form / input</a:t>
+            </a:r>
+          </a:p>
+          <a:p>
+            <a:pPr marL="0" indent="0">
+              <a:buNone/>
+            </a:pPr>
+            <a:endParaRPr lang="en-US" altLang="ko-KR" dirty="0"/>
+          </a:p>
+          <a:p>
+            <a:pPr marL="0" indent="0">
+              <a:buNone/>
+            </a:pPr>
+            <a:r>
+              <a:rPr lang="en-US" altLang="ko-KR" dirty="0"/>
+              <a:t>&lt;form action=“</a:t>
+            </a:r>
             <a:r>
               <a:rPr lang="ko-KR" altLang="en-US" dirty="0"/>
-              <a:t>그림자 효과</a:t>
-            </a:r>
-            <a:endParaRPr lang="en-US" altLang="ko-KR" dirty="0"/>
-          </a:p>
-          <a:p>
-            <a:pPr marL="0" indent="0">
-              <a:buNone/>
-            </a:pPr>
-            <a:endParaRPr lang="en-US" altLang="ko-KR" dirty="0"/>
+              <a:t>서버경로</a:t>
+            </a:r>
+            <a:r>
+              <a:rPr lang="en-US" altLang="ko-KR" dirty="0"/>
+              <a:t>” method=“</a:t>
+            </a:r>
+            <a:r>
+              <a:rPr lang="ko-KR" altLang="en-US" dirty="0"/>
+              <a:t>전송방식</a:t>
+            </a:r>
+            <a:r>
+              <a:rPr lang="en-US" altLang="ko-KR" dirty="0"/>
+              <a:t>”&gt;</a:t>
+            </a:r>
+          </a:p>
+          <a:p>
+            <a:pPr marL="0" indent="0">
+              <a:buNone/>
+            </a:pPr>
+            <a:r>
+              <a:rPr lang="en-US" altLang="ko-KR" dirty="0"/>
+              <a:t>    &lt;input type=“text” value=“</a:t>
+            </a:r>
+            <a:r>
+              <a:rPr lang="ko-KR" altLang="en-US" dirty="0"/>
+              <a:t>초기값</a:t>
+            </a:r>
+            <a:r>
+              <a:rPr lang="en-US" altLang="ko-KR" dirty="0"/>
+              <a:t>”&gt;</a:t>
+            </a:r>
+          </a:p>
+          <a:p>
+            <a:pPr marL="0" indent="0">
+              <a:buNone/>
+            </a:pPr>
+            <a:r>
+              <a:rPr lang="en-US" altLang="ko-KR" dirty="0"/>
+              <a:t>    &lt;input type=“number” placeholder=“</a:t>
+            </a:r>
+            <a:r>
+              <a:rPr lang="ko-KR" altLang="en-US" dirty="0"/>
+              <a:t>힌트</a:t>
+            </a:r>
+            <a:r>
+              <a:rPr lang="en-US" altLang="ko-KR" dirty="0"/>
+              <a:t>”&gt;</a:t>
+            </a:r>
+          </a:p>
+          <a:p>
+            <a:pPr marL="0" indent="0">
+              <a:buNone/>
+            </a:pPr>
+            <a:r>
+              <a:rPr lang="en-US" altLang="ko-KR" dirty="0"/>
+              <a:t>    &lt;select&gt;</a:t>
+            </a:r>
+          </a:p>
+          <a:p>
+            <a:pPr marL="0" indent="0">
+              <a:buNone/>
+            </a:pPr>
+            <a:r>
+              <a:rPr lang="en-US" altLang="ko-KR" dirty="0"/>
+              <a:t>        &lt;option&gt;1&lt;/option&gt;</a:t>
+            </a:r>
+          </a:p>
+          <a:p>
+            <a:pPr marL="0" indent="0">
+              <a:buNone/>
+            </a:pPr>
+            <a:r>
+              <a:rPr lang="en-US" altLang="ko-KR" dirty="0"/>
+              <a:t>        &lt;option&gt;2&lt;/option&gt;</a:t>
+            </a:r>
+          </a:p>
+          <a:p>
+            <a:pPr marL="0" indent="0">
+              <a:buNone/>
+            </a:pPr>
+            <a:r>
+              <a:rPr lang="en-US" altLang="ko-KR" dirty="0"/>
+              <a:t>        &lt;option&gt;3&lt;/option&gt;</a:t>
+            </a:r>
+          </a:p>
+          <a:p>
+            <a:pPr marL="0" indent="0">
+              <a:buNone/>
+            </a:pPr>
+            <a:r>
+              <a:rPr lang="en-US" altLang="ko-KR" dirty="0"/>
+              <a:t>    &lt;/select&gt;    &lt;!-- </a:t>
+            </a:r>
+            <a:r>
+              <a:rPr lang="ko-KR" altLang="en-US" dirty="0"/>
+              <a:t>드롭다운</a:t>
+            </a:r>
+            <a:r>
+              <a:rPr lang="en-US" altLang="ko-KR" dirty="0"/>
+              <a:t> --&gt;</a:t>
+            </a:r>
+          </a:p>
+          <a:p>
+            <a:pPr marL="0" indent="0">
+              <a:buNone/>
+            </a:pPr>
+            <a:r>
+              <a:rPr lang="en-US" altLang="ko-KR" dirty="0"/>
+              <a:t>    &lt;</a:t>
+            </a:r>
+            <a:r>
+              <a:rPr lang="en-US" altLang="ko-KR" dirty="0" err="1"/>
+              <a:t>textarea</a:t>
+            </a:r>
+            <a:r>
+              <a:rPr lang="en-US" altLang="ko-KR" dirty="0"/>
+              <a:t>&gt;&lt;/</a:t>
+            </a:r>
+            <a:r>
+              <a:rPr lang="en-US" altLang="ko-KR" dirty="0" err="1"/>
+              <a:t>textarea</a:t>
+            </a:r>
+            <a:r>
+              <a:rPr lang="en-US" altLang="ko-KR" dirty="0"/>
+              <a:t>&gt;</a:t>
+            </a:r>
+          </a:p>
+          <a:p>
+            <a:pPr marL="0" indent="0">
+              <a:buNone/>
+            </a:pPr>
+            <a:r>
+              <a:rPr lang="en-US" altLang="ko-KR" dirty="0"/>
+              <a:t>&lt;/form&gt;</a:t>
+            </a:r>
           </a:p>
         </p:txBody>
       </p:sp>
-      <p:sp>
-        <p:nvSpPr>
-          <p:cNvPr id="8" name="TextBox 7">
-            <a:extLst>
-              <a:ext uri="{FF2B5EF4-FFF2-40B4-BE49-F238E27FC236}">
-                <a16:creationId xmlns:a16="http://schemas.microsoft.com/office/drawing/2014/main" id="{5849BDA4-CAF5-C7CA-994D-8218BF167875}"/>
-              </a:ext>
-            </a:extLst>
-          </p:cNvPr>
-          <p:cNvSpPr txBox="1"/>
-          <p:nvPr/>
-        </p:nvSpPr>
-        <p:spPr>
-          <a:xfrm>
-            <a:off x="162127" y="2192032"/>
-            <a:ext cx="11867745" cy="4524315"/>
-          </a:xfrm>
-          <a:prstGeom prst="rect">
-            <a:avLst/>
-          </a:prstGeom>
-          <a:noFill/>
-        </p:spPr>
-        <p:txBody>
-          <a:bodyPr wrap="square" rtlCol="0">
-            <a:spAutoFit/>
-          </a:bodyPr>
-          <a:lstStyle/>
-          <a:p>
-            <a:pPr>
-              <a:buNone/>
-            </a:pPr>
-            <a:r>
-              <a:rPr lang="en-US" altLang="ko-KR" b="1" dirty="0">
-                <a:effectLst/>
-              </a:rPr>
-              <a:t>x</a:t>
-            </a:r>
-            <a:r>
-              <a:rPr lang="ko-KR" altLang="en-US" b="1" dirty="0">
-                <a:effectLst/>
-              </a:rPr>
-              <a:t>축</a:t>
-            </a:r>
-            <a:r>
-              <a:rPr lang="en-US" altLang="ko-KR" b="1" dirty="0">
-                <a:effectLst/>
-              </a:rPr>
-              <a:t>, y</a:t>
-            </a:r>
-            <a:r>
-              <a:rPr lang="ko-KR" altLang="en-US" b="1" dirty="0">
-                <a:effectLst/>
-              </a:rPr>
-              <a:t>축</a:t>
-            </a:r>
-          </a:p>
-          <a:p>
-            <a:pPr>
-              <a:buNone/>
-            </a:pPr>
-            <a:r>
-              <a:rPr lang="en-US" altLang="ko-KR" b="0" dirty="0">
-                <a:effectLst/>
-              </a:rPr>
-              <a:t>box-shadow: 20px 10px;</a:t>
-            </a:r>
-            <a:endParaRPr lang="ko-KR" altLang="en-US" b="0" dirty="0">
-              <a:effectLst/>
-            </a:endParaRPr>
-          </a:p>
-          <a:p>
-            <a:pPr>
-              <a:buNone/>
-            </a:pPr>
-            <a:r>
-              <a:rPr lang="en-US" altLang="ko-KR" b="0" dirty="0">
-                <a:effectLst/>
-              </a:rPr>
-              <a:t>box-shadow: -20px -10px;</a:t>
-            </a:r>
-          </a:p>
-          <a:p>
-            <a:pPr>
-              <a:buNone/>
-            </a:pPr>
-            <a:endParaRPr lang="ko-KR" altLang="en-US" b="0" dirty="0">
-              <a:effectLst/>
-            </a:endParaRPr>
-          </a:p>
-          <a:p>
-            <a:pPr>
-              <a:buNone/>
-            </a:pPr>
-            <a:r>
-              <a:rPr lang="en-US" altLang="ko-KR" b="1" dirty="0">
-                <a:effectLst/>
-              </a:rPr>
-              <a:t>x</a:t>
-            </a:r>
-            <a:r>
-              <a:rPr lang="ko-KR" altLang="en-US" b="1" dirty="0">
-                <a:effectLst/>
-              </a:rPr>
-              <a:t>축</a:t>
-            </a:r>
-            <a:r>
-              <a:rPr lang="en-US" altLang="ko-KR" b="1" dirty="0">
-                <a:effectLst/>
-              </a:rPr>
-              <a:t>, y</a:t>
-            </a:r>
-            <a:r>
-              <a:rPr lang="ko-KR" altLang="en-US" b="1" dirty="0">
-                <a:effectLst/>
-              </a:rPr>
-              <a:t>축</a:t>
-            </a:r>
-            <a:r>
-              <a:rPr lang="en-US" altLang="ko-KR" b="1" dirty="0">
-                <a:effectLst/>
-              </a:rPr>
-              <a:t>, </a:t>
-            </a:r>
-            <a:r>
-              <a:rPr lang="ko-KR" altLang="en-US" b="1" dirty="0" err="1">
-                <a:effectLst/>
-              </a:rPr>
-              <a:t>블러</a:t>
-            </a:r>
-            <a:r>
-              <a:rPr lang="en-US" altLang="ko-KR" b="1" dirty="0">
-                <a:effectLst/>
-              </a:rPr>
-              <a:t>, </a:t>
-            </a:r>
-            <a:r>
-              <a:rPr lang="ko-KR" altLang="en-US" b="1" dirty="0">
-                <a:effectLst/>
-              </a:rPr>
-              <a:t>색상</a:t>
-            </a:r>
-          </a:p>
-          <a:p>
-            <a:pPr>
-              <a:buNone/>
-            </a:pPr>
-            <a:r>
-              <a:rPr lang="en-US" altLang="ko-KR" b="0" dirty="0">
-                <a:effectLst/>
-              </a:rPr>
-              <a:t>box-shadow: 20px</a:t>
-            </a:r>
-            <a:r>
-              <a:rPr lang="ko-KR" altLang="en-US" b="0" dirty="0">
-                <a:effectLst/>
-              </a:rPr>
-              <a:t> </a:t>
-            </a:r>
-            <a:r>
-              <a:rPr lang="en-US" altLang="ko-KR" b="0" dirty="0">
-                <a:effectLst/>
-              </a:rPr>
-              <a:t>10px</a:t>
-            </a:r>
-            <a:r>
-              <a:rPr lang="ko-KR" altLang="en-US" b="0" dirty="0">
-                <a:effectLst/>
-              </a:rPr>
-              <a:t> </a:t>
-            </a:r>
-            <a:r>
-              <a:rPr lang="en-US" altLang="ko-KR" b="0" dirty="0">
-                <a:effectLst/>
-              </a:rPr>
-              <a:t>15px</a:t>
-            </a:r>
-            <a:r>
-              <a:rPr lang="ko-KR" altLang="en-US" b="0" dirty="0">
-                <a:effectLst/>
-              </a:rPr>
-              <a:t> </a:t>
-            </a:r>
-            <a:r>
-              <a:rPr lang="en-US" altLang="ko-KR" b="0" dirty="0">
-                <a:effectLst/>
-              </a:rPr>
-              <a:t>grey;</a:t>
-            </a:r>
-          </a:p>
-          <a:p>
-            <a:pPr>
-              <a:buNone/>
-            </a:pPr>
-            <a:endParaRPr lang="ko-KR" altLang="en-US" b="0" dirty="0">
-              <a:effectLst/>
-            </a:endParaRPr>
-          </a:p>
-          <a:p>
-            <a:pPr>
-              <a:buNone/>
-            </a:pPr>
-            <a:r>
-              <a:rPr lang="en-US" altLang="ko-KR" b="1" dirty="0">
-                <a:effectLst/>
-              </a:rPr>
-              <a:t>x</a:t>
-            </a:r>
-            <a:r>
-              <a:rPr lang="ko-KR" altLang="en-US" b="1" dirty="0">
-                <a:effectLst/>
-              </a:rPr>
-              <a:t>축</a:t>
-            </a:r>
-            <a:r>
-              <a:rPr lang="en-US" altLang="ko-KR" b="1" dirty="0">
-                <a:effectLst/>
-              </a:rPr>
-              <a:t>, y</a:t>
-            </a:r>
-            <a:r>
-              <a:rPr lang="ko-KR" altLang="en-US" b="1" dirty="0">
-                <a:effectLst/>
-              </a:rPr>
-              <a:t>축</a:t>
-            </a:r>
-            <a:r>
-              <a:rPr lang="en-US" altLang="ko-KR" b="1" dirty="0">
-                <a:effectLst/>
-              </a:rPr>
-              <a:t>, </a:t>
-            </a:r>
-            <a:r>
-              <a:rPr lang="ko-KR" altLang="en-US" b="1" dirty="0" err="1">
-                <a:effectLst/>
-              </a:rPr>
-              <a:t>블러</a:t>
-            </a:r>
-            <a:r>
-              <a:rPr lang="en-US" altLang="ko-KR" b="1" dirty="0">
-                <a:effectLst/>
-              </a:rPr>
-              <a:t>, </a:t>
-            </a:r>
-            <a:r>
-              <a:rPr lang="ko-KR" altLang="en-US" b="1" dirty="0">
-                <a:effectLst/>
-              </a:rPr>
-              <a:t>확산</a:t>
-            </a:r>
-            <a:r>
-              <a:rPr lang="en-US" altLang="ko-KR" b="1" dirty="0">
-                <a:effectLst/>
-              </a:rPr>
-              <a:t>, </a:t>
-            </a:r>
-            <a:r>
-              <a:rPr lang="ko-KR" altLang="en-US" b="1" dirty="0">
-                <a:effectLst/>
-              </a:rPr>
-              <a:t>색상</a:t>
-            </a:r>
-            <a:r>
-              <a:rPr lang="en-US" altLang="ko-KR" b="1" dirty="0">
-                <a:effectLst/>
-              </a:rPr>
-              <a:t>, inset</a:t>
-            </a:r>
-            <a:endParaRPr lang="ko-KR" altLang="en-US" b="1" dirty="0">
-              <a:effectLst/>
-            </a:endParaRPr>
-          </a:p>
-          <a:p>
-            <a:pPr>
-              <a:buNone/>
-            </a:pPr>
-            <a:r>
-              <a:rPr lang="en-US" altLang="ko-KR" b="0" dirty="0">
-                <a:effectLst/>
-              </a:rPr>
-              <a:t>box-shadow: 20px 10px 15px 20px grey inset;</a:t>
-            </a:r>
-            <a:endParaRPr lang="ko-KR" altLang="en-US" b="0" dirty="0">
-              <a:effectLst/>
-            </a:endParaRPr>
-          </a:p>
-          <a:p>
-            <a:pPr>
-              <a:buNone/>
-            </a:pPr>
-            <a:r>
-              <a:rPr lang="ko-KR" altLang="en-US" b="0" dirty="0">
-                <a:effectLst/>
-              </a:rPr>
-              <a:t>    </a:t>
-            </a:r>
-          </a:p>
-          <a:p>
-            <a:pPr marL="285750" indent="-285750">
-              <a:buFont typeface="Wingdings" panose="05000000000000000000" pitchFamily="2" charset="2"/>
-              <a:buChar char="§"/>
-            </a:pPr>
-            <a:r>
-              <a:rPr lang="en-US" altLang="ko-KR" b="0" dirty="0">
-                <a:effectLst/>
-              </a:rPr>
-              <a:t>x</a:t>
-            </a:r>
-            <a:r>
-              <a:rPr lang="ko-KR" altLang="en-US" b="0" dirty="0">
-                <a:effectLst/>
-              </a:rPr>
-              <a:t>축 오프셋 </a:t>
-            </a:r>
-            <a:r>
-              <a:rPr lang="en-US" altLang="ko-KR" b="0" dirty="0">
-                <a:effectLst/>
-              </a:rPr>
-              <a:t>: </a:t>
-            </a:r>
-            <a:r>
-              <a:rPr lang="ko-KR" altLang="en-US" b="0" dirty="0" err="1">
-                <a:effectLst/>
-              </a:rPr>
-              <a:t>양수값은</a:t>
-            </a:r>
-            <a:r>
-              <a:rPr lang="ko-KR" altLang="en-US" b="0" dirty="0">
-                <a:effectLst/>
-              </a:rPr>
-              <a:t> 오른쪽</a:t>
-            </a:r>
-            <a:r>
-              <a:rPr lang="en-US" altLang="ko-KR" b="0" dirty="0">
-                <a:effectLst/>
-              </a:rPr>
-              <a:t>, </a:t>
-            </a:r>
-            <a:r>
-              <a:rPr lang="ko-KR" altLang="en-US" b="0" dirty="0" err="1">
-                <a:effectLst/>
-              </a:rPr>
-              <a:t>음수값은</a:t>
-            </a:r>
-            <a:r>
-              <a:rPr lang="ko-KR" altLang="en-US" b="0" dirty="0">
-                <a:effectLst/>
-              </a:rPr>
-              <a:t> 왼쪽으로 그림자가 이동</a:t>
-            </a:r>
-          </a:p>
-          <a:p>
-            <a:pPr marL="285750" indent="-285750">
-              <a:buFont typeface="Wingdings" panose="05000000000000000000" pitchFamily="2" charset="2"/>
-              <a:buChar char="§"/>
-            </a:pPr>
-            <a:r>
-              <a:rPr lang="en-US" altLang="ko-KR" b="0" dirty="0">
-                <a:effectLst/>
-              </a:rPr>
-              <a:t>y</a:t>
-            </a:r>
-            <a:r>
-              <a:rPr lang="ko-KR" altLang="en-US" b="0" dirty="0">
-                <a:effectLst/>
-              </a:rPr>
-              <a:t>축 오프셋 </a:t>
-            </a:r>
-            <a:r>
-              <a:rPr lang="en-US" altLang="ko-KR" b="0" dirty="0">
-                <a:effectLst/>
-              </a:rPr>
-              <a:t>: </a:t>
-            </a:r>
-            <a:r>
-              <a:rPr lang="ko-KR" altLang="en-US" b="0" dirty="0" err="1">
-                <a:effectLst/>
-              </a:rPr>
-              <a:t>양수값은</a:t>
-            </a:r>
-            <a:r>
-              <a:rPr lang="ko-KR" altLang="en-US" b="0" dirty="0">
-                <a:effectLst/>
-              </a:rPr>
-              <a:t> 아래쪽</a:t>
-            </a:r>
-            <a:r>
-              <a:rPr lang="en-US" altLang="ko-KR" b="0" dirty="0">
-                <a:effectLst/>
-              </a:rPr>
-              <a:t>, </a:t>
-            </a:r>
-            <a:r>
-              <a:rPr lang="ko-KR" altLang="en-US" b="0" dirty="0" err="1">
-                <a:effectLst/>
-              </a:rPr>
-              <a:t>음수값은</a:t>
-            </a:r>
-            <a:r>
-              <a:rPr lang="ko-KR" altLang="en-US" b="0" dirty="0">
-                <a:effectLst/>
-              </a:rPr>
-              <a:t> 위쪽으로 그림자가 이동</a:t>
-            </a:r>
-          </a:p>
-          <a:p>
-            <a:pPr marL="285750" indent="-285750">
-              <a:buFont typeface="Wingdings" panose="05000000000000000000" pitchFamily="2" charset="2"/>
-              <a:buChar char="§"/>
-            </a:pPr>
-            <a:r>
-              <a:rPr lang="ko-KR" altLang="en-US" b="0" dirty="0" err="1">
-                <a:effectLst/>
-              </a:rPr>
-              <a:t>블러</a:t>
-            </a:r>
-            <a:r>
-              <a:rPr lang="ko-KR" altLang="en-US" b="0" dirty="0">
-                <a:effectLst/>
-              </a:rPr>
-              <a:t> 반경 </a:t>
-            </a:r>
-            <a:r>
-              <a:rPr lang="en-US" altLang="ko-KR" b="0" dirty="0">
-                <a:effectLst/>
-              </a:rPr>
-              <a:t>: </a:t>
-            </a:r>
-            <a:r>
-              <a:rPr lang="ko-KR" altLang="en-US" b="0" dirty="0">
-                <a:effectLst/>
-              </a:rPr>
-              <a:t>그림자의 </a:t>
-            </a:r>
-            <a:r>
-              <a:rPr lang="ko-KR" altLang="en-US" b="0" dirty="0" err="1">
-                <a:effectLst/>
-              </a:rPr>
-              <a:t>흐림정도</a:t>
-            </a:r>
-            <a:r>
-              <a:rPr lang="ko-KR" altLang="en-US" b="0" dirty="0">
-                <a:effectLst/>
-              </a:rPr>
-              <a:t> </a:t>
-            </a:r>
-            <a:r>
-              <a:rPr lang="en-US" altLang="ko-KR" b="0" dirty="0">
-                <a:effectLst/>
-              </a:rPr>
-              <a:t>(</a:t>
-            </a:r>
-            <a:r>
-              <a:rPr lang="ko-KR" altLang="en-US" b="0" dirty="0">
-                <a:effectLst/>
-              </a:rPr>
-              <a:t>부드러운 연출</a:t>
-            </a:r>
-            <a:r>
-              <a:rPr lang="en-US" altLang="ko-KR" b="0" dirty="0">
-                <a:effectLst/>
-              </a:rPr>
-              <a:t>)</a:t>
-            </a:r>
-            <a:endParaRPr lang="ko-KR" altLang="en-US" b="0" dirty="0">
-              <a:effectLst/>
-            </a:endParaRPr>
-          </a:p>
-          <a:p>
-            <a:pPr marL="285750" indent="-285750">
-              <a:buFont typeface="Wingdings" panose="05000000000000000000" pitchFamily="2" charset="2"/>
-              <a:buChar char="§"/>
-            </a:pPr>
-            <a:r>
-              <a:rPr lang="ko-KR" altLang="en-US" b="0" dirty="0">
-                <a:effectLst/>
-              </a:rPr>
-              <a:t>확산 반경 </a:t>
-            </a:r>
-            <a:r>
-              <a:rPr lang="en-US" altLang="ko-KR" b="0" dirty="0">
-                <a:effectLst/>
-              </a:rPr>
-              <a:t>: </a:t>
-            </a:r>
-            <a:r>
-              <a:rPr lang="ko-KR" altLang="en-US" b="0" dirty="0">
-                <a:effectLst/>
-              </a:rPr>
-              <a:t>그림자의 크기</a:t>
-            </a:r>
-            <a:r>
-              <a:rPr lang="en-US" altLang="ko-KR" b="0" dirty="0">
-                <a:effectLst/>
-              </a:rPr>
-              <a:t>, </a:t>
-            </a:r>
-            <a:r>
-              <a:rPr lang="ko-KR" altLang="en-US" b="0" dirty="0" err="1">
-                <a:effectLst/>
-              </a:rPr>
-              <a:t>양수값은</a:t>
-            </a:r>
-            <a:r>
-              <a:rPr lang="ko-KR" altLang="en-US" b="0" dirty="0">
-                <a:effectLst/>
-              </a:rPr>
-              <a:t> 커지고 </a:t>
-            </a:r>
-            <a:r>
-              <a:rPr lang="ko-KR" altLang="en-US" b="0" dirty="0" err="1">
-                <a:effectLst/>
-              </a:rPr>
-              <a:t>음수값은</a:t>
-            </a:r>
-            <a:r>
-              <a:rPr lang="ko-KR" altLang="en-US" b="0" dirty="0">
-                <a:effectLst/>
-              </a:rPr>
-              <a:t> 작아진다</a:t>
-            </a:r>
-          </a:p>
-          <a:p>
-            <a:pPr marL="285750" indent="-285750">
-              <a:buFont typeface="Wingdings" panose="05000000000000000000" pitchFamily="2" charset="2"/>
-              <a:buChar char="§"/>
-            </a:pPr>
-            <a:r>
-              <a:rPr lang="ko-KR" altLang="en-US" b="0" dirty="0">
-                <a:effectLst/>
-              </a:rPr>
-              <a:t>색상 </a:t>
-            </a:r>
-            <a:r>
-              <a:rPr lang="en-US" altLang="ko-KR" b="0" dirty="0">
-                <a:effectLst/>
-              </a:rPr>
-              <a:t>: </a:t>
-            </a:r>
-            <a:r>
-              <a:rPr lang="ko-KR" altLang="en-US" b="0" dirty="0">
-                <a:effectLst/>
-              </a:rPr>
-              <a:t>그림자의 색상 </a:t>
-            </a:r>
-            <a:r>
-              <a:rPr lang="en-US" altLang="ko-KR" b="0" dirty="0">
-                <a:effectLst/>
-              </a:rPr>
-              <a:t>(</a:t>
-            </a:r>
-            <a:r>
-              <a:rPr lang="ko-KR" altLang="en-US" b="0" dirty="0">
-                <a:effectLst/>
-              </a:rPr>
-              <a:t>기본값은 </a:t>
-            </a:r>
-            <a:r>
-              <a:rPr lang="en-US" altLang="ko-KR" b="0" dirty="0" err="1">
-                <a:effectLst/>
-              </a:rPr>
-              <a:t>rgba</a:t>
-            </a:r>
-            <a:r>
-              <a:rPr lang="en-US" altLang="ko-KR" b="0" dirty="0">
-                <a:effectLst/>
-              </a:rPr>
-              <a:t>(0,0,0,0.5))</a:t>
-            </a:r>
-          </a:p>
-          <a:p>
-            <a:pPr marL="285750" indent="-285750">
-              <a:buFont typeface="Wingdings" panose="05000000000000000000" pitchFamily="2" charset="2"/>
-              <a:buChar char="§"/>
-            </a:pPr>
-            <a:r>
-              <a:rPr lang="en-US" altLang="ko-KR" b="0" dirty="0">
-                <a:effectLst/>
-              </a:rPr>
-              <a:t>inset : </a:t>
-            </a:r>
-            <a:r>
-              <a:rPr lang="ko-KR" altLang="en-US" b="0" dirty="0">
-                <a:effectLst/>
-              </a:rPr>
-              <a:t>키워드를 추가하면 내부 그림자로 변경</a:t>
-            </a:r>
-          </a:p>
-        </p:txBody>
-      </p:sp>
-      <p:pic>
-        <p:nvPicPr>
-          <p:cNvPr id="5" name="그림 4">
-            <a:extLst>
-              <a:ext uri="{FF2B5EF4-FFF2-40B4-BE49-F238E27FC236}">
-                <a16:creationId xmlns:a16="http://schemas.microsoft.com/office/drawing/2014/main" id="{C2C81AB6-59FB-674A-2A50-2BFAC093A8B0}"/>
-              </a:ext>
-            </a:extLst>
-          </p:cNvPr>
-          <p:cNvPicPr>
-            <a:picLocks noChangeAspect="1"/>
-          </p:cNvPicPr>
-          <p:nvPr/>
-        </p:nvPicPr>
-        <p:blipFill>
-          <a:blip r:embed="rId2"/>
-          <a:stretch>
-            <a:fillRect/>
-          </a:stretch>
-        </p:blipFill>
-        <p:spPr>
-          <a:xfrm>
-            <a:off x="4197973" y="1501472"/>
-            <a:ext cx="2306674" cy="1533558"/>
-          </a:xfrm>
-          <a:prstGeom prst="rect">
-            <a:avLst/>
-          </a:prstGeom>
-        </p:spPr>
-      </p:pic>
     </p:spTree>
     <p:extLst>
       <p:ext uri="{BB962C8B-B14F-4D97-AF65-F5344CB8AC3E}">
-        <p14:creationId xmlns:p14="http://schemas.microsoft.com/office/powerpoint/2010/main" val="2584100739"/>
+        <p14:creationId xmlns:p14="http://schemas.microsoft.com/office/powerpoint/2010/main" val="1971886144"/>
       </p:ext>
     </p:extLst>
   </p:cSld>
@@ -12949,7 +12886,7 @@
 </p:sld>
 </file>
 
-<file path=ppt/slides/slide34.xml><?xml version="1.0" encoding="utf-8"?>
+<file path=ppt/slides/slide37.xml><?xml version="1.0" encoding="utf-8"?>
 <p:sld xmlns:a="http://schemas.openxmlformats.org/drawingml/2006/main" xmlns:r="http://schemas.openxmlformats.org/officeDocument/2006/relationships" xmlns:p="http://schemas.openxmlformats.org/presentationml/2006/main">
   <p:cSld>
     <p:spTree>
@@ -12957,7 +12894,7 @@
         <p:cNvPr id="1" name="">
           <a:extLst>
             <a:ext uri="{FF2B5EF4-FFF2-40B4-BE49-F238E27FC236}">
-              <a16:creationId xmlns:a16="http://schemas.microsoft.com/office/drawing/2014/main" id="{51487959-2EBC-20F8-B8E3-F139B81B6CE3}"/>
+              <a16:creationId xmlns:a16="http://schemas.microsoft.com/office/drawing/2014/main" id="{D0192D05-9036-2B3A-0DD0-0067AC38079D}"/>
             </a:ext>
           </a:extLst>
         </p:cNvPr>
@@ -12977,7 +12914,7 @@
           <p:cNvPr id="3" name="내용 개체 틀 2">
             <a:extLst>
               <a:ext uri="{FF2B5EF4-FFF2-40B4-BE49-F238E27FC236}">
-                <a16:creationId xmlns:a16="http://schemas.microsoft.com/office/drawing/2014/main" id="{B1CCDC16-FE02-A1E7-F6F5-26C1F8F92211}"/>
+                <a16:creationId xmlns:a16="http://schemas.microsoft.com/office/drawing/2014/main" id="{F95F9618-C28F-2F07-6509-C3485D34650E}"/>
               </a:ext>
             </a:extLst>
           </p:cNvPr>
@@ -12990,8 +12927,8 @@
         </p:nvSpPr>
         <p:spPr>
           <a:xfrm>
-            <a:off x="838199" y="314697"/>
-            <a:ext cx="11068455" cy="1339006"/>
+            <a:off x="838200" y="314696"/>
+            <a:ext cx="10515600" cy="5862267"/>
           </a:xfrm>
         </p:spPr>
         <p:txBody>
@@ -13005,497 +12942,137 @@
             </a:pPr>
             <a:r>
               <a:rPr lang="en-US" altLang="ko-KR" dirty="0"/>
-              <a:t>3. CSS </a:t>
+              <a:t>3. HTML/CSS </a:t>
             </a:r>
             <a:r>
               <a:rPr lang="ko-KR" altLang="en-US" dirty="0"/>
-              <a:t>기초</a:t>
+              <a:t>기본</a:t>
             </a:r>
             <a:endParaRPr lang="en-US" altLang="ko-KR" dirty="0"/>
           </a:p>
           <a:p>
-            <a:pPr>
-              <a:buFont typeface="Wingdings" panose="05000000000000000000" pitchFamily="2" charset="2"/>
-              <a:buChar char="Ø"/>
-            </a:pPr>
+            <a:pPr marL="0" indent="0">
+              <a:buNone/>
+            </a:pPr>
+            <a:endParaRPr lang="en-US" altLang="ko-KR" dirty="0"/>
+          </a:p>
+          <a:p>
+            <a:pPr marL="0" indent="0">
+              <a:buNone/>
+            </a:pPr>
+            <a:r>
+              <a:rPr lang="en-US" altLang="ko-KR" dirty="0"/>
+              <a:t>form / input</a:t>
+            </a:r>
+          </a:p>
+          <a:p>
+            <a:pPr marL="0" indent="0">
+              <a:buNone/>
+            </a:pPr>
+            <a:endParaRPr lang="en-US" altLang="ko-KR" dirty="0"/>
+          </a:p>
+          <a:p>
+            <a:pPr marL="0" indent="0">
+              <a:buNone/>
+            </a:pPr>
+            <a:r>
+              <a:rPr lang="en-US" altLang="ko-KR" dirty="0"/>
+              <a:t>&lt;form action=“</a:t>
+            </a:r>
             <a:r>
               <a:rPr lang="ko-KR" altLang="en-US" dirty="0"/>
-              <a:t>복합 </a:t>
-            </a:r>
-            <a:r>
-              <a:rPr lang="ko-KR" altLang="en-US" dirty="0" err="1"/>
-              <a:t>셀렉터</a:t>
-            </a:r>
+              <a:t>서버경로</a:t>
+            </a:r>
+            <a:r>
+              <a:rPr lang="en-US" altLang="ko-KR" dirty="0"/>
+              <a:t>” method=“</a:t>
+            </a:r>
+            <a:r>
+              <a:rPr lang="ko-KR" altLang="en-US" dirty="0"/>
+              <a:t>전송방식</a:t>
+            </a:r>
+            <a:r>
+              <a:rPr lang="en-US" altLang="ko-KR" dirty="0"/>
+              <a:t>”&gt;</a:t>
+            </a:r>
+          </a:p>
+          <a:p>
+            <a:pPr marL="0" indent="0">
+              <a:buNone/>
+            </a:pPr>
+            <a:r>
+              <a:rPr lang="en-US" altLang="ko-KR" dirty="0"/>
+              <a:t>    &lt;input type=“text” placeholder=“</a:t>
+            </a:r>
+            <a:r>
+              <a:rPr lang="ko-KR" altLang="en-US" dirty="0"/>
+              <a:t>힌트</a:t>
+            </a:r>
+            <a:r>
+              <a:rPr lang="en-US" altLang="ko-KR" dirty="0"/>
+              <a:t>”&gt;</a:t>
+            </a:r>
+          </a:p>
+          <a:p>
+            <a:pPr marL="0" indent="0">
+              <a:buNone/>
+            </a:pPr>
             <a:endParaRPr lang="en-US" altLang="ko-KR" dirty="0"/>
           </a:p>
-        </p:txBody>
-      </p:sp>
-      <p:sp>
-        <p:nvSpPr>
-          <p:cNvPr id="8" name="TextBox 7">
-            <a:extLst>
-              <a:ext uri="{FF2B5EF4-FFF2-40B4-BE49-F238E27FC236}">
-                <a16:creationId xmlns:a16="http://schemas.microsoft.com/office/drawing/2014/main" id="{879E4DD7-550A-7699-B2DA-39803EA04F01}"/>
-              </a:ext>
-            </a:extLst>
-          </p:cNvPr>
-          <p:cNvSpPr txBox="1"/>
-          <p:nvPr/>
-        </p:nvSpPr>
-        <p:spPr>
-          <a:xfrm>
-            <a:off x="2605204" y="1516069"/>
-            <a:ext cx="10042188" cy="5170646"/>
-          </a:xfrm>
-          <a:prstGeom prst="rect">
-            <a:avLst/>
-          </a:prstGeom>
-          <a:noFill/>
-        </p:spPr>
-        <p:txBody>
-          <a:bodyPr wrap="square" rtlCol="0">
-            <a:spAutoFit/>
-          </a:bodyPr>
-          <a:lstStyle/>
-          <a:p>
-            <a:pPr>
-              <a:buNone/>
-            </a:pPr>
-            <a:r>
-              <a:rPr lang="en-US" altLang="ko-KR" sz="1600" b="0" dirty="0">
-                <a:effectLst/>
-                <a:latin typeface="Consolas" panose="020B0609020204030204" pitchFamily="49" charset="0"/>
-                <a:sym typeface="Wingdings" panose="05000000000000000000" pitchFamily="2" charset="2"/>
-              </a:rPr>
-              <a:t> </a:t>
-            </a:r>
-            <a:r>
-              <a:rPr lang="en-US" altLang="ko-KR" sz="1600" b="1" dirty="0">
-                <a:effectLst/>
-                <a:latin typeface="Consolas" panose="020B0609020204030204" pitchFamily="49" charset="0"/>
-              </a:rPr>
-              <a:t>.header </a:t>
-            </a:r>
-            <a:r>
-              <a:rPr lang="ko-KR" altLang="en-US" sz="1600" b="1" dirty="0">
-                <a:effectLst/>
-                <a:latin typeface="Consolas" panose="020B0609020204030204" pitchFamily="49" charset="0"/>
-              </a:rPr>
-              <a:t>바로 밑에 있는 </a:t>
-            </a:r>
-            <a:r>
-              <a:rPr lang="en-US" altLang="ko-KR" sz="1600" b="1" dirty="0">
-                <a:effectLst/>
-                <a:latin typeface="Consolas" panose="020B0609020204030204" pitchFamily="49" charset="0"/>
-              </a:rPr>
-              <a:t>h2</a:t>
-            </a:r>
-          </a:p>
-          <a:p>
-            <a:pPr>
-              <a:buNone/>
-            </a:pPr>
-            <a:r>
-              <a:rPr lang="en-US" altLang="ko-KR" sz="1600" b="0" dirty="0">
-                <a:effectLst/>
-                <a:latin typeface="Consolas" panose="020B0609020204030204" pitchFamily="49" charset="0"/>
-              </a:rPr>
-              <a:t>.header &gt; h2{</a:t>
-            </a:r>
-          </a:p>
-          <a:p>
-            <a:pPr>
-              <a:buNone/>
-            </a:pPr>
-            <a:r>
-              <a:rPr lang="en-US" altLang="ko-KR" sz="1600" b="0" dirty="0">
-                <a:effectLst/>
-                <a:latin typeface="Consolas" panose="020B0609020204030204" pitchFamily="49" charset="0"/>
-              </a:rPr>
-              <a:t>    </a:t>
-            </a:r>
-            <a:r>
-              <a:rPr lang="en-US" altLang="ko-KR" sz="1600" b="0" dirty="0" err="1">
-                <a:effectLst/>
-                <a:latin typeface="Consolas" panose="020B0609020204030204" pitchFamily="49" charset="0"/>
-              </a:rPr>
-              <a:t>color:blue</a:t>
-            </a:r>
-            <a:r>
-              <a:rPr lang="en-US" altLang="ko-KR" sz="1600" b="0" dirty="0">
-                <a:effectLst/>
-                <a:latin typeface="Consolas" panose="020B0609020204030204" pitchFamily="49" charset="0"/>
-              </a:rPr>
-              <a:t>;</a:t>
-            </a:r>
-          </a:p>
-          <a:p>
-            <a:pPr>
-              <a:buNone/>
-            </a:pPr>
-            <a:r>
-              <a:rPr lang="en-US" altLang="ko-KR" sz="1600" b="0" dirty="0">
-                <a:effectLst/>
-                <a:latin typeface="Consolas" panose="020B0609020204030204" pitchFamily="49" charset="0"/>
-              </a:rPr>
-              <a:t>}</a:t>
-            </a:r>
-            <a:br>
-              <a:rPr lang="en-US" altLang="ko-KR" sz="1600" b="0" dirty="0">
-                <a:effectLst/>
-                <a:latin typeface="Consolas" panose="020B0609020204030204" pitchFamily="49" charset="0"/>
-              </a:rPr>
-            </a:br>
-            <a:r>
-              <a:rPr lang="en-US" altLang="ko-KR" sz="1600" b="0" dirty="0">
-                <a:effectLst/>
-                <a:latin typeface="Consolas" panose="020B0609020204030204" pitchFamily="49" charset="0"/>
-              </a:rPr>
-              <a:t>.box &gt; p{</a:t>
-            </a:r>
-          </a:p>
-          <a:p>
-            <a:pPr>
-              <a:buNone/>
-            </a:pPr>
-            <a:r>
-              <a:rPr lang="en-US" altLang="ko-KR" sz="1600" b="0" dirty="0">
-                <a:effectLst/>
-                <a:latin typeface="Consolas" panose="020B0609020204030204" pitchFamily="49" charset="0"/>
-              </a:rPr>
-              <a:t>    </a:t>
-            </a:r>
-            <a:r>
-              <a:rPr lang="en-US" altLang="ko-KR" sz="1600" b="0" dirty="0" err="1">
-                <a:effectLst/>
-                <a:latin typeface="Consolas" panose="020B0609020204030204" pitchFamily="49" charset="0"/>
-              </a:rPr>
-              <a:t>color:blueviolet</a:t>
-            </a:r>
-            <a:r>
-              <a:rPr lang="en-US" altLang="ko-KR" sz="1600" b="0" dirty="0">
-                <a:effectLst/>
-                <a:latin typeface="Consolas" panose="020B0609020204030204" pitchFamily="49" charset="0"/>
-              </a:rPr>
-              <a:t>;</a:t>
-            </a:r>
-          </a:p>
-          <a:p>
-            <a:pPr>
-              <a:buNone/>
-            </a:pPr>
-            <a:r>
-              <a:rPr lang="en-US" altLang="ko-KR" sz="1600" b="0" dirty="0">
-                <a:effectLst/>
-                <a:latin typeface="Consolas" panose="020B0609020204030204" pitchFamily="49" charset="0"/>
-              </a:rPr>
-              <a:t>}</a:t>
-            </a:r>
-            <a:br>
-              <a:rPr lang="en-US" altLang="ko-KR" sz="1600" b="0" dirty="0">
-                <a:effectLst/>
-                <a:latin typeface="Consolas" panose="020B0609020204030204" pitchFamily="49" charset="0"/>
-              </a:rPr>
-            </a:br>
-            <a:r>
-              <a:rPr lang="en-US" altLang="ko-KR" sz="1600" b="0" dirty="0">
-                <a:effectLst/>
-                <a:latin typeface="Consolas" panose="020B0609020204030204" pitchFamily="49" charset="0"/>
-                <a:sym typeface="Wingdings" panose="05000000000000000000" pitchFamily="2" charset="2"/>
-              </a:rPr>
-              <a:t></a:t>
-            </a:r>
-            <a:r>
-              <a:rPr lang="en-US" altLang="ko-KR" sz="1600" b="1" dirty="0">
-                <a:effectLst/>
-                <a:latin typeface="Consolas" panose="020B0609020204030204" pitchFamily="49" charset="0"/>
-              </a:rPr>
-              <a:t>.header </a:t>
-            </a:r>
-            <a:r>
-              <a:rPr lang="ko-KR" altLang="en-US" sz="1600" b="1" dirty="0">
-                <a:effectLst/>
-                <a:latin typeface="Consolas" panose="020B0609020204030204" pitchFamily="49" charset="0"/>
-              </a:rPr>
-              <a:t>안에 있는 모든 </a:t>
-            </a:r>
-            <a:r>
-              <a:rPr lang="en-US" altLang="ko-KR" sz="1600" b="1" dirty="0">
-                <a:effectLst/>
-                <a:latin typeface="Consolas" panose="020B0609020204030204" pitchFamily="49" charset="0"/>
-              </a:rPr>
-              <a:t>p</a:t>
-            </a:r>
-          </a:p>
-          <a:p>
-            <a:pPr>
-              <a:buNone/>
-            </a:pPr>
-            <a:r>
-              <a:rPr lang="en-US" altLang="ko-KR" sz="1600" b="0" dirty="0">
-                <a:effectLst/>
-                <a:latin typeface="Consolas" panose="020B0609020204030204" pitchFamily="49" charset="0"/>
-              </a:rPr>
-              <a:t>.header p{</a:t>
-            </a:r>
-          </a:p>
-          <a:p>
-            <a:pPr>
-              <a:buNone/>
-            </a:pPr>
-            <a:r>
-              <a:rPr lang="en-US" altLang="ko-KR" sz="1600" b="0" dirty="0">
-                <a:effectLst/>
-                <a:latin typeface="Consolas" panose="020B0609020204030204" pitchFamily="49" charset="0"/>
-              </a:rPr>
-              <a:t>    </a:t>
-            </a:r>
-            <a:r>
-              <a:rPr lang="en-US" altLang="ko-KR" sz="1600" b="0" dirty="0" err="1">
-                <a:effectLst/>
-                <a:latin typeface="Consolas" panose="020B0609020204030204" pitchFamily="49" charset="0"/>
-              </a:rPr>
-              <a:t>color:orange</a:t>
-            </a:r>
-            <a:r>
-              <a:rPr lang="en-US" altLang="ko-KR" sz="1600" b="0" dirty="0">
-                <a:effectLst/>
-                <a:latin typeface="Consolas" panose="020B0609020204030204" pitchFamily="49" charset="0"/>
-              </a:rPr>
-              <a:t>;</a:t>
-            </a:r>
-          </a:p>
-          <a:p>
-            <a:pPr>
-              <a:buNone/>
-            </a:pPr>
-            <a:r>
-              <a:rPr lang="en-US" altLang="ko-KR" sz="1600" b="0" dirty="0">
-                <a:effectLst/>
-                <a:latin typeface="Consolas" panose="020B0609020204030204" pitchFamily="49" charset="0"/>
-              </a:rPr>
-              <a:t>}</a:t>
-            </a:r>
-            <a:br>
-              <a:rPr lang="en-US" altLang="ko-KR" sz="1600" b="0" dirty="0">
-                <a:effectLst/>
-                <a:latin typeface="Consolas" panose="020B0609020204030204" pitchFamily="49" charset="0"/>
-              </a:rPr>
-            </a:br>
-            <a:r>
-              <a:rPr lang="en-US" altLang="ko-KR" sz="1600" b="0" dirty="0">
-                <a:effectLst/>
-                <a:latin typeface="Consolas" panose="020B0609020204030204" pitchFamily="49" charset="0"/>
-                <a:sym typeface="Wingdings" panose="05000000000000000000" pitchFamily="2" charset="2"/>
-              </a:rPr>
-              <a:t></a:t>
-            </a:r>
-            <a:r>
-              <a:rPr lang="en-US" altLang="ko-KR" sz="1600" b="1" dirty="0">
-                <a:effectLst/>
-                <a:latin typeface="Consolas" panose="020B0609020204030204" pitchFamily="49" charset="0"/>
-              </a:rPr>
-              <a:t>.</a:t>
-            </a:r>
-            <a:r>
-              <a:rPr lang="ko-KR" altLang="en-US" sz="1600" b="1" dirty="0">
-                <a:effectLst/>
-                <a:latin typeface="Consolas" panose="020B0609020204030204" pitchFamily="49" charset="0"/>
-              </a:rPr>
-              <a:t>같은 부모 내에서 </a:t>
-            </a:r>
-            <a:r>
-              <a:rPr lang="en-US" altLang="ko-KR" sz="1600" b="1" dirty="0">
-                <a:effectLst/>
-                <a:latin typeface="Consolas" panose="020B0609020204030204" pitchFamily="49" charset="0"/>
-              </a:rPr>
-              <a:t>h3 </a:t>
-            </a:r>
-            <a:r>
-              <a:rPr lang="ko-KR" altLang="en-US" sz="1600" b="1" dirty="0">
-                <a:effectLst/>
-                <a:latin typeface="Consolas" panose="020B0609020204030204" pitchFamily="49" charset="0"/>
-              </a:rPr>
-              <a:t>뒤에 위치한 모든 </a:t>
-            </a:r>
-            <a:r>
-              <a:rPr lang="en-US" altLang="ko-KR" sz="1600" b="1" dirty="0">
-                <a:effectLst/>
-                <a:latin typeface="Consolas" panose="020B0609020204030204" pitchFamily="49" charset="0"/>
-              </a:rPr>
-              <a:t>p</a:t>
-            </a:r>
-          </a:p>
-          <a:p>
-            <a:pPr>
-              <a:buNone/>
-            </a:pPr>
-            <a:r>
-              <a:rPr lang="en-US" altLang="ko-KR" sz="1600" b="0" dirty="0">
-                <a:effectLst/>
-                <a:latin typeface="Consolas" panose="020B0609020204030204" pitchFamily="49" charset="0"/>
-              </a:rPr>
-              <a:t>h3 ~ p{</a:t>
-            </a:r>
-          </a:p>
-          <a:p>
-            <a:pPr>
-              <a:buNone/>
-            </a:pPr>
-            <a:r>
-              <a:rPr lang="en-US" altLang="ko-KR" sz="1600" b="0" dirty="0">
-                <a:effectLst/>
-                <a:latin typeface="Consolas" panose="020B0609020204030204" pitchFamily="49" charset="0"/>
-              </a:rPr>
-              <a:t>    font-weight: bold;</a:t>
-            </a:r>
-          </a:p>
-          <a:p>
-            <a:pPr>
-              <a:buNone/>
-            </a:pPr>
-            <a:r>
-              <a:rPr lang="en-US" altLang="ko-KR" sz="1600" b="0" dirty="0">
-                <a:effectLst/>
-                <a:latin typeface="Consolas" panose="020B0609020204030204" pitchFamily="49" charset="0"/>
-              </a:rPr>
-              <a:t>    </a:t>
-            </a:r>
-            <a:r>
-              <a:rPr lang="en-US" altLang="ko-KR" sz="1600" b="0" dirty="0" err="1">
-                <a:effectLst/>
-                <a:latin typeface="Consolas" panose="020B0609020204030204" pitchFamily="49" charset="0"/>
-              </a:rPr>
-              <a:t>color:violet</a:t>
-            </a:r>
-            <a:r>
-              <a:rPr lang="en-US" altLang="ko-KR" sz="1600" b="0" dirty="0">
-                <a:effectLst/>
-                <a:latin typeface="Consolas" panose="020B0609020204030204" pitchFamily="49" charset="0"/>
-              </a:rPr>
-              <a:t>;</a:t>
-            </a:r>
-          </a:p>
-          <a:p>
-            <a:pPr>
-              <a:buNone/>
-            </a:pPr>
-            <a:r>
-              <a:rPr lang="en-US" altLang="ko-KR" sz="1600" b="0" dirty="0">
-                <a:effectLst/>
-                <a:latin typeface="Consolas" panose="020B0609020204030204" pitchFamily="49" charset="0"/>
-              </a:rPr>
-              <a:t>}</a:t>
-            </a:r>
-          </a:p>
-          <a:p>
-            <a:pPr>
-              <a:buNone/>
-            </a:pPr>
-            <a:r>
-              <a:rPr lang="en-US" altLang="ko-KR" sz="1600" b="0" dirty="0">
-                <a:effectLst/>
-                <a:latin typeface="Consolas" panose="020B0609020204030204" pitchFamily="49" charset="0"/>
-                <a:sym typeface="Wingdings" panose="05000000000000000000" pitchFamily="2" charset="2"/>
-              </a:rPr>
-              <a:t></a:t>
-            </a:r>
-            <a:r>
-              <a:rPr lang="en-US" altLang="ko-KR" sz="1600" b="1" dirty="0">
-                <a:effectLst/>
-                <a:latin typeface="Consolas" panose="020B0609020204030204" pitchFamily="49" charset="0"/>
-              </a:rPr>
-              <a:t>.</a:t>
-            </a:r>
-            <a:r>
-              <a:rPr lang="ko-KR" altLang="en-US" sz="1600" b="1" dirty="0">
-                <a:effectLst/>
-                <a:latin typeface="Consolas" panose="020B0609020204030204" pitchFamily="49" charset="0"/>
-              </a:rPr>
-              <a:t>같은 부모 내에서 </a:t>
-            </a:r>
-            <a:r>
-              <a:rPr lang="en-US" altLang="ko-KR" sz="1600" b="1" dirty="0">
-                <a:effectLst/>
-                <a:latin typeface="Consolas" panose="020B0609020204030204" pitchFamily="49" charset="0"/>
-              </a:rPr>
-              <a:t>h3 </a:t>
-            </a:r>
-            <a:r>
-              <a:rPr lang="ko-KR" altLang="en-US" sz="1600" b="1" dirty="0">
-                <a:effectLst/>
-                <a:latin typeface="Consolas" panose="020B0609020204030204" pitchFamily="49" charset="0"/>
-              </a:rPr>
-              <a:t>뒤에 위치한 </a:t>
-            </a:r>
-            <a:r>
-              <a:rPr lang="ko-KR" altLang="en-US" sz="1600" b="1" dirty="0" err="1">
-                <a:effectLst/>
-                <a:latin typeface="Consolas" panose="020B0609020204030204" pitchFamily="49" charset="0"/>
-              </a:rPr>
-              <a:t>한개</a:t>
-            </a:r>
-            <a:r>
-              <a:rPr lang="ko-KR" altLang="en-US" sz="1600" b="1" dirty="0">
-                <a:effectLst/>
-                <a:latin typeface="Consolas" panose="020B0609020204030204" pitchFamily="49" charset="0"/>
-              </a:rPr>
-              <a:t> </a:t>
-            </a:r>
-            <a:r>
-              <a:rPr lang="en-US" altLang="ko-KR" sz="1600" b="1" dirty="0">
-                <a:effectLst/>
-                <a:latin typeface="Consolas" panose="020B0609020204030204" pitchFamily="49" charset="0"/>
-              </a:rPr>
-              <a:t>p</a:t>
-            </a:r>
-          </a:p>
-          <a:p>
-            <a:pPr>
-              <a:buNone/>
-            </a:pPr>
-            <a:r>
-              <a:rPr lang="en-US" altLang="ko-KR" sz="1600" b="0" dirty="0">
-                <a:effectLst/>
-                <a:latin typeface="Consolas" panose="020B0609020204030204" pitchFamily="49" charset="0"/>
-              </a:rPr>
-              <a:t>h3 + p{</a:t>
-            </a:r>
-          </a:p>
-          <a:p>
-            <a:pPr>
-              <a:buNone/>
-            </a:pPr>
-            <a:r>
-              <a:rPr lang="en-US" altLang="ko-KR" sz="1600" b="0" dirty="0">
-                <a:effectLst/>
-                <a:latin typeface="Consolas" panose="020B0609020204030204" pitchFamily="49" charset="0"/>
-              </a:rPr>
-              <a:t>    </a:t>
-            </a:r>
-            <a:r>
-              <a:rPr lang="en-US" altLang="ko-KR" sz="1600" b="0" dirty="0" err="1">
-                <a:effectLst/>
-                <a:latin typeface="Consolas" panose="020B0609020204030204" pitchFamily="49" charset="0"/>
-              </a:rPr>
-              <a:t>color:green</a:t>
-            </a:r>
-            <a:r>
-              <a:rPr lang="en-US" altLang="ko-KR" sz="1600" b="0" dirty="0">
-                <a:effectLst/>
-                <a:latin typeface="Consolas" panose="020B0609020204030204" pitchFamily="49" charset="0"/>
-              </a:rPr>
-              <a:t> !important;</a:t>
-            </a:r>
-          </a:p>
-          <a:p>
-            <a:r>
-              <a:rPr lang="en-US" altLang="ko-KR" sz="1600" b="0" dirty="0">
-                <a:effectLst/>
-                <a:latin typeface="Consolas" panose="020B0609020204030204" pitchFamily="49" charset="0"/>
-              </a:rPr>
-              <a:t>}</a:t>
-            </a:r>
+          <a:p>
+            <a:pPr marL="0" indent="0">
+              <a:buNone/>
+            </a:pPr>
+            <a:r>
+              <a:rPr lang="en-US" altLang="ko-KR" dirty="0"/>
+              <a:t>    &lt;input type=“checkbox” id=“</a:t>
+            </a:r>
+            <a:r>
+              <a:rPr lang="en-US" altLang="ko-KR" dirty="0" err="1"/>
+              <a:t>chk</a:t>
+            </a:r>
+            <a:r>
+              <a:rPr lang="en-US" altLang="ko-KR" dirty="0"/>
+              <a:t>”&gt;</a:t>
+            </a:r>
+          </a:p>
+          <a:p>
+            <a:pPr marL="0" indent="0">
+              <a:buNone/>
+            </a:pPr>
+            <a:r>
+              <a:rPr lang="en-US" altLang="ko-KR" dirty="0"/>
+              <a:t>    &lt;label for=“</a:t>
+            </a:r>
+            <a:r>
+              <a:rPr lang="en-US" altLang="ko-KR" dirty="0" err="1"/>
+              <a:t>chk</a:t>
+            </a:r>
+            <a:r>
+              <a:rPr lang="en-US" altLang="ko-KR" dirty="0"/>
+              <a:t>”&gt;Check this!&lt;/label&gt;</a:t>
+            </a:r>
+          </a:p>
+          <a:p>
+            <a:pPr marL="0" indent="0">
+              <a:buNone/>
+            </a:pPr>
+            <a:r>
+              <a:rPr lang="en-US" altLang="ko-KR" dirty="0"/>
+              <a:t>&lt;/form&gt;</a:t>
+            </a:r>
+          </a:p>
+          <a:p>
+            <a:pPr marL="0" indent="0">
+              <a:buNone/>
+            </a:pPr>
+            <a:endParaRPr lang="en-US" altLang="ko-KR" dirty="0"/>
+          </a:p>
+          <a:p>
+            <a:pPr marL="0" indent="0">
+              <a:buNone/>
+            </a:pPr>
+            <a:endParaRPr lang="en-US" altLang="ko-KR" dirty="0"/>
           </a:p>
         </p:txBody>
       </p:sp>
@@ -13504,7 +13081,7 @@
           <p:cNvPr id="4" name="그림 3">
             <a:extLst>
               <a:ext uri="{FF2B5EF4-FFF2-40B4-BE49-F238E27FC236}">
-                <a16:creationId xmlns:a16="http://schemas.microsoft.com/office/drawing/2014/main" id="{42BA044D-CEA2-70A1-B5AE-BD52CD6C4EE4}"/>
+                <a16:creationId xmlns:a16="http://schemas.microsoft.com/office/drawing/2014/main" id="{464E4530-EE93-4472-B143-ED9367F88205}"/>
               </a:ext>
             </a:extLst>
           </p:cNvPr>
@@ -13521,38 +13098,8 @@
         </p:blipFill>
         <p:spPr>
           <a:xfrm>
-            <a:off x="97461" y="1516069"/>
-            <a:ext cx="1943371" cy="3159335"/>
-          </a:xfrm>
-          <a:prstGeom prst="rect">
-            <a:avLst/>
-          </a:prstGeom>
-        </p:spPr>
-      </p:pic>
-      <p:pic>
-        <p:nvPicPr>
-          <p:cNvPr id="7" name="그림 6">
-            <a:extLst>
-              <a:ext uri="{FF2B5EF4-FFF2-40B4-BE49-F238E27FC236}">
-                <a16:creationId xmlns:a16="http://schemas.microsoft.com/office/drawing/2014/main" id="{90AF3B5E-3707-91F5-DAC5-B748012CE7E7}"/>
-              </a:ext>
-            </a:extLst>
-          </p:cNvPr>
-          <p:cNvPicPr>
-            <a:picLocks noChangeAspect="1"/>
-          </p:cNvPicPr>
-          <p:nvPr/>
-        </p:nvPicPr>
-        <p:blipFill>
-          <a:blip r:embed="rId3"/>
-          <a:stretch>
-            <a:fillRect/>
-          </a:stretch>
-        </p:blipFill>
-        <p:spPr>
-          <a:xfrm>
-            <a:off x="97461" y="4865546"/>
-            <a:ext cx="1943371" cy="1543265"/>
+            <a:off x="8035696" y="4163438"/>
+            <a:ext cx="3706368" cy="2275047"/>
           </a:xfrm>
           <a:prstGeom prst="rect">
             <a:avLst/>
@@ -13562,7 +13109,7 @@
     </p:spTree>
     <p:extLst>
       <p:ext uri="{BB962C8B-B14F-4D97-AF65-F5344CB8AC3E}">
-        <p14:creationId xmlns:p14="http://schemas.microsoft.com/office/powerpoint/2010/main" val="1472954034"/>
+        <p14:creationId xmlns:p14="http://schemas.microsoft.com/office/powerpoint/2010/main" val="1523792311"/>
       </p:ext>
     </p:extLst>
   </p:cSld>
@@ -13572,7 +13119,7 @@
 </p:sld>
 </file>
 
-<file path=ppt/slides/slide35.xml><?xml version="1.0" encoding="utf-8"?>
+<file path=ppt/slides/slide38.xml><?xml version="1.0" encoding="utf-8"?>
 <p:sld xmlns:a="http://schemas.openxmlformats.org/drawingml/2006/main" xmlns:r="http://schemas.openxmlformats.org/officeDocument/2006/relationships" xmlns:p="http://schemas.openxmlformats.org/presentationml/2006/main">
   <p:cSld>
     <p:spTree>
@@ -13580,7 +13127,7 @@
         <p:cNvPr id="1" name="">
           <a:extLst>
             <a:ext uri="{FF2B5EF4-FFF2-40B4-BE49-F238E27FC236}">
-              <a16:creationId xmlns:a16="http://schemas.microsoft.com/office/drawing/2014/main" id="{6E566284-9314-3E87-8E1D-D15407841C9B}"/>
+              <a16:creationId xmlns:a16="http://schemas.microsoft.com/office/drawing/2014/main" id="{F52A553D-57CD-C7A3-023A-C1C88C4746DB}"/>
             </a:ext>
           </a:extLst>
         </p:cNvPr>
@@ -13600,7 +13147,7 @@
           <p:cNvPr id="3" name="내용 개체 틀 2">
             <a:extLst>
               <a:ext uri="{FF2B5EF4-FFF2-40B4-BE49-F238E27FC236}">
-                <a16:creationId xmlns:a16="http://schemas.microsoft.com/office/drawing/2014/main" id="{E178C38B-94B4-46AC-4242-47DA261219EE}"/>
+                <a16:creationId xmlns:a16="http://schemas.microsoft.com/office/drawing/2014/main" id="{879C4787-CB9A-C6C5-E9A5-F53EE6BD7382}"/>
               </a:ext>
             </a:extLst>
           </p:cNvPr>
@@ -13613,8 +13160,8 @@
         </p:nvSpPr>
         <p:spPr>
           <a:xfrm>
-            <a:off x="838199" y="314697"/>
-            <a:ext cx="11068455" cy="1339006"/>
+            <a:off x="838200" y="314696"/>
+            <a:ext cx="10515600" cy="5862267"/>
           </a:xfrm>
         </p:spPr>
         <p:txBody>
@@ -13628,360 +13175,40 @@
             </a:pPr>
             <a:r>
               <a:rPr lang="en-US" altLang="ko-KR" dirty="0"/>
-              <a:t>3. CSS </a:t>
+              <a:t>3. HTML/CSS </a:t>
             </a:r>
             <a:r>
               <a:rPr lang="ko-KR" altLang="en-US" dirty="0"/>
-              <a:t>기초</a:t>
+              <a:t>기본</a:t>
             </a:r>
             <a:endParaRPr lang="en-US" altLang="ko-KR" dirty="0"/>
           </a:p>
           <a:p>
-            <a:pPr>
-              <a:buFont typeface="Wingdings" panose="05000000000000000000" pitchFamily="2" charset="2"/>
-              <a:buChar char="Ø"/>
-            </a:pPr>
-            <a:r>
-              <a:rPr lang="ko-KR" altLang="en-US" dirty="0"/>
-              <a:t>속성 </a:t>
-            </a:r>
-            <a:r>
-              <a:rPr lang="ko-KR" altLang="en-US" dirty="0" err="1"/>
-              <a:t>셀렉터</a:t>
-            </a:r>
+            <a:pPr marL="0" indent="0">
+              <a:buNone/>
+            </a:pPr>
             <a:endParaRPr lang="en-US" altLang="ko-KR" dirty="0"/>
           </a:p>
-        </p:txBody>
-      </p:sp>
-      <p:sp>
-        <p:nvSpPr>
-          <p:cNvPr id="8" name="TextBox 7">
-            <a:extLst>
-              <a:ext uri="{FF2B5EF4-FFF2-40B4-BE49-F238E27FC236}">
-                <a16:creationId xmlns:a16="http://schemas.microsoft.com/office/drawing/2014/main" id="{8658EB85-8E81-80B1-70EB-DE11CF342DF0}"/>
-              </a:ext>
-            </a:extLst>
-          </p:cNvPr>
-          <p:cNvSpPr txBox="1"/>
-          <p:nvPr/>
-        </p:nvSpPr>
-        <p:spPr>
-          <a:xfrm>
-            <a:off x="2509631" y="2840229"/>
-            <a:ext cx="8659426" cy="4031873"/>
-          </a:xfrm>
-          <a:prstGeom prst="rect">
-            <a:avLst/>
-          </a:prstGeom>
-          <a:noFill/>
-        </p:spPr>
-        <p:txBody>
-          <a:bodyPr wrap="square" rtlCol="0">
-            <a:spAutoFit/>
-          </a:bodyPr>
-          <a:lstStyle/>
-          <a:p>
-            <a:pPr>
-              <a:buNone/>
-            </a:pPr>
-            <a:r>
-              <a:rPr lang="en-US" altLang="ko-KR" sz="1600" b="1" dirty="0">
-                <a:effectLst/>
-                <a:latin typeface="Consolas" panose="020B0609020204030204" pitchFamily="49" charset="0"/>
-                <a:sym typeface="Wingdings" panose="05000000000000000000" pitchFamily="2" charset="2"/>
-              </a:rPr>
-              <a:t> </a:t>
-            </a:r>
-            <a:r>
-              <a:rPr lang="en-US" altLang="ko-KR" sz="1600" b="1" dirty="0">
-                <a:latin typeface="Consolas" panose="020B0609020204030204" pitchFamily="49" charset="0"/>
-                <a:sym typeface="Wingdings" panose="05000000000000000000" pitchFamily="2" charset="2"/>
-              </a:rPr>
-              <a:t>input</a:t>
-            </a:r>
-            <a:r>
-              <a:rPr lang="ko-KR" altLang="en-US" sz="1600" b="1" dirty="0">
-                <a:latin typeface="Consolas" panose="020B0609020204030204" pitchFamily="49" charset="0"/>
-                <a:sym typeface="Wingdings" panose="05000000000000000000" pitchFamily="2" charset="2"/>
-              </a:rPr>
-              <a:t> 속성이 </a:t>
-            </a:r>
-            <a:r>
-              <a:rPr lang="en-US" altLang="ko-KR" sz="1600" b="1" dirty="0">
-                <a:latin typeface="Consolas" panose="020B0609020204030204" pitchFamily="49" charset="0"/>
-                <a:sym typeface="Wingdings" panose="05000000000000000000" pitchFamily="2" charset="2"/>
-              </a:rPr>
-              <a:t>email</a:t>
-            </a:r>
-            <a:r>
-              <a:rPr lang="ko-KR" altLang="en-US" sz="1600" b="1" dirty="0">
-                <a:latin typeface="Consolas" panose="020B0609020204030204" pitchFamily="49" charset="0"/>
-                <a:sym typeface="Wingdings" panose="05000000000000000000" pitchFamily="2" charset="2"/>
-              </a:rPr>
-              <a:t>과 </a:t>
-            </a:r>
-            <a:r>
-              <a:rPr lang="en-US" altLang="ko-KR" sz="1600" b="1" dirty="0">
-                <a:latin typeface="Consolas" panose="020B0609020204030204" pitchFamily="49" charset="0"/>
-                <a:sym typeface="Wingdings" panose="05000000000000000000" pitchFamily="2" charset="2"/>
-              </a:rPr>
-              <a:t>password </a:t>
-            </a:r>
-            <a:r>
-              <a:rPr lang="ko-KR" altLang="en-US" sz="1600" b="1" dirty="0">
-                <a:latin typeface="Consolas" panose="020B0609020204030204" pitchFamily="49" charset="0"/>
-                <a:sym typeface="Wingdings" panose="05000000000000000000" pitchFamily="2" charset="2"/>
-              </a:rPr>
-              <a:t>인 것만 적용할 스타일</a:t>
-            </a:r>
-            <a:endParaRPr lang="en-US" altLang="ko-KR" sz="1600" b="1" dirty="0">
-              <a:effectLst/>
-              <a:latin typeface="Consolas" panose="020B0609020204030204" pitchFamily="49" charset="0"/>
-            </a:endParaRPr>
-          </a:p>
-          <a:p>
-            <a:pPr>
-              <a:buNone/>
-            </a:pPr>
-            <a:r>
-              <a:rPr lang="en-US" altLang="ko-KR" sz="1600" b="0" dirty="0">
-                <a:effectLst/>
-                <a:latin typeface="Consolas" panose="020B0609020204030204" pitchFamily="49" charset="0"/>
-              </a:rPr>
-              <a:t>input[type="email"], input[type="password"]{</a:t>
-            </a:r>
-          </a:p>
-          <a:p>
-            <a:pPr>
-              <a:buNone/>
-            </a:pPr>
-            <a:r>
-              <a:rPr lang="en-US" altLang="ko-KR" sz="1600" b="0" dirty="0">
-                <a:effectLst/>
-                <a:latin typeface="Consolas" panose="020B0609020204030204" pitchFamily="49" charset="0"/>
-              </a:rPr>
-              <a:t>    height:25px;</a:t>
-            </a:r>
-          </a:p>
-          <a:p>
-            <a:pPr>
-              <a:buNone/>
-            </a:pPr>
-            <a:r>
-              <a:rPr lang="en-US" altLang="ko-KR" sz="1600" b="0" dirty="0">
-                <a:effectLst/>
-                <a:latin typeface="Consolas" panose="020B0609020204030204" pitchFamily="49" charset="0"/>
-              </a:rPr>
-              <a:t>    width:150px;</a:t>
-            </a:r>
-          </a:p>
-          <a:p>
-            <a:pPr>
-              <a:buNone/>
-            </a:pPr>
-            <a:r>
-              <a:rPr lang="en-US" altLang="ko-KR" sz="1600" b="0" dirty="0">
-                <a:effectLst/>
-                <a:latin typeface="Consolas" panose="020B0609020204030204" pitchFamily="49" charset="0"/>
-              </a:rPr>
-              <a:t>    border-radius:30px;</a:t>
-            </a:r>
-          </a:p>
-          <a:p>
-            <a:pPr>
-              <a:buNone/>
-            </a:pPr>
-            <a:r>
-              <a:rPr lang="en-US" altLang="ko-KR" sz="1600" b="0" dirty="0">
-                <a:effectLst/>
-                <a:latin typeface="Consolas" panose="020B0609020204030204" pitchFamily="49" charset="0"/>
-              </a:rPr>
-              <a:t>    border:1px solid black;</a:t>
-            </a:r>
-          </a:p>
-          <a:p>
-            <a:pPr>
-              <a:buNone/>
-            </a:pPr>
-            <a:r>
-              <a:rPr lang="en-US" altLang="ko-KR" sz="1600" b="0" dirty="0">
-                <a:effectLst/>
-                <a:latin typeface="Consolas" panose="020B0609020204030204" pitchFamily="49" charset="0"/>
-              </a:rPr>
-              <a:t>    padding-left:10px;</a:t>
-            </a:r>
-          </a:p>
-          <a:p>
-            <a:pPr>
-              <a:buNone/>
-            </a:pPr>
-            <a:r>
-              <a:rPr lang="en-US" altLang="ko-KR" sz="1600" b="0" dirty="0">
-                <a:effectLst/>
-                <a:latin typeface="Consolas" panose="020B0609020204030204" pitchFamily="49" charset="0"/>
-              </a:rPr>
-              <a:t>}</a:t>
-            </a:r>
-          </a:p>
-          <a:p>
-            <a:r>
-              <a:rPr lang="en-US" altLang="ko-KR" sz="1600" b="1" dirty="0">
-                <a:effectLst/>
-                <a:latin typeface="Consolas" panose="020B0609020204030204" pitchFamily="49" charset="0"/>
-                <a:sym typeface="Wingdings" panose="05000000000000000000" pitchFamily="2" charset="2"/>
-              </a:rPr>
-              <a:t> </a:t>
-            </a:r>
-            <a:r>
-              <a:rPr lang="en-US" altLang="ko-KR" sz="1600" b="1" dirty="0">
-                <a:latin typeface="Consolas" panose="020B0609020204030204" pitchFamily="49" charset="0"/>
-                <a:sym typeface="Wingdings" panose="05000000000000000000" pitchFamily="2" charset="2"/>
-              </a:rPr>
-              <a:t>input</a:t>
-            </a:r>
-            <a:r>
-              <a:rPr lang="ko-KR" altLang="en-US" sz="1600" b="1" dirty="0">
-                <a:latin typeface="Consolas" panose="020B0609020204030204" pitchFamily="49" charset="0"/>
-                <a:sym typeface="Wingdings" panose="05000000000000000000" pitchFamily="2" charset="2"/>
-              </a:rPr>
-              <a:t> 속성이 </a:t>
-            </a:r>
-            <a:r>
-              <a:rPr lang="en-US" altLang="ko-KR" sz="1600" b="1" dirty="0">
-                <a:latin typeface="Consolas" panose="020B0609020204030204" pitchFamily="49" charset="0"/>
-                <a:sym typeface="Wingdings" panose="05000000000000000000" pitchFamily="2" charset="2"/>
-              </a:rPr>
-              <a:t>submit </a:t>
-            </a:r>
-            <a:r>
-              <a:rPr lang="ko-KR" altLang="en-US" sz="1600" b="1" dirty="0">
-                <a:latin typeface="Consolas" panose="020B0609020204030204" pitchFamily="49" charset="0"/>
-                <a:sym typeface="Wingdings" panose="05000000000000000000" pitchFamily="2" charset="2"/>
-              </a:rPr>
-              <a:t>인 것만 적용할 스타일</a:t>
-            </a:r>
-            <a:endParaRPr lang="en-US" altLang="ko-KR" sz="1600" b="0" dirty="0">
-              <a:effectLst/>
-              <a:latin typeface="Consolas" panose="020B0609020204030204" pitchFamily="49" charset="0"/>
-            </a:endParaRPr>
-          </a:p>
-          <a:p>
-            <a:pPr>
-              <a:buNone/>
-            </a:pPr>
-            <a:r>
-              <a:rPr lang="en-US" altLang="ko-KR" sz="1600" b="0" dirty="0">
-                <a:effectLst/>
-                <a:latin typeface="Consolas" panose="020B0609020204030204" pitchFamily="49" charset="0"/>
-              </a:rPr>
-              <a:t>input[type="submit"]{</a:t>
-            </a:r>
-          </a:p>
-          <a:p>
-            <a:pPr>
-              <a:buNone/>
-            </a:pPr>
-            <a:r>
-              <a:rPr lang="en-US" altLang="ko-KR" sz="1600" b="0" dirty="0">
-                <a:effectLst/>
-                <a:latin typeface="Consolas" panose="020B0609020204030204" pitchFamily="49" charset="0"/>
-              </a:rPr>
-              <a:t>    height:25px;</a:t>
-            </a:r>
-          </a:p>
-          <a:p>
-            <a:pPr>
-              <a:buNone/>
-            </a:pPr>
-            <a:r>
-              <a:rPr lang="en-US" altLang="ko-KR" sz="1600" b="0" dirty="0">
-                <a:effectLst/>
-                <a:latin typeface="Consolas" panose="020B0609020204030204" pitchFamily="49" charset="0"/>
-              </a:rPr>
-              <a:t>    width:150px;</a:t>
-            </a:r>
-          </a:p>
-          <a:p>
-            <a:pPr>
-              <a:buNone/>
-            </a:pPr>
-            <a:r>
-              <a:rPr lang="en-US" altLang="ko-KR" sz="1600" b="0" dirty="0">
-                <a:effectLst/>
-                <a:latin typeface="Consolas" panose="020B0609020204030204" pitchFamily="49" charset="0"/>
-              </a:rPr>
-              <a:t>    </a:t>
-            </a:r>
-            <a:r>
-              <a:rPr lang="en-US" altLang="ko-KR" sz="1600" b="0" dirty="0" err="1">
-                <a:effectLst/>
-                <a:latin typeface="Consolas" panose="020B0609020204030204" pitchFamily="49" charset="0"/>
-              </a:rPr>
-              <a:t>background:brown</a:t>
-            </a:r>
-            <a:r>
-              <a:rPr lang="en-US" altLang="ko-KR" sz="1600" b="0" dirty="0">
-                <a:effectLst/>
-                <a:latin typeface="Consolas" panose="020B0609020204030204" pitchFamily="49" charset="0"/>
-              </a:rPr>
-              <a:t>;</a:t>
-            </a:r>
-          </a:p>
-          <a:p>
-            <a:pPr>
-              <a:buNone/>
-            </a:pPr>
-            <a:r>
-              <a:rPr lang="en-US" altLang="ko-KR" sz="1600" b="0" dirty="0">
-                <a:effectLst/>
-                <a:latin typeface="Consolas" panose="020B0609020204030204" pitchFamily="49" charset="0"/>
-              </a:rPr>
-              <a:t>    </a:t>
-            </a:r>
-            <a:r>
-              <a:rPr lang="en-US" altLang="ko-KR" sz="1600" b="0" dirty="0" err="1">
-                <a:effectLst/>
-                <a:latin typeface="Consolas" panose="020B0609020204030204" pitchFamily="49" charset="0"/>
-              </a:rPr>
-              <a:t>border:none</a:t>
-            </a:r>
-            <a:r>
-              <a:rPr lang="en-US" altLang="ko-KR" sz="1600" b="0" dirty="0">
-                <a:effectLst/>
-                <a:latin typeface="Consolas" panose="020B0609020204030204" pitchFamily="49" charset="0"/>
-              </a:rPr>
-              <a:t>;</a:t>
-            </a:r>
-          </a:p>
-          <a:p>
-            <a:pPr>
-              <a:buNone/>
-            </a:pPr>
-            <a:r>
-              <a:rPr lang="en-US" altLang="ko-KR" sz="1600" b="0" dirty="0">
-                <a:effectLst/>
-                <a:latin typeface="Consolas" panose="020B0609020204030204" pitchFamily="49" charset="0"/>
-              </a:rPr>
-              <a:t>    border-radius: 10px;</a:t>
-            </a:r>
-          </a:p>
-          <a:p>
-            <a:r>
-              <a:rPr lang="en-US" altLang="ko-KR" sz="1600" b="0" dirty="0">
-                <a:effectLst/>
-                <a:latin typeface="Consolas" panose="020B0609020204030204" pitchFamily="49" charset="0"/>
-              </a:rPr>
-              <a:t>}</a:t>
-            </a:r>
+          <a:p>
+            <a:pPr marL="0" indent="0">
+              <a:buNone/>
+            </a:pPr>
+            <a:endParaRPr lang="en-US" altLang="ko-KR" dirty="0"/>
+          </a:p>
+          <a:p>
+            <a:pPr marL="0" indent="0">
+              <a:buNone/>
+            </a:pPr>
+            <a:endParaRPr lang="en-US" altLang="ko-KR" dirty="0"/>
           </a:p>
         </p:txBody>
       </p:sp>
       <p:pic>
         <p:nvPicPr>
-          <p:cNvPr id="5" name="그림 4">
+          <p:cNvPr id="10" name="그림 9">
             <a:extLst>
               <a:ext uri="{FF2B5EF4-FFF2-40B4-BE49-F238E27FC236}">
-                <a16:creationId xmlns:a16="http://schemas.microsoft.com/office/drawing/2014/main" id="{3EED6389-6B7E-23FD-18A9-0910BF4750E1}"/>
+                <a16:creationId xmlns:a16="http://schemas.microsoft.com/office/drawing/2014/main" id="{380D079C-4514-DE1E-88AC-EA99E11C6859}"/>
               </a:ext>
             </a:extLst>
           </p:cNvPr>
@@ -13998,38 +13225,8 @@
         </p:blipFill>
         <p:spPr>
           <a:xfrm>
-            <a:off x="35668" y="2886784"/>
-            <a:ext cx="2152950" cy="1876687"/>
-          </a:xfrm>
-          <a:prstGeom prst="rect">
-            <a:avLst/>
-          </a:prstGeom>
-        </p:spPr>
-      </p:pic>
-      <p:pic>
-        <p:nvPicPr>
-          <p:cNvPr id="9" name="그림 8">
-            <a:extLst>
-              <a:ext uri="{FF2B5EF4-FFF2-40B4-BE49-F238E27FC236}">
-                <a16:creationId xmlns:a16="http://schemas.microsoft.com/office/drawing/2014/main" id="{1DC59111-F5DB-E321-619A-4C087BD53BF4}"/>
-              </a:ext>
-            </a:extLst>
-          </p:cNvPr>
-          <p:cNvPicPr>
-            <a:picLocks noChangeAspect="1"/>
-          </p:cNvPicPr>
-          <p:nvPr/>
-        </p:nvPicPr>
-        <p:blipFill>
-          <a:blip r:embed="rId3"/>
-          <a:stretch>
-            <a:fillRect/>
-          </a:stretch>
-        </p:blipFill>
-        <p:spPr>
-          <a:xfrm>
-            <a:off x="35668" y="1516069"/>
-            <a:ext cx="5191850" cy="1324160"/>
+            <a:off x="3316188" y="1761191"/>
+            <a:ext cx="4904374" cy="3822745"/>
           </a:xfrm>
           <a:prstGeom prst="rect">
             <a:avLst/>
@@ -14039,7 +13236,7 @@
     </p:spTree>
     <p:extLst>
       <p:ext uri="{BB962C8B-B14F-4D97-AF65-F5344CB8AC3E}">
-        <p14:creationId xmlns:p14="http://schemas.microsoft.com/office/powerpoint/2010/main" val="2600189313"/>
+        <p14:creationId xmlns:p14="http://schemas.microsoft.com/office/powerpoint/2010/main" val="3692923431"/>
       </p:ext>
     </p:extLst>
   </p:cSld>
@@ -14049,7 +13246,7 @@
 </p:sld>
 </file>
 
-<file path=ppt/slides/slide36.xml><?xml version="1.0" encoding="utf-8"?>
+<file path=ppt/slides/slide39.xml><?xml version="1.0" encoding="utf-8"?>
 <p:sld xmlns:a="http://schemas.openxmlformats.org/drawingml/2006/main" xmlns:r="http://schemas.openxmlformats.org/officeDocument/2006/relationships" xmlns:p="http://schemas.openxmlformats.org/presentationml/2006/main">
   <p:cSld>
     <p:spTree>
@@ -14057,7 +13254,7 @@
         <p:cNvPr id="1" name="">
           <a:extLst>
             <a:ext uri="{FF2B5EF4-FFF2-40B4-BE49-F238E27FC236}">
-              <a16:creationId xmlns:a16="http://schemas.microsoft.com/office/drawing/2014/main" id="{60ECA5D2-F91E-25FB-3A00-BE11ED4AF92E}"/>
+              <a16:creationId xmlns:a16="http://schemas.microsoft.com/office/drawing/2014/main" id="{29B648FE-2339-F8D3-DEDE-ADB3E6D349A5}"/>
             </a:ext>
           </a:extLst>
         </p:cNvPr>
@@ -14077,7 +13274,7 @@
           <p:cNvPr id="3" name="내용 개체 틀 2">
             <a:extLst>
               <a:ext uri="{FF2B5EF4-FFF2-40B4-BE49-F238E27FC236}">
-                <a16:creationId xmlns:a16="http://schemas.microsoft.com/office/drawing/2014/main" id="{AE22812D-FAA7-EEA2-B617-2D2605FAFD26}"/>
+                <a16:creationId xmlns:a16="http://schemas.microsoft.com/office/drawing/2014/main" id="{6C99757D-1E09-B5B2-5565-0A3475CB6667}"/>
               </a:ext>
             </a:extLst>
           </p:cNvPr>
@@ -14090,8 +13287,8 @@
         </p:nvSpPr>
         <p:spPr>
           <a:xfrm>
-            <a:off x="838199" y="314697"/>
-            <a:ext cx="11068455" cy="1339006"/>
+            <a:off x="838200" y="314696"/>
+            <a:ext cx="10515600" cy="5862267"/>
           </a:xfrm>
         </p:spPr>
         <p:txBody>
@@ -14105,217 +13302,31 @@
             </a:pPr>
             <a:r>
               <a:rPr lang="en-US" altLang="ko-KR" dirty="0"/>
-              <a:t>3. CSS </a:t>
+              <a:t>3. HTML/CSS </a:t>
             </a:r>
             <a:r>
               <a:rPr lang="ko-KR" altLang="en-US" dirty="0"/>
-              <a:t>기초</a:t>
+              <a:t>기본</a:t>
             </a:r>
             <a:endParaRPr lang="en-US" altLang="ko-KR" dirty="0"/>
           </a:p>
           <a:p>
-            <a:pPr>
-              <a:buFont typeface="Wingdings" panose="05000000000000000000" pitchFamily="2" charset="2"/>
-              <a:buChar char="Ø"/>
-            </a:pPr>
-            <a:r>
-              <a:rPr lang="ko-KR" altLang="en-US" dirty="0" err="1"/>
-              <a:t>셀렉터</a:t>
-            </a:r>
-            <a:r>
-              <a:rPr lang="ko-KR" altLang="en-US" dirty="0"/>
-              <a:t> 조건 반영</a:t>
-            </a:r>
+            <a:pPr marL="0" indent="0">
+              <a:buNone/>
+            </a:pPr>
             <a:endParaRPr lang="en-US" altLang="ko-KR" dirty="0"/>
           </a:p>
-        </p:txBody>
-      </p:sp>
-      <p:sp>
-        <p:nvSpPr>
-          <p:cNvPr id="8" name="TextBox 7">
-            <a:extLst>
-              <a:ext uri="{FF2B5EF4-FFF2-40B4-BE49-F238E27FC236}">
-                <a16:creationId xmlns:a16="http://schemas.microsoft.com/office/drawing/2014/main" id="{0607B4D2-CF43-16C3-66CF-C592E4ACD575}"/>
-              </a:ext>
-            </a:extLst>
-          </p:cNvPr>
-          <p:cNvSpPr txBox="1"/>
-          <p:nvPr/>
-        </p:nvSpPr>
-        <p:spPr>
-          <a:xfrm>
-            <a:off x="2694375" y="1507632"/>
-            <a:ext cx="8659426" cy="2800767"/>
-          </a:xfrm>
-          <a:prstGeom prst="rect">
-            <a:avLst/>
-          </a:prstGeom>
-          <a:noFill/>
-        </p:spPr>
-        <p:txBody>
-          <a:bodyPr wrap="square" rtlCol="0">
-            <a:spAutoFit/>
-          </a:bodyPr>
-          <a:lstStyle/>
-          <a:p>
-            <a:pPr>
-              <a:buNone/>
-            </a:pPr>
-            <a:r>
-              <a:rPr lang="en-US" altLang="ko-KR" sz="1600" b="1" dirty="0">
-                <a:effectLst/>
-                <a:latin typeface="Consolas" panose="020B0609020204030204" pitchFamily="49" charset="0"/>
-                <a:sym typeface="Wingdings" panose="05000000000000000000" pitchFamily="2" charset="2"/>
-              </a:rPr>
-              <a:t> </a:t>
-            </a:r>
-            <a:r>
-              <a:rPr lang="en-US" altLang="ko-KR" sz="1600" b="1" dirty="0">
-                <a:latin typeface="Consolas" panose="020B0609020204030204" pitchFamily="49" charset="0"/>
-                <a:sym typeface="Wingdings" panose="05000000000000000000" pitchFamily="2" charset="2"/>
-              </a:rPr>
-              <a:t>hover : </a:t>
-            </a:r>
-            <a:r>
-              <a:rPr lang="ko-KR" altLang="en-US" sz="1600" b="1" dirty="0">
-                <a:latin typeface="Consolas" panose="020B0609020204030204" pitchFamily="49" charset="0"/>
-                <a:sym typeface="Wingdings" panose="05000000000000000000" pitchFamily="2" charset="2"/>
-              </a:rPr>
-              <a:t>마우스를 올렸을 때</a:t>
-            </a:r>
-            <a:endParaRPr lang="en-US" altLang="ko-KR" sz="1600" b="1" dirty="0">
-              <a:effectLst/>
-              <a:latin typeface="Consolas" panose="020B0609020204030204" pitchFamily="49" charset="0"/>
-            </a:endParaRPr>
-          </a:p>
-          <a:p>
-            <a:pPr>
-              <a:buNone/>
-            </a:pPr>
-            <a:r>
-              <a:rPr lang="en-US" altLang="ko-KR" sz="1600" b="0" dirty="0">
-                <a:effectLst/>
-                <a:latin typeface="Consolas" panose="020B0609020204030204" pitchFamily="49" charset="0"/>
-              </a:rPr>
-              <a:t>a:hover{</a:t>
-            </a:r>
-          </a:p>
-          <a:p>
-            <a:pPr>
-              <a:buNone/>
-            </a:pPr>
-            <a:r>
-              <a:rPr lang="en-US" altLang="ko-KR" sz="1600" b="0" dirty="0">
-                <a:effectLst/>
-                <a:latin typeface="Consolas" panose="020B0609020204030204" pitchFamily="49" charset="0"/>
-              </a:rPr>
-              <a:t>    background: aqua;</a:t>
-            </a:r>
-          </a:p>
-          <a:p>
-            <a:pPr>
-              <a:buNone/>
-            </a:pPr>
-            <a:r>
-              <a:rPr lang="en-US" altLang="ko-KR" sz="1600" dirty="0">
-                <a:latin typeface="Consolas" panose="020B0609020204030204" pitchFamily="49" charset="0"/>
-              </a:rPr>
-              <a:t>    color: black;</a:t>
-            </a:r>
-          </a:p>
-          <a:p>
-            <a:pPr>
-              <a:buNone/>
-            </a:pPr>
-            <a:r>
-              <a:rPr lang="en-US" altLang="ko-KR" sz="1600" b="0" dirty="0">
-                <a:effectLst/>
-                <a:latin typeface="Consolas" panose="020B0609020204030204" pitchFamily="49" charset="0"/>
-              </a:rPr>
-              <a:t>    border: 1px solid black;</a:t>
-            </a:r>
-          </a:p>
-          <a:p>
-            <a:pPr>
-              <a:buNone/>
-            </a:pPr>
-            <a:r>
-              <a:rPr lang="en-US" altLang="ko-KR" sz="1600" b="0" dirty="0">
-                <a:effectLst/>
-                <a:latin typeface="Consolas" panose="020B0609020204030204" pitchFamily="49" charset="0"/>
-              </a:rPr>
-              <a:t>}</a:t>
-            </a:r>
-          </a:p>
-          <a:p>
-            <a:pPr>
-              <a:buNone/>
-            </a:pPr>
-            <a:endParaRPr lang="en-US" altLang="ko-KR" sz="1600" b="0" dirty="0">
-              <a:effectLst/>
-              <a:latin typeface="Consolas" panose="020B0609020204030204" pitchFamily="49" charset="0"/>
-            </a:endParaRPr>
-          </a:p>
-          <a:p>
-            <a:r>
-              <a:rPr lang="en-US" altLang="ko-KR" sz="1600" b="1" dirty="0">
-                <a:effectLst/>
-                <a:latin typeface="Consolas" panose="020B0609020204030204" pitchFamily="49" charset="0"/>
-                <a:sym typeface="Wingdings" panose="05000000000000000000" pitchFamily="2" charset="2"/>
-              </a:rPr>
-              <a:t> </a:t>
-            </a:r>
-            <a:r>
-              <a:rPr lang="en-US" altLang="ko-KR" sz="1600" b="1" dirty="0">
-                <a:latin typeface="Consolas" panose="020B0609020204030204" pitchFamily="49" charset="0"/>
-                <a:sym typeface="Wingdings" panose="05000000000000000000" pitchFamily="2" charset="2"/>
-              </a:rPr>
-              <a:t>active : </a:t>
-            </a:r>
-            <a:r>
-              <a:rPr lang="ko-KR" altLang="en-US" sz="1600" b="1" dirty="0">
-                <a:latin typeface="Consolas" panose="020B0609020204030204" pitchFamily="49" charset="0"/>
-                <a:sym typeface="Wingdings" panose="05000000000000000000" pitchFamily="2" charset="2"/>
-              </a:rPr>
-              <a:t>눌렸을 때</a:t>
-            </a:r>
-            <a:endParaRPr lang="en-US" altLang="ko-KR" sz="1600" b="0" dirty="0">
-              <a:effectLst/>
-              <a:latin typeface="Consolas" panose="020B0609020204030204" pitchFamily="49" charset="0"/>
-            </a:endParaRPr>
-          </a:p>
-          <a:p>
-            <a:pPr>
-              <a:buNone/>
-            </a:pPr>
-            <a:r>
-              <a:rPr lang="en-US" altLang="ko-KR" sz="1600" b="0" dirty="0">
-                <a:effectLst/>
-                <a:latin typeface="Consolas" panose="020B0609020204030204" pitchFamily="49" charset="0"/>
-              </a:rPr>
-              <a:t>a:active{</a:t>
-            </a:r>
-          </a:p>
-          <a:p>
-            <a:pPr>
-              <a:buNone/>
-            </a:pPr>
-            <a:r>
-              <a:rPr lang="en-US" altLang="ko-KR" sz="1600" b="0" dirty="0">
-                <a:effectLst/>
-                <a:latin typeface="Consolas" panose="020B0609020204030204" pitchFamily="49" charset="0"/>
-              </a:rPr>
-              <a:t>    background: green;</a:t>
-            </a:r>
-          </a:p>
-          <a:p>
-            <a:r>
-              <a:rPr lang="en-US" altLang="ko-KR" sz="1600" b="0" dirty="0">
-                <a:effectLst/>
-                <a:latin typeface="Consolas" panose="020B0609020204030204" pitchFamily="49" charset="0"/>
-              </a:rPr>
-              <a:t>}</a:t>
-            </a:r>
+          <a:p>
+            <a:pPr marL="0" indent="0">
+              <a:buNone/>
+            </a:pPr>
+            <a:endParaRPr lang="en-US" altLang="ko-KR" dirty="0"/>
+          </a:p>
+          <a:p>
+            <a:pPr marL="0" indent="0">
+              <a:buNone/>
+            </a:pPr>
+            <a:endParaRPr lang="en-US" altLang="ko-KR" dirty="0"/>
           </a:p>
         </p:txBody>
       </p:sp>
@@ -14324,7 +13335,7 @@
           <p:cNvPr id="4" name="그림 3">
             <a:extLst>
               <a:ext uri="{FF2B5EF4-FFF2-40B4-BE49-F238E27FC236}">
-                <a16:creationId xmlns:a16="http://schemas.microsoft.com/office/drawing/2014/main" id="{A16BFF27-6EB6-25EF-75A3-322233F84CF9}"/>
+                <a16:creationId xmlns:a16="http://schemas.microsoft.com/office/drawing/2014/main" id="{43AE664D-0E18-A1C0-DA79-C93E3BA8694F}"/>
               </a:ext>
             </a:extLst>
           </p:cNvPr>
@@ -14341,8 +13352,8 @@
         </p:blipFill>
         <p:spPr>
           <a:xfrm>
-            <a:off x="108668" y="1507632"/>
-            <a:ext cx="2305372" cy="3667637"/>
+            <a:off x="2585547" y="1576129"/>
+            <a:ext cx="7020905" cy="3705742"/>
           </a:xfrm>
           <a:prstGeom prst="rect">
             <a:avLst/>
@@ -14352,1857 +13363,7 @@
     </p:spTree>
     <p:extLst>
       <p:ext uri="{BB962C8B-B14F-4D97-AF65-F5344CB8AC3E}">
-        <p14:creationId xmlns:p14="http://schemas.microsoft.com/office/powerpoint/2010/main" val="3363085529"/>
-      </p:ext>
-    </p:extLst>
-  </p:cSld>
-  <p:clrMapOvr>
-    <a:masterClrMapping/>
-  </p:clrMapOvr>
-</p:sld>
-</file>
-
-<file path=ppt/slides/slide37.xml><?xml version="1.0" encoding="utf-8"?>
-<p:sld xmlns:a="http://schemas.openxmlformats.org/drawingml/2006/main" xmlns:r="http://schemas.openxmlformats.org/officeDocument/2006/relationships" xmlns:p="http://schemas.openxmlformats.org/presentationml/2006/main">
-  <p:cSld>
-    <p:spTree>
-      <p:nvGrpSpPr>
-        <p:cNvPr id="1" name="">
-          <a:extLst>
-            <a:ext uri="{FF2B5EF4-FFF2-40B4-BE49-F238E27FC236}">
-              <a16:creationId xmlns:a16="http://schemas.microsoft.com/office/drawing/2014/main" id="{A591894B-E781-EC82-AF5F-9D04F67D0027}"/>
-            </a:ext>
-          </a:extLst>
-        </p:cNvPr>
-        <p:cNvGrpSpPr/>
-        <p:nvPr/>
-      </p:nvGrpSpPr>
-      <p:grpSpPr>
-        <a:xfrm>
-          <a:off x="0" y="0"/>
-          <a:ext cx="0" cy="0"/>
-          <a:chOff x="0" y="0"/>
-          <a:chExt cx="0" cy="0"/>
-        </a:xfrm>
-      </p:grpSpPr>
-      <p:sp>
-        <p:nvSpPr>
-          <p:cNvPr id="3" name="내용 개체 틀 2">
-            <a:extLst>
-              <a:ext uri="{FF2B5EF4-FFF2-40B4-BE49-F238E27FC236}">
-                <a16:creationId xmlns:a16="http://schemas.microsoft.com/office/drawing/2014/main" id="{2E8CA210-DAC3-D0D5-0E97-8BC484C57B02}"/>
-              </a:ext>
-            </a:extLst>
-          </p:cNvPr>
-          <p:cNvSpPr>
-            <a:spLocks noGrp="1"/>
-          </p:cNvSpPr>
-          <p:nvPr>
-            <p:ph idx="1"/>
-          </p:nvPr>
-        </p:nvSpPr>
-        <p:spPr>
-          <a:xfrm>
-            <a:off x="838199" y="314697"/>
-            <a:ext cx="11068455" cy="1339006"/>
-          </a:xfrm>
-        </p:spPr>
-        <p:txBody>
-          <a:bodyPr>
-            <a:normAutofit/>
-          </a:bodyPr>
-          <a:lstStyle/>
-          <a:p>
-            <a:pPr marL="0" indent="0">
-              <a:buNone/>
-            </a:pPr>
-            <a:r>
-              <a:rPr lang="en-US" altLang="ko-KR" dirty="0"/>
-              <a:t>3. CSS </a:t>
-            </a:r>
-            <a:r>
-              <a:rPr lang="ko-KR" altLang="en-US" dirty="0"/>
-              <a:t>기초</a:t>
-            </a:r>
-            <a:endParaRPr lang="en-US" altLang="ko-KR" dirty="0"/>
-          </a:p>
-          <a:p>
-            <a:pPr>
-              <a:buFont typeface="Wingdings" panose="05000000000000000000" pitchFamily="2" charset="2"/>
-              <a:buChar char="Ø"/>
-            </a:pPr>
-            <a:r>
-              <a:rPr lang="ko-KR" altLang="en-US" dirty="0" err="1"/>
-              <a:t>셀렉터</a:t>
-            </a:r>
-            <a:r>
-              <a:rPr lang="ko-KR" altLang="en-US" dirty="0"/>
-              <a:t> 조건 반영</a:t>
-            </a:r>
-            <a:endParaRPr lang="en-US" altLang="ko-KR" dirty="0"/>
-          </a:p>
-        </p:txBody>
-      </p:sp>
-      <p:sp>
-        <p:nvSpPr>
-          <p:cNvPr id="8" name="TextBox 7">
-            <a:extLst>
-              <a:ext uri="{FF2B5EF4-FFF2-40B4-BE49-F238E27FC236}">
-                <a16:creationId xmlns:a16="http://schemas.microsoft.com/office/drawing/2014/main" id="{2DB7FECD-A29E-F834-DCA9-F3BF2187C971}"/>
-              </a:ext>
-            </a:extLst>
-          </p:cNvPr>
-          <p:cNvSpPr txBox="1"/>
-          <p:nvPr/>
-        </p:nvSpPr>
-        <p:spPr>
-          <a:xfrm>
-            <a:off x="2694375" y="1507632"/>
-            <a:ext cx="8659426" cy="4770537"/>
-          </a:xfrm>
-          <a:prstGeom prst="rect">
-            <a:avLst/>
-          </a:prstGeom>
-          <a:noFill/>
-        </p:spPr>
-        <p:txBody>
-          <a:bodyPr wrap="square" rtlCol="0">
-            <a:spAutoFit/>
-          </a:bodyPr>
-          <a:lstStyle/>
-          <a:p>
-            <a:pPr>
-              <a:buNone/>
-            </a:pPr>
-            <a:r>
-              <a:rPr lang="en-US" altLang="ko-KR" sz="1600" dirty="0">
-                <a:latin typeface="Consolas" panose="020B0609020204030204" pitchFamily="49" charset="0"/>
-                <a:sym typeface="Wingdings" panose="05000000000000000000" pitchFamily="2" charset="2"/>
-              </a:rPr>
-              <a:t> </a:t>
-            </a:r>
-            <a:r>
-              <a:rPr lang="en-US" altLang="ko-KR" sz="1600" b="0" dirty="0">
-                <a:effectLst/>
-                <a:latin typeface="Consolas" panose="020B0609020204030204" pitchFamily="49" charset="0"/>
-              </a:rPr>
-              <a:t>focus: </a:t>
-            </a:r>
-            <a:r>
-              <a:rPr lang="ko-KR" altLang="en-US" sz="1600" b="0" dirty="0" err="1">
-                <a:effectLst/>
-                <a:latin typeface="Consolas" panose="020B0609020204030204" pitchFamily="49" charset="0"/>
-              </a:rPr>
-              <a:t>선택됬을</a:t>
-            </a:r>
-            <a:r>
-              <a:rPr lang="ko-KR" altLang="en-US" sz="1600" b="0" dirty="0">
-                <a:effectLst/>
-                <a:latin typeface="Consolas" panose="020B0609020204030204" pitchFamily="49" charset="0"/>
-              </a:rPr>
-              <a:t> 때</a:t>
-            </a:r>
-          </a:p>
-          <a:p>
-            <a:pPr>
-              <a:buNone/>
-            </a:pPr>
-            <a:r>
-              <a:rPr lang="en-US" altLang="ko-KR" sz="1600" b="0" dirty="0" err="1">
-                <a:effectLst/>
-                <a:latin typeface="Consolas" panose="020B0609020204030204" pitchFamily="49" charset="0"/>
-              </a:rPr>
-              <a:t>input:focus</a:t>
-            </a:r>
-            <a:r>
-              <a:rPr lang="en-US" altLang="ko-KR" sz="1600" b="0" dirty="0">
-                <a:effectLst/>
-                <a:latin typeface="Consolas" panose="020B0609020204030204" pitchFamily="49" charset="0"/>
-              </a:rPr>
-              <a:t>{</a:t>
-            </a:r>
-          </a:p>
-          <a:p>
-            <a:pPr>
-              <a:buNone/>
-            </a:pPr>
-            <a:r>
-              <a:rPr lang="en-US" altLang="ko-KR" sz="1600" b="0" dirty="0">
-                <a:effectLst/>
-                <a:latin typeface="Consolas" panose="020B0609020204030204" pitchFamily="49" charset="0"/>
-              </a:rPr>
-              <a:t>    background:#ccc;</a:t>
-            </a:r>
-          </a:p>
-          <a:p>
-            <a:pPr>
-              <a:buNone/>
-            </a:pPr>
-            <a:r>
-              <a:rPr lang="en-US" altLang="ko-KR" sz="1600" b="0" dirty="0">
-                <a:effectLst/>
-                <a:latin typeface="Consolas" panose="020B0609020204030204" pitchFamily="49" charset="0"/>
-              </a:rPr>
-              <a:t>    </a:t>
-            </a:r>
-            <a:r>
-              <a:rPr lang="en-US" altLang="ko-KR" sz="1600" b="0" dirty="0" err="1">
-                <a:effectLst/>
-                <a:latin typeface="Consolas" panose="020B0609020204030204" pitchFamily="49" charset="0"/>
-              </a:rPr>
-              <a:t>outline:none</a:t>
-            </a:r>
-            <a:r>
-              <a:rPr lang="en-US" altLang="ko-KR" sz="1600" b="0" dirty="0">
-                <a:effectLst/>
-                <a:latin typeface="Consolas" panose="020B0609020204030204" pitchFamily="49" charset="0"/>
-              </a:rPr>
-              <a:t>;</a:t>
-            </a:r>
-          </a:p>
-          <a:p>
-            <a:pPr>
-              <a:buNone/>
-            </a:pPr>
-            <a:r>
-              <a:rPr lang="en-US" altLang="ko-KR" sz="1600" b="0" dirty="0">
-                <a:effectLst/>
-                <a:latin typeface="Consolas" panose="020B0609020204030204" pitchFamily="49" charset="0"/>
-              </a:rPr>
-              <a:t>}</a:t>
-            </a:r>
-          </a:p>
-          <a:p>
-            <a:pPr>
-              <a:buNone/>
-            </a:pPr>
-            <a:r>
-              <a:rPr lang="en-US" altLang="ko-KR" sz="1600" b="0" dirty="0">
-                <a:effectLst/>
-                <a:latin typeface="Consolas" panose="020B0609020204030204" pitchFamily="49" charset="0"/>
-                <a:sym typeface="Wingdings" panose="05000000000000000000" pitchFamily="2" charset="2"/>
-              </a:rPr>
-              <a:t> </a:t>
-            </a:r>
-            <a:r>
-              <a:rPr lang="en-US" altLang="ko-KR" sz="1600" b="0" dirty="0">
-                <a:effectLst/>
-                <a:latin typeface="Consolas" panose="020B0609020204030204" pitchFamily="49" charset="0"/>
-              </a:rPr>
-              <a:t>invalid: </a:t>
-            </a:r>
-            <a:r>
-              <a:rPr lang="ko-KR" altLang="en-US" sz="1600" b="0" dirty="0">
-                <a:effectLst/>
-                <a:latin typeface="Consolas" panose="020B0609020204030204" pitchFamily="49" charset="0"/>
-              </a:rPr>
-              <a:t>잘못된 값</a:t>
-            </a:r>
-          </a:p>
-          <a:p>
-            <a:pPr>
-              <a:buNone/>
-            </a:pPr>
-            <a:r>
-              <a:rPr lang="en-US" altLang="ko-KR" sz="1600" b="0" dirty="0" err="1">
-                <a:effectLst/>
-                <a:latin typeface="Consolas" panose="020B0609020204030204" pitchFamily="49" charset="0"/>
-              </a:rPr>
-              <a:t>input:invalid</a:t>
-            </a:r>
-            <a:r>
-              <a:rPr lang="en-US" altLang="ko-KR" sz="1600" b="0" dirty="0">
-                <a:effectLst/>
-                <a:latin typeface="Consolas" panose="020B0609020204030204" pitchFamily="49" charset="0"/>
-              </a:rPr>
-              <a:t>{</a:t>
-            </a:r>
-          </a:p>
-          <a:p>
-            <a:pPr>
-              <a:buNone/>
-            </a:pPr>
-            <a:r>
-              <a:rPr lang="en-US" altLang="ko-KR" sz="1600" b="0" dirty="0">
-                <a:effectLst/>
-                <a:latin typeface="Consolas" panose="020B0609020204030204" pitchFamily="49" charset="0"/>
-              </a:rPr>
-              <a:t>    border: 2px solid red;</a:t>
-            </a:r>
-          </a:p>
-          <a:p>
-            <a:pPr>
-              <a:buNone/>
-            </a:pPr>
-            <a:r>
-              <a:rPr lang="en-US" altLang="ko-KR" sz="1600" b="0" dirty="0">
-                <a:effectLst/>
-                <a:latin typeface="Consolas" panose="020B0609020204030204" pitchFamily="49" charset="0"/>
-              </a:rPr>
-              <a:t>}        </a:t>
-            </a:r>
-          </a:p>
-          <a:p>
-            <a:pPr>
-              <a:buNone/>
-            </a:pPr>
-            <a:r>
-              <a:rPr lang="en-US" altLang="ko-KR" sz="1600" b="0" dirty="0">
-                <a:effectLst/>
-                <a:latin typeface="Consolas" panose="020B0609020204030204" pitchFamily="49" charset="0"/>
-                <a:sym typeface="Wingdings" panose="05000000000000000000" pitchFamily="2" charset="2"/>
-              </a:rPr>
-              <a:t> </a:t>
-            </a:r>
-            <a:r>
-              <a:rPr lang="en-US" altLang="ko-KR" sz="1600" b="0" dirty="0">
-                <a:effectLst/>
-                <a:latin typeface="Consolas" panose="020B0609020204030204" pitchFamily="49" charset="0"/>
-              </a:rPr>
-              <a:t>valid: </a:t>
-            </a:r>
-            <a:r>
-              <a:rPr lang="ko-KR" altLang="en-US" sz="1600" b="0" dirty="0">
-                <a:effectLst/>
-                <a:latin typeface="Consolas" panose="020B0609020204030204" pitchFamily="49" charset="0"/>
-              </a:rPr>
-              <a:t>올바른 값</a:t>
-            </a:r>
-          </a:p>
-          <a:p>
-            <a:pPr>
-              <a:buNone/>
-            </a:pPr>
-            <a:r>
-              <a:rPr lang="en-US" altLang="ko-KR" sz="1600" b="0" dirty="0" err="1">
-                <a:effectLst/>
-                <a:latin typeface="Consolas" panose="020B0609020204030204" pitchFamily="49" charset="0"/>
-              </a:rPr>
-              <a:t>input:valid</a:t>
-            </a:r>
-            <a:r>
-              <a:rPr lang="en-US" altLang="ko-KR" sz="1600" b="0" dirty="0">
-                <a:effectLst/>
-                <a:latin typeface="Consolas" panose="020B0609020204030204" pitchFamily="49" charset="0"/>
-              </a:rPr>
-              <a:t>{</a:t>
-            </a:r>
-          </a:p>
-          <a:p>
-            <a:pPr>
-              <a:buNone/>
-            </a:pPr>
-            <a:r>
-              <a:rPr lang="en-US" altLang="ko-KR" sz="1600" b="0" dirty="0">
-                <a:effectLst/>
-                <a:latin typeface="Consolas" panose="020B0609020204030204" pitchFamily="49" charset="0"/>
-              </a:rPr>
-              <a:t>    border: 2px solid green;</a:t>
-            </a:r>
-          </a:p>
-          <a:p>
-            <a:pPr>
-              <a:buNone/>
-            </a:pPr>
-            <a:r>
-              <a:rPr lang="en-US" altLang="ko-KR" sz="1600" b="0" dirty="0">
-                <a:effectLst/>
-                <a:latin typeface="Consolas" panose="020B0609020204030204" pitchFamily="49" charset="0"/>
-              </a:rPr>
-              <a:t>}</a:t>
-            </a:r>
-          </a:p>
-          <a:p>
-            <a:pPr>
-              <a:buNone/>
-            </a:pPr>
-            <a:br>
-              <a:rPr lang="en-US" altLang="ko-KR" sz="1600" b="0" dirty="0">
-                <a:effectLst/>
-                <a:latin typeface="Consolas" panose="020B0609020204030204" pitchFamily="49" charset="0"/>
-              </a:rPr>
-            </a:br>
-            <a:r>
-              <a:rPr lang="en-US" altLang="ko-KR" sz="1600" b="0" dirty="0">
-                <a:effectLst/>
-                <a:latin typeface="Consolas" panose="020B0609020204030204" pitchFamily="49" charset="0"/>
-                <a:sym typeface="Wingdings" panose="05000000000000000000" pitchFamily="2" charset="2"/>
-              </a:rPr>
-              <a:t> </a:t>
-            </a:r>
-            <a:r>
-              <a:rPr lang="en-US" altLang="ko-KR" sz="1600" b="0" dirty="0" err="1">
-                <a:effectLst/>
-                <a:latin typeface="Consolas" panose="020B0609020204030204" pitchFamily="49" charset="0"/>
-              </a:rPr>
-              <a:t>chekced</a:t>
-            </a:r>
-            <a:r>
-              <a:rPr lang="en-US" altLang="ko-KR" sz="1600" b="0" dirty="0">
-                <a:effectLst/>
-                <a:latin typeface="Consolas" panose="020B0609020204030204" pitchFamily="49" charset="0"/>
-              </a:rPr>
-              <a:t>: </a:t>
-            </a:r>
-            <a:r>
-              <a:rPr lang="ko-KR" altLang="en-US" sz="1600" b="0" dirty="0" err="1">
-                <a:effectLst/>
-                <a:latin typeface="Consolas" panose="020B0609020204030204" pitchFamily="49" charset="0"/>
-              </a:rPr>
-              <a:t>체크됬을</a:t>
-            </a:r>
-            <a:r>
-              <a:rPr lang="ko-KR" altLang="en-US" sz="1600" b="0" dirty="0">
-                <a:effectLst/>
-                <a:latin typeface="Consolas" panose="020B0609020204030204" pitchFamily="49" charset="0"/>
-              </a:rPr>
-              <a:t> 때 </a:t>
-            </a:r>
-            <a:r>
-              <a:rPr lang="en-US" altLang="ko-KR" sz="1600" b="0" dirty="0">
-                <a:effectLst/>
-                <a:latin typeface="Consolas" panose="020B0609020204030204" pitchFamily="49" charset="0"/>
-              </a:rPr>
-              <a:t>+ </a:t>
-            </a:r>
-            <a:r>
-              <a:rPr lang="ko-KR" altLang="en-US" sz="1600" b="0" dirty="0">
-                <a:effectLst/>
-                <a:latin typeface="Consolas" panose="020B0609020204030204" pitchFamily="49" charset="0"/>
-              </a:rPr>
-              <a:t>뒤에 오는 </a:t>
-            </a:r>
-            <a:r>
-              <a:rPr lang="en-US" altLang="ko-KR" sz="1600" b="0" dirty="0">
-                <a:effectLst/>
-                <a:latin typeface="Consolas" panose="020B0609020204030204" pitchFamily="49" charset="0"/>
-              </a:rPr>
-              <a:t>span</a:t>
-            </a:r>
-            <a:r>
-              <a:rPr lang="ko-KR" altLang="en-US" sz="1600" b="0" dirty="0">
-                <a:effectLst/>
-                <a:latin typeface="Consolas" panose="020B0609020204030204" pitchFamily="49" charset="0"/>
-              </a:rPr>
-              <a:t>에 대해서 적용</a:t>
-            </a:r>
-          </a:p>
-          <a:p>
-            <a:pPr>
-              <a:buNone/>
-            </a:pPr>
-            <a:r>
-              <a:rPr lang="en-US" altLang="ko-KR" sz="1600" b="0" dirty="0">
-                <a:effectLst/>
-                <a:latin typeface="Consolas" panose="020B0609020204030204" pitchFamily="49" charset="0"/>
-              </a:rPr>
-              <a:t>input[type="checkbox"]:checked + span{</a:t>
-            </a:r>
-          </a:p>
-          <a:p>
-            <a:pPr>
-              <a:buNone/>
-            </a:pPr>
-            <a:r>
-              <a:rPr lang="en-US" altLang="ko-KR" sz="1600" b="0" dirty="0">
-                <a:effectLst/>
-                <a:latin typeface="Consolas" panose="020B0609020204030204" pitchFamily="49" charset="0"/>
-              </a:rPr>
-              <a:t>    text-decoration: line-through;</a:t>
-            </a:r>
-          </a:p>
-          <a:p>
-            <a:pPr>
-              <a:buNone/>
-            </a:pPr>
-            <a:r>
-              <a:rPr lang="en-US" altLang="ko-KR" sz="1600" b="0" dirty="0">
-                <a:effectLst/>
-                <a:latin typeface="Consolas" panose="020B0609020204030204" pitchFamily="49" charset="0"/>
-              </a:rPr>
-              <a:t>    color:#</a:t>
-            </a:r>
-            <a:r>
-              <a:rPr lang="en-US" altLang="ko-KR" sz="1600" b="0" dirty="0" err="1">
-                <a:effectLst/>
-                <a:latin typeface="Consolas" panose="020B0609020204030204" pitchFamily="49" charset="0"/>
-              </a:rPr>
-              <a:t>ddd</a:t>
-            </a:r>
-            <a:r>
-              <a:rPr lang="en-US" altLang="ko-KR" sz="1600" b="0" dirty="0">
-                <a:effectLst/>
-                <a:latin typeface="Consolas" panose="020B0609020204030204" pitchFamily="49" charset="0"/>
-              </a:rPr>
-              <a:t>;</a:t>
-            </a:r>
-          </a:p>
-          <a:p>
-            <a:r>
-              <a:rPr lang="en-US" altLang="ko-KR" sz="1600" b="0" dirty="0">
-                <a:effectLst/>
-                <a:latin typeface="Consolas" panose="020B0609020204030204" pitchFamily="49" charset="0"/>
-              </a:rPr>
-              <a:t>}</a:t>
-            </a:r>
-          </a:p>
-        </p:txBody>
-      </p:sp>
-      <p:pic>
-        <p:nvPicPr>
-          <p:cNvPr id="5" name="그림 4">
-            <a:extLst>
-              <a:ext uri="{FF2B5EF4-FFF2-40B4-BE49-F238E27FC236}">
-                <a16:creationId xmlns:a16="http://schemas.microsoft.com/office/drawing/2014/main" id="{689A236B-15A6-14F1-90A2-2A098FA7C89E}"/>
-              </a:ext>
-            </a:extLst>
-          </p:cNvPr>
-          <p:cNvPicPr>
-            <a:picLocks noChangeAspect="1"/>
-          </p:cNvPicPr>
-          <p:nvPr/>
-        </p:nvPicPr>
-        <p:blipFill>
-          <a:blip r:embed="rId2"/>
-          <a:stretch>
-            <a:fillRect/>
-          </a:stretch>
-        </p:blipFill>
-        <p:spPr>
-          <a:xfrm>
-            <a:off x="102350" y="2399165"/>
-            <a:ext cx="2229161" cy="2772162"/>
-          </a:xfrm>
-          <a:prstGeom prst="rect">
-            <a:avLst/>
-          </a:prstGeom>
-        </p:spPr>
-      </p:pic>
-      <p:pic>
-        <p:nvPicPr>
-          <p:cNvPr id="7" name="그림 6">
-            <a:extLst>
-              <a:ext uri="{FF2B5EF4-FFF2-40B4-BE49-F238E27FC236}">
-                <a16:creationId xmlns:a16="http://schemas.microsoft.com/office/drawing/2014/main" id="{138F0930-6282-F6E7-CE81-415C0DA58AF2}"/>
-              </a:ext>
-            </a:extLst>
-          </p:cNvPr>
-          <p:cNvPicPr>
-            <a:picLocks noChangeAspect="1"/>
-          </p:cNvPicPr>
-          <p:nvPr/>
-        </p:nvPicPr>
-        <p:blipFill>
-          <a:blip r:embed="rId3"/>
-          <a:stretch>
-            <a:fillRect/>
-          </a:stretch>
-        </p:blipFill>
-        <p:spPr>
-          <a:xfrm>
-            <a:off x="69009" y="1507632"/>
-            <a:ext cx="2295845" cy="762106"/>
-          </a:xfrm>
-          <a:prstGeom prst="rect">
-            <a:avLst/>
-          </a:prstGeom>
-        </p:spPr>
-      </p:pic>
-      <p:pic>
-        <p:nvPicPr>
-          <p:cNvPr id="10" name="그림 9">
-            <a:extLst>
-              <a:ext uri="{FF2B5EF4-FFF2-40B4-BE49-F238E27FC236}">
-                <a16:creationId xmlns:a16="http://schemas.microsoft.com/office/drawing/2014/main" id="{2F6A7874-66AE-9726-62EC-22B4023C3393}"/>
-              </a:ext>
-            </a:extLst>
-          </p:cNvPr>
-          <p:cNvPicPr>
-            <a:picLocks noChangeAspect="1"/>
-          </p:cNvPicPr>
-          <p:nvPr/>
-        </p:nvPicPr>
-        <p:blipFill>
-          <a:blip r:embed="rId4"/>
-          <a:stretch>
-            <a:fillRect/>
-          </a:stretch>
-        </p:blipFill>
-        <p:spPr>
-          <a:xfrm>
-            <a:off x="102350" y="5300754"/>
-            <a:ext cx="2168396" cy="1041680"/>
-          </a:xfrm>
-          <a:prstGeom prst="rect">
-            <a:avLst/>
-          </a:prstGeom>
-        </p:spPr>
-      </p:pic>
-    </p:spTree>
-    <p:extLst>
-      <p:ext uri="{BB962C8B-B14F-4D97-AF65-F5344CB8AC3E}">
-        <p14:creationId xmlns:p14="http://schemas.microsoft.com/office/powerpoint/2010/main" val="385018801"/>
-      </p:ext>
-    </p:extLst>
-  </p:cSld>
-  <p:clrMapOvr>
-    <a:masterClrMapping/>
-  </p:clrMapOvr>
-</p:sld>
-</file>
-
-<file path=ppt/slides/slide38.xml><?xml version="1.0" encoding="utf-8"?>
-<p:sld xmlns:a="http://schemas.openxmlformats.org/drawingml/2006/main" xmlns:r="http://schemas.openxmlformats.org/officeDocument/2006/relationships" xmlns:p="http://schemas.openxmlformats.org/presentationml/2006/main">
-  <p:cSld>
-    <p:spTree>
-      <p:nvGrpSpPr>
-        <p:cNvPr id="1" name="">
-          <a:extLst>
-            <a:ext uri="{FF2B5EF4-FFF2-40B4-BE49-F238E27FC236}">
-              <a16:creationId xmlns:a16="http://schemas.microsoft.com/office/drawing/2014/main" id="{D1428A68-237C-7570-A295-1DBA270DF0F3}"/>
-            </a:ext>
-          </a:extLst>
-        </p:cNvPr>
-        <p:cNvGrpSpPr/>
-        <p:nvPr/>
-      </p:nvGrpSpPr>
-      <p:grpSpPr>
-        <a:xfrm>
-          <a:off x="0" y="0"/>
-          <a:ext cx="0" cy="0"/>
-          <a:chOff x="0" y="0"/>
-          <a:chExt cx="0" cy="0"/>
-        </a:xfrm>
-      </p:grpSpPr>
-      <p:sp>
-        <p:nvSpPr>
-          <p:cNvPr id="3" name="내용 개체 틀 2">
-            <a:extLst>
-              <a:ext uri="{FF2B5EF4-FFF2-40B4-BE49-F238E27FC236}">
-                <a16:creationId xmlns:a16="http://schemas.microsoft.com/office/drawing/2014/main" id="{B0C627FF-EAD5-7E57-8792-5703473C0A66}"/>
-              </a:ext>
-            </a:extLst>
-          </p:cNvPr>
-          <p:cNvSpPr>
-            <a:spLocks noGrp="1"/>
-          </p:cNvSpPr>
-          <p:nvPr>
-            <p:ph idx="1"/>
-          </p:nvPr>
-        </p:nvSpPr>
-        <p:spPr>
-          <a:xfrm>
-            <a:off x="838199" y="314697"/>
-            <a:ext cx="11068455" cy="1339006"/>
-          </a:xfrm>
-        </p:spPr>
-        <p:txBody>
-          <a:bodyPr>
-            <a:normAutofit/>
-          </a:bodyPr>
-          <a:lstStyle/>
-          <a:p>
-            <a:pPr marL="0" indent="0">
-              <a:buNone/>
-            </a:pPr>
-            <a:r>
-              <a:rPr lang="en-US" altLang="ko-KR" dirty="0"/>
-              <a:t>3. CSS </a:t>
-            </a:r>
-            <a:r>
-              <a:rPr lang="ko-KR" altLang="en-US" dirty="0"/>
-              <a:t>기초</a:t>
-            </a:r>
-            <a:endParaRPr lang="en-US" altLang="ko-KR" dirty="0"/>
-          </a:p>
-          <a:p>
-            <a:pPr>
-              <a:buFont typeface="Wingdings" panose="05000000000000000000" pitchFamily="2" charset="2"/>
-              <a:buChar char="Ø"/>
-            </a:pPr>
-            <a:r>
-              <a:rPr lang="ko-KR" altLang="en-US" dirty="0" err="1"/>
-              <a:t>셀렉터</a:t>
-            </a:r>
-            <a:r>
-              <a:rPr lang="ko-KR" altLang="en-US" dirty="0"/>
-              <a:t> 조건 반영</a:t>
-            </a:r>
-            <a:endParaRPr lang="en-US" altLang="ko-KR" dirty="0"/>
-          </a:p>
-        </p:txBody>
-      </p:sp>
-      <p:sp>
-        <p:nvSpPr>
-          <p:cNvPr id="8" name="TextBox 7">
-            <a:extLst>
-              <a:ext uri="{FF2B5EF4-FFF2-40B4-BE49-F238E27FC236}">
-                <a16:creationId xmlns:a16="http://schemas.microsoft.com/office/drawing/2014/main" id="{86B13952-6026-38BD-40C7-177D69B72550}"/>
-              </a:ext>
-            </a:extLst>
-          </p:cNvPr>
-          <p:cNvSpPr txBox="1"/>
-          <p:nvPr/>
-        </p:nvSpPr>
-        <p:spPr>
-          <a:xfrm>
-            <a:off x="3443405" y="1507632"/>
-            <a:ext cx="4027438" cy="3539430"/>
-          </a:xfrm>
-          <a:prstGeom prst="rect">
-            <a:avLst/>
-          </a:prstGeom>
-          <a:noFill/>
-        </p:spPr>
-        <p:txBody>
-          <a:bodyPr wrap="square" rtlCol="0">
-            <a:spAutoFit/>
-          </a:bodyPr>
-          <a:lstStyle/>
-          <a:p>
-            <a:pPr>
-              <a:buNone/>
-            </a:pPr>
-            <a:r>
-              <a:rPr lang="en-US" altLang="ko-KR" sz="1600" b="0" dirty="0">
-                <a:effectLst/>
-                <a:latin typeface="Consolas" panose="020B0609020204030204" pitchFamily="49" charset="0"/>
-                <a:sym typeface="Wingdings" panose="05000000000000000000" pitchFamily="2" charset="2"/>
-              </a:rPr>
-              <a:t> </a:t>
-            </a:r>
-            <a:r>
-              <a:rPr lang="ko-KR" altLang="en-US" sz="1600" b="0" dirty="0">
-                <a:effectLst/>
-                <a:latin typeface="Consolas" panose="020B0609020204030204" pitchFamily="49" charset="0"/>
-              </a:rPr>
-              <a:t>첫번째에 적용</a:t>
-            </a:r>
-          </a:p>
-          <a:p>
-            <a:pPr>
-              <a:buNone/>
-            </a:pPr>
-            <a:r>
-              <a:rPr lang="en-US" altLang="ko-KR" sz="1600" b="0" dirty="0" err="1">
-                <a:effectLst/>
-                <a:latin typeface="Consolas" panose="020B0609020204030204" pitchFamily="49" charset="0"/>
-              </a:rPr>
-              <a:t>li:first-child</a:t>
-            </a:r>
-            <a:r>
-              <a:rPr lang="en-US" altLang="ko-KR" sz="1600" b="0" dirty="0">
-                <a:effectLst/>
-                <a:latin typeface="Consolas" panose="020B0609020204030204" pitchFamily="49" charset="0"/>
-              </a:rPr>
-              <a:t>{</a:t>
-            </a:r>
-          </a:p>
-          <a:p>
-            <a:pPr>
-              <a:buNone/>
-            </a:pPr>
-            <a:r>
-              <a:rPr lang="en-US" altLang="ko-KR" sz="1600" b="0" dirty="0">
-                <a:effectLst/>
-                <a:latin typeface="Consolas" panose="020B0609020204030204" pitchFamily="49" charset="0"/>
-              </a:rPr>
-              <a:t>    border: 2px solid black;</a:t>
-            </a:r>
-          </a:p>
-          <a:p>
-            <a:pPr>
-              <a:buNone/>
-            </a:pPr>
-            <a:r>
-              <a:rPr lang="en-US" altLang="ko-KR" sz="1600" b="0" dirty="0">
-                <a:effectLst/>
-                <a:latin typeface="Consolas" panose="020B0609020204030204" pitchFamily="49" charset="0"/>
-              </a:rPr>
-              <a:t>}</a:t>
-            </a:r>
-          </a:p>
-          <a:p>
-            <a:pPr>
-              <a:buNone/>
-            </a:pPr>
-            <a:endParaRPr lang="en-US" altLang="ko-KR" sz="1600" b="0" dirty="0">
-              <a:effectLst/>
-              <a:latin typeface="Consolas" panose="020B0609020204030204" pitchFamily="49" charset="0"/>
-            </a:endParaRPr>
-          </a:p>
-          <a:p>
-            <a:pPr>
-              <a:buNone/>
-            </a:pPr>
-            <a:r>
-              <a:rPr lang="en-US" altLang="ko-KR" sz="1600" b="0" dirty="0">
-                <a:effectLst/>
-                <a:latin typeface="Consolas" panose="020B0609020204030204" pitchFamily="49" charset="0"/>
-                <a:sym typeface="Wingdings" panose="05000000000000000000" pitchFamily="2" charset="2"/>
-              </a:rPr>
-              <a:t> </a:t>
-            </a:r>
-            <a:r>
-              <a:rPr lang="ko-KR" altLang="en-US" sz="1600" b="0" dirty="0" err="1">
-                <a:effectLst/>
-                <a:latin typeface="Consolas" panose="020B0609020204030204" pitchFamily="49" charset="0"/>
-              </a:rPr>
-              <a:t>마지막번째에</a:t>
-            </a:r>
-            <a:r>
-              <a:rPr lang="ko-KR" altLang="en-US" sz="1600" b="0" dirty="0">
-                <a:effectLst/>
-                <a:latin typeface="Consolas" panose="020B0609020204030204" pitchFamily="49" charset="0"/>
-              </a:rPr>
-              <a:t> 적용</a:t>
-            </a:r>
-          </a:p>
-          <a:p>
-            <a:pPr>
-              <a:buNone/>
-            </a:pPr>
-            <a:r>
-              <a:rPr lang="en-US" altLang="ko-KR" sz="1600" b="0" dirty="0" err="1">
-                <a:effectLst/>
-                <a:latin typeface="Consolas" panose="020B0609020204030204" pitchFamily="49" charset="0"/>
-              </a:rPr>
-              <a:t>li:last-child</a:t>
-            </a:r>
-            <a:r>
-              <a:rPr lang="en-US" altLang="ko-KR" sz="1600" b="0" dirty="0">
-                <a:effectLst/>
-                <a:latin typeface="Consolas" panose="020B0609020204030204" pitchFamily="49" charset="0"/>
-              </a:rPr>
-              <a:t>{</a:t>
-            </a:r>
-          </a:p>
-          <a:p>
-            <a:pPr>
-              <a:buNone/>
-            </a:pPr>
-            <a:r>
-              <a:rPr lang="en-US" altLang="ko-KR" sz="1600" b="0" dirty="0">
-                <a:effectLst/>
-                <a:latin typeface="Consolas" panose="020B0609020204030204" pitchFamily="49" charset="0"/>
-              </a:rPr>
-              <a:t>    border:2px solid blue;</a:t>
-            </a:r>
-          </a:p>
-          <a:p>
-            <a:pPr>
-              <a:buNone/>
-            </a:pPr>
-            <a:r>
-              <a:rPr lang="en-US" altLang="ko-KR" sz="1600" b="0" dirty="0">
-                <a:effectLst/>
-                <a:latin typeface="Consolas" panose="020B0609020204030204" pitchFamily="49" charset="0"/>
-              </a:rPr>
-              <a:t>}</a:t>
-            </a:r>
-          </a:p>
-          <a:p>
-            <a:pPr>
-              <a:buNone/>
-            </a:pPr>
-            <a:endParaRPr lang="en-US" altLang="ko-KR" sz="1600" b="0" dirty="0">
-              <a:effectLst/>
-              <a:latin typeface="Consolas" panose="020B0609020204030204" pitchFamily="49" charset="0"/>
-            </a:endParaRPr>
-          </a:p>
-          <a:p>
-            <a:pPr>
-              <a:buNone/>
-            </a:pPr>
-            <a:r>
-              <a:rPr lang="en-US" altLang="ko-KR" sz="1600" b="0" dirty="0">
-                <a:effectLst/>
-                <a:latin typeface="Consolas" panose="020B0609020204030204" pitchFamily="49" charset="0"/>
-                <a:sym typeface="Wingdings" panose="05000000000000000000" pitchFamily="2" charset="2"/>
-              </a:rPr>
-              <a:t> </a:t>
-            </a:r>
-            <a:r>
-              <a:rPr lang="en-US" altLang="ko-KR" sz="1600" b="0" dirty="0">
-                <a:effectLst/>
-                <a:latin typeface="Consolas" panose="020B0609020204030204" pitchFamily="49" charset="0"/>
-              </a:rPr>
-              <a:t>5</a:t>
-            </a:r>
-            <a:r>
-              <a:rPr lang="ko-KR" altLang="en-US" sz="1600" b="0" dirty="0" err="1">
-                <a:effectLst/>
-                <a:latin typeface="Consolas" panose="020B0609020204030204" pitchFamily="49" charset="0"/>
-              </a:rPr>
-              <a:t>번째에</a:t>
-            </a:r>
-            <a:r>
-              <a:rPr lang="ko-KR" altLang="en-US" sz="1600" b="0" dirty="0">
-                <a:effectLst/>
-                <a:latin typeface="Consolas" panose="020B0609020204030204" pitchFamily="49" charset="0"/>
-              </a:rPr>
-              <a:t> 적용</a:t>
-            </a:r>
-          </a:p>
-          <a:p>
-            <a:pPr>
-              <a:buNone/>
-            </a:pPr>
-            <a:r>
-              <a:rPr lang="en-US" altLang="ko-KR" sz="1600" b="0" dirty="0" err="1">
-                <a:effectLst/>
-                <a:latin typeface="Consolas" panose="020B0609020204030204" pitchFamily="49" charset="0"/>
-              </a:rPr>
-              <a:t>li:nth-child</a:t>
-            </a:r>
-            <a:r>
-              <a:rPr lang="en-US" altLang="ko-KR" sz="1600" b="0" dirty="0">
-                <a:effectLst/>
-                <a:latin typeface="Consolas" panose="020B0609020204030204" pitchFamily="49" charset="0"/>
-              </a:rPr>
-              <a:t>(5){</a:t>
-            </a:r>
-          </a:p>
-          <a:p>
-            <a:pPr>
-              <a:buNone/>
-            </a:pPr>
-            <a:r>
-              <a:rPr lang="en-US" altLang="ko-KR" sz="1600" b="0" dirty="0">
-                <a:effectLst/>
-                <a:latin typeface="Consolas" panose="020B0609020204030204" pitchFamily="49" charset="0"/>
-              </a:rPr>
-              <a:t>    </a:t>
-            </a:r>
-            <a:r>
-              <a:rPr lang="en-US" altLang="ko-KR" sz="1600" b="0" dirty="0" err="1">
-                <a:effectLst/>
-                <a:latin typeface="Consolas" panose="020B0609020204030204" pitchFamily="49" charset="0"/>
-              </a:rPr>
-              <a:t>background:orange</a:t>
-            </a:r>
-            <a:r>
-              <a:rPr lang="en-US" altLang="ko-KR" sz="1600" b="0" dirty="0">
-                <a:effectLst/>
-                <a:latin typeface="Consolas" panose="020B0609020204030204" pitchFamily="49" charset="0"/>
-              </a:rPr>
-              <a:t>;</a:t>
-            </a:r>
-          </a:p>
-          <a:p>
-            <a:pPr>
-              <a:buNone/>
-            </a:pPr>
-            <a:r>
-              <a:rPr lang="en-US" altLang="ko-KR" sz="1600" b="0" dirty="0">
-                <a:effectLst/>
-                <a:latin typeface="Consolas" panose="020B0609020204030204" pitchFamily="49" charset="0"/>
-              </a:rPr>
-              <a:t>}</a:t>
-            </a:r>
-          </a:p>
-        </p:txBody>
-      </p:sp>
-      <p:pic>
-        <p:nvPicPr>
-          <p:cNvPr id="4" name="그림 3">
-            <a:extLst>
-              <a:ext uri="{FF2B5EF4-FFF2-40B4-BE49-F238E27FC236}">
-                <a16:creationId xmlns:a16="http://schemas.microsoft.com/office/drawing/2014/main" id="{4E4C284F-9D03-90DE-3038-37557AF080E8}"/>
-              </a:ext>
-            </a:extLst>
-          </p:cNvPr>
-          <p:cNvPicPr>
-            <a:picLocks noChangeAspect="1"/>
-          </p:cNvPicPr>
-          <p:nvPr/>
-        </p:nvPicPr>
-        <p:blipFill>
-          <a:blip r:embed="rId2"/>
-          <a:stretch>
-            <a:fillRect/>
-          </a:stretch>
-        </p:blipFill>
-        <p:spPr>
-          <a:xfrm>
-            <a:off x="207525" y="1653703"/>
-            <a:ext cx="2949342" cy="2908569"/>
-          </a:xfrm>
-          <a:prstGeom prst="rect">
-            <a:avLst/>
-          </a:prstGeom>
-        </p:spPr>
-      </p:pic>
-      <p:sp>
-        <p:nvSpPr>
-          <p:cNvPr id="6" name="TextBox 5">
-            <a:extLst>
-              <a:ext uri="{FF2B5EF4-FFF2-40B4-BE49-F238E27FC236}">
-                <a16:creationId xmlns:a16="http://schemas.microsoft.com/office/drawing/2014/main" id="{5B8C94FD-9655-24DB-E22E-44F8F397E8DE}"/>
-              </a:ext>
-            </a:extLst>
-          </p:cNvPr>
-          <p:cNvSpPr txBox="1"/>
-          <p:nvPr/>
-        </p:nvSpPr>
-        <p:spPr>
-          <a:xfrm>
-            <a:off x="7675029" y="1488021"/>
-            <a:ext cx="4027438" cy="3785652"/>
-          </a:xfrm>
-          <a:prstGeom prst="rect">
-            <a:avLst/>
-          </a:prstGeom>
-          <a:noFill/>
-        </p:spPr>
-        <p:txBody>
-          <a:bodyPr wrap="square" rtlCol="0">
-            <a:spAutoFit/>
-          </a:bodyPr>
-          <a:lstStyle/>
-          <a:p>
-            <a:pPr>
-              <a:buNone/>
-            </a:pPr>
-            <a:r>
-              <a:rPr lang="en-US" altLang="ko-KR" sz="1600" b="0" dirty="0">
-                <a:effectLst/>
-                <a:latin typeface="Consolas" panose="020B0609020204030204" pitchFamily="49" charset="0"/>
-                <a:sym typeface="Wingdings" panose="05000000000000000000" pitchFamily="2" charset="2"/>
-              </a:rPr>
-              <a:t> </a:t>
-            </a:r>
-            <a:r>
-              <a:rPr lang="ko-KR" altLang="en-US" sz="1600" b="0" dirty="0" err="1">
-                <a:effectLst/>
-                <a:latin typeface="Consolas" panose="020B0609020204030204" pitchFamily="49" charset="0"/>
-              </a:rPr>
-              <a:t>짝수번째에</a:t>
-            </a:r>
-            <a:r>
-              <a:rPr lang="ko-KR" altLang="en-US" sz="1600" b="0" dirty="0">
-                <a:effectLst/>
-                <a:latin typeface="Consolas" panose="020B0609020204030204" pitchFamily="49" charset="0"/>
-              </a:rPr>
-              <a:t> 적용</a:t>
-            </a:r>
-          </a:p>
-          <a:p>
-            <a:pPr>
-              <a:buNone/>
-            </a:pPr>
-            <a:r>
-              <a:rPr lang="en-US" altLang="ko-KR" sz="1600" b="0" dirty="0" err="1">
-                <a:effectLst/>
-                <a:latin typeface="Consolas" panose="020B0609020204030204" pitchFamily="49" charset="0"/>
-              </a:rPr>
-              <a:t>li:nth-child</a:t>
-            </a:r>
-            <a:r>
-              <a:rPr lang="en-US" altLang="ko-KR" sz="1600" b="0" dirty="0">
-                <a:effectLst/>
-                <a:latin typeface="Consolas" panose="020B0609020204030204" pitchFamily="49" charset="0"/>
-              </a:rPr>
-              <a:t>(even){</a:t>
-            </a:r>
-          </a:p>
-          <a:p>
-            <a:pPr>
-              <a:buNone/>
-            </a:pPr>
-            <a:r>
-              <a:rPr lang="en-US" altLang="ko-KR" sz="1600" b="0" dirty="0">
-                <a:effectLst/>
-                <a:latin typeface="Consolas" panose="020B0609020204030204" pitchFamily="49" charset="0"/>
-              </a:rPr>
-              <a:t>    </a:t>
-            </a:r>
-            <a:r>
-              <a:rPr lang="en-US" altLang="ko-KR" sz="1600" b="0" dirty="0" err="1">
-                <a:effectLst/>
-                <a:latin typeface="Consolas" panose="020B0609020204030204" pitchFamily="49" charset="0"/>
-              </a:rPr>
-              <a:t>color:yellowgreen</a:t>
-            </a:r>
-            <a:r>
-              <a:rPr lang="en-US" altLang="ko-KR" sz="1600" b="0" dirty="0">
-                <a:effectLst/>
-                <a:latin typeface="Consolas" panose="020B0609020204030204" pitchFamily="49" charset="0"/>
-              </a:rPr>
-              <a:t>;</a:t>
-            </a:r>
-          </a:p>
-          <a:p>
-            <a:pPr>
-              <a:buNone/>
-            </a:pPr>
-            <a:r>
-              <a:rPr lang="en-US" altLang="ko-KR" sz="1600" b="0" dirty="0">
-                <a:effectLst/>
-                <a:latin typeface="Consolas" panose="020B0609020204030204" pitchFamily="49" charset="0"/>
-              </a:rPr>
-              <a:t>}</a:t>
-            </a:r>
-          </a:p>
-          <a:p>
-            <a:pPr>
-              <a:buNone/>
-            </a:pPr>
-            <a:endParaRPr lang="en-US" altLang="ko-KR" sz="1600" b="0" dirty="0">
-              <a:effectLst/>
-              <a:latin typeface="Consolas" panose="020B0609020204030204" pitchFamily="49" charset="0"/>
-            </a:endParaRPr>
-          </a:p>
-          <a:p>
-            <a:pPr>
-              <a:buNone/>
-            </a:pPr>
-            <a:r>
-              <a:rPr lang="en-US" altLang="ko-KR" sz="1600" b="0" dirty="0">
-                <a:effectLst/>
-                <a:latin typeface="Consolas" panose="020B0609020204030204" pitchFamily="49" charset="0"/>
-                <a:sym typeface="Wingdings" panose="05000000000000000000" pitchFamily="2" charset="2"/>
-              </a:rPr>
-              <a:t> </a:t>
-            </a:r>
-            <a:r>
-              <a:rPr lang="ko-KR" altLang="en-US" sz="1600" b="0" dirty="0" err="1">
-                <a:effectLst/>
-                <a:latin typeface="Consolas" panose="020B0609020204030204" pitchFamily="49" charset="0"/>
-              </a:rPr>
-              <a:t>홀수번째에</a:t>
-            </a:r>
-            <a:r>
-              <a:rPr lang="ko-KR" altLang="en-US" sz="1600" b="0" dirty="0">
-                <a:effectLst/>
-                <a:latin typeface="Consolas" panose="020B0609020204030204" pitchFamily="49" charset="0"/>
-              </a:rPr>
-              <a:t> 적용</a:t>
-            </a:r>
-          </a:p>
-          <a:p>
-            <a:pPr>
-              <a:buNone/>
-            </a:pPr>
-            <a:r>
-              <a:rPr lang="en-US" altLang="ko-KR" sz="1600" b="0" dirty="0" err="1">
-                <a:effectLst/>
-                <a:latin typeface="Consolas" panose="020B0609020204030204" pitchFamily="49" charset="0"/>
-              </a:rPr>
-              <a:t>li:nth-child</a:t>
-            </a:r>
-            <a:r>
-              <a:rPr lang="en-US" altLang="ko-KR" sz="1600" b="0" dirty="0">
-                <a:effectLst/>
-                <a:latin typeface="Consolas" panose="020B0609020204030204" pitchFamily="49" charset="0"/>
-              </a:rPr>
-              <a:t>(odd){</a:t>
-            </a:r>
-          </a:p>
-          <a:p>
-            <a:pPr>
-              <a:buNone/>
-            </a:pPr>
-            <a:r>
-              <a:rPr lang="en-US" altLang="ko-KR" sz="1600" b="0" dirty="0">
-                <a:effectLst/>
-                <a:latin typeface="Consolas" panose="020B0609020204030204" pitchFamily="49" charset="0"/>
-              </a:rPr>
-              <a:t>    </a:t>
-            </a:r>
-            <a:r>
-              <a:rPr lang="en-US" altLang="ko-KR" sz="1600" b="0" dirty="0" err="1">
-                <a:effectLst/>
-                <a:latin typeface="Consolas" panose="020B0609020204030204" pitchFamily="49" charset="0"/>
-              </a:rPr>
-              <a:t>color:blueviolet</a:t>
-            </a:r>
-            <a:r>
-              <a:rPr lang="en-US" altLang="ko-KR" sz="1600" b="0" dirty="0">
-                <a:effectLst/>
-                <a:latin typeface="Consolas" panose="020B0609020204030204" pitchFamily="49" charset="0"/>
-              </a:rPr>
-              <a:t>;</a:t>
-            </a:r>
-          </a:p>
-          <a:p>
-            <a:pPr>
-              <a:buNone/>
-            </a:pPr>
-            <a:r>
-              <a:rPr lang="en-US" altLang="ko-KR" sz="1600" b="0" dirty="0">
-                <a:effectLst/>
-                <a:latin typeface="Consolas" panose="020B0609020204030204" pitchFamily="49" charset="0"/>
-              </a:rPr>
-              <a:t>}</a:t>
-            </a:r>
-          </a:p>
-          <a:p>
-            <a:pPr>
-              <a:buNone/>
-            </a:pPr>
-            <a:endParaRPr lang="en-US" altLang="ko-KR" sz="1600" b="0" dirty="0">
-              <a:effectLst/>
-              <a:latin typeface="Consolas" panose="020B0609020204030204" pitchFamily="49" charset="0"/>
-            </a:endParaRPr>
-          </a:p>
-          <a:p>
-            <a:pPr>
-              <a:buNone/>
-            </a:pPr>
-            <a:r>
-              <a:rPr lang="en-US" altLang="ko-KR" sz="1600" b="0" dirty="0">
-                <a:effectLst/>
-                <a:latin typeface="Consolas" panose="020B0609020204030204" pitchFamily="49" charset="0"/>
-                <a:sym typeface="Wingdings" panose="05000000000000000000" pitchFamily="2" charset="2"/>
-              </a:rPr>
-              <a:t> </a:t>
-            </a:r>
-            <a:r>
-              <a:rPr lang="en-US" altLang="ko-KR" sz="1600" b="0" dirty="0">
-                <a:effectLst/>
-                <a:latin typeface="Consolas" panose="020B0609020204030204" pitchFamily="49" charset="0"/>
-              </a:rPr>
-              <a:t>3</a:t>
-            </a:r>
-            <a:r>
-              <a:rPr lang="ko-KR" altLang="en-US" sz="1600" b="0" dirty="0">
-                <a:effectLst/>
-                <a:latin typeface="Consolas" panose="020B0609020204030204" pitchFamily="49" charset="0"/>
-              </a:rPr>
-              <a:t>의 배수 </a:t>
-            </a:r>
-            <a:r>
-              <a:rPr lang="ko-KR" altLang="en-US" sz="1600" b="0" dirty="0" err="1">
-                <a:effectLst/>
-                <a:latin typeface="Consolas" panose="020B0609020204030204" pitchFamily="49" charset="0"/>
-              </a:rPr>
-              <a:t>번째에</a:t>
-            </a:r>
-            <a:r>
-              <a:rPr lang="ko-KR" altLang="en-US" sz="1600" b="0" dirty="0">
-                <a:effectLst/>
-                <a:latin typeface="Consolas" panose="020B0609020204030204" pitchFamily="49" charset="0"/>
-              </a:rPr>
-              <a:t> 적용</a:t>
-            </a:r>
-          </a:p>
-          <a:p>
-            <a:pPr>
-              <a:buNone/>
-            </a:pPr>
-            <a:r>
-              <a:rPr lang="en-US" altLang="ko-KR" sz="1600" b="0" dirty="0" err="1">
-                <a:effectLst/>
-                <a:latin typeface="Consolas" panose="020B0609020204030204" pitchFamily="49" charset="0"/>
-              </a:rPr>
-              <a:t>li:nth-child</a:t>
-            </a:r>
-            <a:r>
-              <a:rPr lang="en-US" altLang="ko-KR" sz="1600" b="0" dirty="0">
-                <a:effectLst/>
-                <a:latin typeface="Consolas" panose="020B0609020204030204" pitchFamily="49" charset="0"/>
-              </a:rPr>
-              <a:t>(3n){</a:t>
-            </a:r>
-          </a:p>
-          <a:p>
-            <a:pPr>
-              <a:buNone/>
-            </a:pPr>
-            <a:r>
-              <a:rPr lang="en-US" altLang="ko-KR" sz="1600" b="0" dirty="0">
-                <a:effectLst/>
-                <a:latin typeface="Consolas" panose="020B0609020204030204" pitchFamily="49" charset="0"/>
-              </a:rPr>
-              <a:t>    font-weight: bolder;</a:t>
-            </a:r>
-          </a:p>
-          <a:p>
-            <a:pPr>
-              <a:buNone/>
-            </a:pPr>
-            <a:r>
-              <a:rPr lang="en-US" altLang="ko-KR" sz="1600" b="0" dirty="0">
-                <a:effectLst/>
-                <a:latin typeface="Consolas" panose="020B0609020204030204" pitchFamily="49" charset="0"/>
-              </a:rPr>
-              <a:t>    font-style: italic;</a:t>
-            </a:r>
-          </a:p>
-          <a:p>
-            <a:r>
-              <a:rPr lang="en-US" altLang="ko-KR" sz="1600" b="0" dirty="0">
-                <a:effectLst/>
-                <a:latin typeface="Consolas" panose="020B0609020204030204" pitchFamily="49" charset="0"/>
-              </a:rPr>
-              <a:t>}</a:t>
-            </a:r>
-          </a:p>
-        </p:txBody>
-      </p:sp>
-    </p:spTree>
-    <p:extLst>
-      <p:ext uri="{BB962C8B-B14F-4D97-AF65-F5344CB8AC3E}">
-        <p14:creationId xmlns:p14="http://schemas.microsoft.com/office/powerpoint/2010/main" val="3950825604"/>
-      </p:ext>
-    </p:extLst>
-  </p:cSld>
-  <p:clrMapOvr>
-    <a:masterClrMapping/>
-  </p:clrMapOvr>
-</p:sld>
-</file>
-
-<file path=ppt/slides/slide39.xml><?xml version="1.0" encoding="utf-8"?>
-<p:sld xmlns:a="http://schemas.openxmlformats.org/drawingml/2006/main" xmlns:r="http://schemas.openxmlformats.org/officeDocument/2006/relationships" xmlns:p="http://schemas.openxmlformats.org/presentationml/2006/main">
-  <p:cSld>
-    <p:spTree>
-      <p:nvGrpSpPr>
-        <p:cNvPr id="1" name="">
-          <a:extLst>
-            <a:ext uri="{FF2B5EF4-FFF2-40B4-BE49-F238E27FC236}">
-              <a16:creationId xmlns:a16="http://schemas.microsoft.com/office/drawing/2014/main" id="{550C44B2-9E8C-A7D0-D730-1A90971D4411}"/>
-            </a:ext>
-          </a:extLst>
-        </p:cNvPr>
-        <p:cNvGrpSpPr/>
-        <p:nvPr/>
-      </p:nvGrpSpPr>
-      <p:grpSpPr>
-        <a:xfrm>
-          <a:off x="0" y="0"/>
-          <a:ext cx="0" cy="0"/>
-          <a:chOff x="0" y="0"/>
-          <a:chExt cx="0" cy="0"/>
-        </a:xfrm>
-      </p:grpSpPr>
-      <p:sp>
-        <p:nvSpPr>
-          <p:cNvPr id="3" name="내용 개체 틀 2">
-            <a:extLst>
-              <a:ext uri="{FF2B5EF4-FFF2-40B4-BE49-F238E27FC236}">
-                <a16:creationId xmlns:a16="http://schemas.microsoft.com/office/drawing/2014/main" id="{36B905B3-9565-4A91-515F-8A75BA8C98C3}"/>
-              </a:ext>
-            </a:extLst>
-          </p:cNvPr>
-          <p:cNvSpPr>
-            <a:spLocks noGrp="1"/>
-          </p:cNvSpPr>
-          <p:nvPr>
-            <p:ph idx="1"/>
-          </p:nvPr>
-        </p:nvSpPr>
-        <p:spPr>
-          <a:xfrm>
-            <a:off x="838199" y="314697"/>
-            <a:ext cx="11068455" cy="1339006"/>
-          </a:xfrm>
-        </p:spPr>
-        <p:txBody>
-          <a:bodyPr>
-            <a:normAutofit/>
-          </a:bodyPr>
-          <a:lstStyle/>
-          <a:p>
-            <a:pPr marL="0" indent="0">
-              <a:buNone/>
-            </a:pPr>
-            <a:r>
-              <a:rPr lang="en-US" altLang="ko-KR" dirty="0"/>
-              <a:t>3. CSS </a:t>
-            </a:r>
-            <a:r>
-              <a:rPr lang="ko-KR" altLang="en-US" dirty="0"/>
-              <a:t>기초</a:t>
-            </a:r>
-            <a:endParaRPr lang="en-US" altLang="ko-KR" dirty="0"/>
-          </a:p>
-          <a:p>
-            <a:pPr>
-              <a:buFont typeface="Wingdings" panose="05000000000000000000" pitchFamily="2" charset="2"/>
-              <a:buChar char="Ø"/>
-            </a:pPr>
-            <a:r>
-              <a:rPr lang="en-US" altLang="ko-KR" dirty="0"/>
-              <a:t>TRANSITION</a:t>
-            </a:r>
-          </a:p>
-        </p:txBody>
-      </p:sp>
-      <p:sp>
-        <p:nvSpPr>
-          <p:cNvPr id="8" name="TextBox 7">
-            <a:extLst>
-              <a:ext uri="{FF2B5EF4-FFF2-40B4-BE49-F238E27FC236}">
-                <a16:creationId xmlns:a16="http://schemas.microsoft.com/office/drawing/2014/main" id="{C181880A-52B8-2AE2-E84F-D20377EEB346}"/>
-              </a:ext>
-            </a:extLst>
-          </p:cNvPr>
-          <p:cNvSpPr txBox="1"/>
-          <p:nvPr/>
-        </p:nvSpPr>
-        <p:spPr>
-          <a:xfrm>
-            <a:off x="916020" y="1613118"/>
-            <a:ext cx="4027438" cy="1815882"/>
-          </a:xfrm>
-          <a:prstGeom prst="rect">
-            <a:avLst/>
-          </a:prstGeom>
-          <a:noFill/>
-        </p:spPr>
-        <p:txBody>
-          <a:bodyPr wrap="square" rtlCol="0">
-            <a:spAutoFit/>
-          </a:bodyPr>
-          <a:lstStyle/>
-          <a:p>
-            <a:pPr>
-              <a:buNone/>
-            </a:pPr>
-            <a:r>
-              <a:rPr lang="en-US" altLang="ko-KR" sz="1600" b="0" dirty="0">
-                <a:effectLst/>
-                <a:latin typeface="Consolas" panose="020B0609020204030204" pitchFamily="49" charset="0"/>
-                <a:sym typeface="Wingdings" panose="05000000000000000000" pitchFamily="2" charset="2"/>
-              </a:rPr>
-              <a:t>.check-box{</a:t>
-            </a:r>
-          </a:p>
-          <a:p>
-            <a:pPr>
-              <a:buNone/>
-            </a:pPr>
-            <a:r>
-              <a:rPr lang="en-US" altLang="ko-KR" sz="1600" dirty="0">
-                <a:latin typeface="Consolas" panose="020B0609020204030204" pitchFamily="49" charset="0"/>
-                <a:sym typeface="Wingdings" panose="05000000000000000000" pitchFamily="2" charset="2"/>
-              </a:rPr>
-              <a:t>	height: 300px;</a:t>
-            </a:r>
-          </a:p>
-          <a:p>
-            <a:pPr>
-              <a:buNone/>
-            </a:pPr>
-            <a:r>
-              <a:rPr lang="en-US" altLang="ko-KR" sz="1600" dirty="0">
-                <a:latin typeface="Consolas" panose="020B0609020204030204" pitchFamily="49" charset="0"/>
-                <a:sym typeface="Wingdings" panose="05000000000000000000" pitchFamily="2" charset="2"/>
-              </a:rPr>
-              <a:t>	width: 300px;</a:t>
-            </a:r>
-          </a:p>
-          <a:p>
-            <a:pPr>
-              <a:buNone/>
-            </a:pPr>
-            <a:r>
-              <a:rPr lang="en-US" altLang="ko-KR" sz="1600" dirty="0">
-                <a:latin typeface="Consolas" panose="020B0609020204030204" pitchFamily="49" charset="0"/>
-                <a:sym typeface="Wingdings" panose="05000000000000000000" pitchFamily="2" charset="2"/>
-              </a:rPr>
-              <a:t>	background: brown;</a:t>
-            </a:r>
-          </a:p>
-          <a:p>
-            <a:pPr>
-              <a:buNone/>
-            </a:pPr>
-            <a:endParaRPr lang="en-US" altLang="ko-KR" sz="1600" dirty="0">
-              <a:latin typeface="Consolas" panose="020B0609020204030204" pitchFamily="49" charset="0"/>
-              <a:sym typeface="Wingdings" panose="05000000000000000000" pitchFamily="2" charset="2"/>
-            </a:endParaRPr>
-          </a:p>
-          <a:p>
-            <a:pPr>
-              <a:buNone/>
-            </a:pPr>
-            <a:r>
-              <a:rPr lang="en-US" altLang="ko-KR" sz="1600" dirty="0">
-                <a:latin typeface="Consolas" panose="020B0609020204030204" pitchFamily="49" charset="0"/>
-                <a:sym typeface="Wingdings" panose="05000000000000000000" pitchFamily="2" charset="2"/>
-              </a:rPr>
-              <a:t>	transition: 1s;</a:t>
-            </a:r>
-          </a:p>
-          <a:p>
-            <a:pPr>
-              <a:buNone/>
-            </a:pPr>
-            <a:r>
-              <a:rPr lang="en-US" altLang="ko-KR" sz="1600" b="0" dirty="0">
-                <a:effectLst/>
-                <a:latin typeface="Consolas" panose="020B0609020204030204" pitchFamily="49" charset="0"/>
-                <a:sym typeface="Wingdings" panose="05000000000000000000" pitchFamily="2" charset="2"/>
-              </a:rPr>
-              <a:t>}</a:t>
-            </a:r>
-            <a:endParaRPr lang="en-US" altLang="ko-KR" sz="1600" b="0" dirty="0">
-              <a:effectLst/>
-              <a:latin typeface="Consolas" panose="020B0609020204030204" pitchFamily="49" charset="0"/>
-            </a:endParaRPr>
-          </a:p>
-        </p:txBody>
-      </p:sp>
-      <p:sp>
-        <p:nvSpPr>
-          <p:cNvPr id="6" name="TextBox 5">
-            <a:extLst>
-              <a:ext uri="{FF2B5EF4-FFF2-40B4-BE49-F238E27FC236}">
-                <a16:creationId xmlns:a16="http://schemas.microsoft.com/office/drawing/2014/main" id="{9697D87B-F258-A4EC-A371-8E64A2E10078}"/>
-              </a:ext>
-            </a:extLst>
-          </p:cNvPr>
-          <p:cNvSpPr txBox="1"/>
-          <p:nvPr/>
-        </p:nvSpPr>
-        <p:spPr>
-          <a:xfrm>
-            <a:off x="6372426" y="1643664"/>
-            <a:ext cx="4027438" cy="1569660"/>
-          </a:xfrm>
-          <a:prstGeom prst="rect">
-            <a:avLst/>
-          </a:prstGeom>
-          <a:noFill/>
-        </p:spPr>
-        <p:txBody>
-          <a:bodyPr wrap="square" rtlCol="0">
-            <a:spAutoFit/>
-          </a:bodyPr>
-          <a:lstStyle/>
-          <a:p>
-            <a:pPr>
-              <a:buNone/>
-            </a:pPr>
-            <a:r>
-              <a:rPr lang="en-US" altLang="ko-KR" sz="1600" b="0" dirty="0">
-                <a:effectLst/>
-                <a:latin typeface="Consolas" panose="020B0609020204030204" pitchFamily="49" charset="0"/>
-                <a:sym typeface="Wingdings" panose="05000000000000000000" pitchFamily="2" charset="2"/>
-              </a:rPr>
-              <a:t>.</a:t>
-            </a:r>
-            <a:r>
-              <a:rPr lang="en-US" altLang="ko-KR" sz="1600" b="0" dirty="0" err="1">
-                <a:effectLst/>
-                <a:latin typeface="Consolas" panose="020B0609020204030204" pitchFamily="49" charset="0"/>
-                <a:sym typeface="Wingdings" panose="05000000000000000000" pitchFamily="2" charset="2"/>
-              </a:rPr>
-              <a:t>check-box:hover</a:t>
-            </a:r>
-            <a:r>
-              <a:rPr lang="en-US" altLang="ko-KR" sz="1600" b="0" dirty="0">
-                <a:effectLst/>
-                <a:latin typeface="Consolas" panose="020B0609020204030204" pitchFamily="49" charset="0"/>
-                <a:sym typeface="Wingdings" panose="05000000000000000000" pitchFamily="2" charset="2"/>
-              </a:rPr>
-              <a:t>{</a:t>
-            </a:r>
-          </a:p>
-          <a:p>
-            <a:pPr>
-              <a:buNone/>
-            </a:pPr>
-            <a:r>
-              <a:rPr lang="en-US" altLang="ko-KR" sz="1600" dirty="0">
-                <a:latin typeface="Consolas" panose="020B0609020204030204" pitchFamily="49" charset="0"/>
-                <a:sym typeface="Wingdings" panose="05000000000000000000" pitchFamily="2" charset="2"/>
-              </a:rPr>
-              <a:t>	border-radius: 40px;</a:t>
-            </a:r>
-          </a:p>
-          <a:p>
-            <a:pPr>
-              <a:buNone/>
-            </a:pPr>
-            <a:r>
-              <a:rPr lang="en-US" altLang="ko-KR" sz="1600" dirty="0">
-                <a:latin typeface="Consolas" panose="020B0609020204030204" pitchFamily="49" charset="0"/>
-                <a:sym typeface="Wingdings" panose="05000000000000000000" pitchFamily="2" charset="2"/>
-              </a:rPr>
-              <a:t>	background: chocolate;</a:t>
-            </a:r>
-          </a:p>
-          <a:p>
-            <a:pPr>
-              <a:buNone/>
-            </a:pPr>
-            <a:endParaRPr lang="en-US" altLang="ko-KR" sz="1600" dirty="0">
-              <a:latin typeface="Consolas" panose="020B0609020204030204" pitchFamily="49" charset="0"/>
-              <a:sym typeface="Wingdings" panose="05000000000000000000" pitchFamily="2" charset="2"/>
-            </a:endParaRPr>
-          </a:p>
-          <a:p>
-            <a:pPr>
-              <a:buNone/>
-            </a:pPr>
-            <a:r>
-              <a:rPr lang="en-US" altLang="ko-KR" sz="1600" dirty="0">
-                <a:latin typeface="Consolas" panose="020B0609020204030204" pitchFamily="49" charset="0"/>
-                <a:sym typeface="Wingdings" panose="05000000000000000000" pitchFamily="2" charset="2"/>
-              </a:rPr>
-              <a:t>	transition: 1s;</a:t>
-            </a:r>
-          </a:p>
-          <a:p>
-            <a:pPr>
-              <a:buNone/>
-            </a:pPr>
-            <a:r>
-              <a:rPr lang="en-US" altLang="ko-KR" sz="1600" b="0" dirty="0">
-                <a:effectLst/>
-                <a:latin typeface="Consolas" panose="020B0609020204030204" pitchFamily="49" charset="0"/>
-                <a:sym typeface="Wingdings" panose="05000000000000000000" pitchFamily="2" charset="2"/>
-              </a:rPr>
-              <a:t>}</a:t>
-            </a:r>
-            <a:endParaRPr lang="en-US" altLang="ko-KR" sz="1600" b="0" dirty="0">
-              <a:effectLst/>
-              <a:latin typeface="Consolas" panose="020B0609020204030204" pitchFamily="49" charset="0"/>
-            </a:endParaRPr>
-          </a:p>
-        </p:txBody>
-      </p:sp>
-      <p:sp>
-        <p:nvSpPr>
-          <p:cNvPr id="2" name="TextBox 1">
-            <a:extLst>
-              <a:ext uri="{FF2B5EF4-FFF2-40B4-BE49-F238E27FC236}">
-                <a16:creationId xmlns:a16="http://schemas.microsoft.com/office/drawing/2014/main" id="{EAD5DE27-40DB-6042-B19A-CF348489C5E6}"/>
-              </a:ext>
-            </a:extLst>
-          </p:cNvPr>
-          <p:cNvSpPr txBox="1"/>
-          <p:nvPr/>
-        </p:nvSpPr>
-        <p:spPr>
-          <a:xfrm>
-            <a:off x="926744" y="3547105"/>
-            <a:ext cx="8033427" cy="3046988"/>
-          </a:xfrm>
-          <a:prstGeom prst="rect">
-            <a:avLst/>
-          </a:prstGeom>
-          <a:noFill/>
-        </p:spPr>
-        <p:txBody>
-          <a:bodyPr wrap="square" rtlCol="0">
-            <a:spAutoFit/>
-          </a:bodyPr>
-          <a:lstStyle/>
-          <a:p>
-            <a:pPr marL="285750" indent="-285750">
-              <a:buFont typeface="Wingdings" panose="05000000000000000000" pitchFamily="2" charset="2"/>
-              <a:buChar char="è"/>
-            </a:pPr>
-            <a:r>
-              <a:rPr lang="ko-KR" altLang="en-US" sz="1600" b="1" dirty="0">
-                <a:latin typeface="Consolas" panose="020B0609020204030204" pitchFamily="49" charset="0"/>
-                <a:sym typeface="Wingdings" panose="05000000000000000000" pitchFamily="2" charset="2"/>
-              </a:rPr>
-              <a:t>변경에 걸리는 시간을 조정한다</a:t>
-            </a:r>
-            <a:endParaRPr lang="en-US" altLang="ko-KR" sz="1600" b="1" dirty="0">
-              <a:latin typeface="Consolas" panose="020B0609020204030204" pitchFamily="49" charset="0"/>
-              <a:sym typeface="Wingdings" panose="05000000000000000000" pitchFamily="2" charset="2"/>
-            </a:endParaRPr>
-          </a:p>
-          <a:p>
-            <a:pPr marL="285750" indent="-285750">
-              <a:buFont typeface="Wingdings" panose="05000000000000000000" pitchFamily="2" charset="2"/>
-              <a:buChar char="è"/>
-            </a:pPr>
-            <a:endParaRPr lang="en-US" altLang="ko-KR" sz="1600" b="0" dirty="0">
-              <a:effectLst/>
-              <a:latin typeface="Consolas" panose="020B0609020204030204" pitchFamily="49" charset="0"/>
-              <a:sym typeface="Wingdings" panose="05000000000000000000" pitchFamily="2" charset="2"/>
-            </a:endParaRPr>
-          </a:p>
-          <a:p>
-            <a:r>
-              <a:rPr lang="en-US" altLang="ko-KR" sz="1600" dirty="0">
-                <a:latin typeface="Consolas" panose="020B0609020204030204" pitchFamily="49" charset="0"/>
-                <a:sym typeface="Wingdings" panose="05000000000000000000" pitchFamily="2" charset="2"/>
-              </a:rPr>
-              <a:t>transition : </a:t>
-            </a:r>
-            <a:r>
-              <a:rPr lang="ko-KR" altLang="en-US" sz="1600" dirty="0">
-                <a:latin typeface="Consolas" panose="020B0609020204030204" pitchFamily="49" charset="0"/>
-                <a:sym typeface="Wingdings" panose="05000000000000000000" pitchFamily="2" charset="2"/>
-              </a:rPr>
-              <a:t>시간 커브 적용대상</a:t>
-            </a:r>
-            <a:endParaRPr lang="en-US" altLang="ko-KR" sz="1600" dirty="0">
-              <a:latin typeface="Consolas" panose="020B0609020204030204" pitchFamily="49" charset="0"/>
-              <a:sym typeface="Wingdings" panose="05000000000000000000" pitchFamily="2" charset="2"/>
-            </a:endParaRPr>
-          </a:p>
-          <a:p>
-            <a:r>
-              <a:rPr lang="en-US" altLang="ko-KR" sz="1600" b="0" dirty="0">
-                <a:effectLst/>
-                <a:latin typeface="Consolas" panose="020B0609020204030204" pitchFamily="49" charset="0"/>
-                <a:sym typeface="Wingdings" panose="05000000000000000000" pitchFamily="2" charset="2"/>
-              </a:rPr>
-              <a:t>transition : 1s ease</a:t>
-            </a:r>
-            <a:r>
-              <a:rPr lang="en-US" altLang="ko-KR" sz="1600" dirty="0">
-                <a:latin typeface="Consolas" panose="020B0609020204030204" pitchFamily="49" charset="0"/>
-                <a:sym typeface="Wingdings" panose="05000000000000000000" pitchFamily="2" charset="2"/>
-              </a:rPr>
-              <a:t>-in-out border-radius;</a:t>
-            </a:r>
-          </a:p>
-          <a:p>
-            <a:endParaRPr lang="en-US" altLang="ko-KR" sz="1600" dirty="0">
-              <a:latin typeface="Consolas" panose="020B0609020204030204" pitchFamily="49" charset="0"/>
-              <a:sym typeface="Wingdings" panose="05000000000000000000" pitchFamily="2" charset="2"/>
-            </a:endParaRPr>
-          </a:p>
-          <a:p>
-            <a:endParaRPr lang="en-US" altLang="ko-KR" sz="1600" b="0" dirty="0">
-              <a:effectLst/>
-              <a:latin typeface="Consolas" panose="020B0609020204030204" pitchFamily="49" charset="0"/>
-              <a:sym typeface="Wingdings" panose="05000000000000000000" pitchFamily="2" charset="2"/>
-            </a:endParaRPr>
-          </a:p>
-          <a:p>
-            <a:r>
-              <a:rPr lang="en-US" altLang="ko-KR" sz="1600" b="1" dirty="0">
-                <a:effectLst/>
-                <a:latin typeface="Consolas" panose="020B0609020204030204" pitchFamily="49" charset="0"/>
-                <a:sym typeface="Wingdings" panose="05000000000000000000" pitchFamily="2" charset="2"/>
-              </a:rPr>
-              <a:t> </a:t>
-            </a:r>
-            <a:r>
-              <a:rPr lang="ko-KR" altLang="en-US" sz="1600" b="1" dirty="0">
-                <a:latin typeface="Consolas" panose="020B0609020204030204" pitchFamily="49" charset="0"/>
-                <a:sym typeface="Wingdings" panose="05000000000000000000" pitchFamily="2" charset="2"/>
-              </a:rPr>
-              <a:t>커브</a:t>
-            </a:r>
-            <a:endParaRPr lang="en-US" altLang="ko-KR" sz="1600" b="1" dirty="0">
-              <a:effectLst/>
-              <a:latin typeface="Consolas" panose="020B0609020204030204" pitchFamily="49" charset="0"/>
-              <a:sym typeface="Wingdings" panose="05000000000000000000" pitchFamily="2" charset="2"/>
-            </a:endParaRPr>
-          </a:p>
-          <a:p>
-            <a:pPr marL="285750" indent="-285750">
-              <a:buFont typeface="Wingdings" panose="05000000000000000000" pitchFamily="2" charset="2"/>
-              <a:buChar char="§"/>
-            </a:pPr>
-            <a:r>
-              <a:rPr lang="en-US" altLang="ko-KR" sz="1600" b="0" dirty="0">
-                <a:effectLst/>
-                <a:latin typeface="Consolas" panose="020B0609020204030204" pitchFamily="49" charset="0"/>
-              </a:rPr>
-              <a:t>ease-in-out: </a:t>
-            </a:r>
-            <a:r>
-              <a:rPr lang="ko-KR" altLang="en-US" sz="1600" b="0" dirty="0">
-                <a:effectLst/>
-                <a:latin typeface="Consolas" panose="020B0609020204030204" pitchFamily="49" charset="0"/>
-              </a:rPr>
-              <a:t>시작과 끝이 느리고 중간이 빠름</a:t>
-            </a:r>
-          </a:p>
-          <a:p>
-            <a:pPr marL="285750" indent="-285750">
-              <a:buFont typeface="Wingdings" panose="05000000000000000000" pitchFamily="2" charset="2"/>
-              <a:buChar char="§"/>
-            </a:pPr>
-            <a:r>
-              <a:rPr lang="en-US" altLang="ko-KR" sz="1600" b="0" dirty="0">
-                <a:effectLst/>
-                <a:latin typeface="Consolas" panose="020B0609020204030204" pitchFamily="49" charset="0"/>
-              </a:rPr>
-              <a:t>linear: </a:t>
-            </a:r>
-            <a:r>
-              <a:rPr lang="ko-KR" altLang="en-US" sz="1600" b="0" dirty="0">
-                <a:effectLst/>
-                <a:latin typeface="Consolas" panose="020B0609020204030204" pitchFamily="49" charset="0"/>
-              </a:rPr>
-              <a:t>시작과 끝이 일정한 속도</a:t>
-            </a:r>
-          </a:p>
-          <a:p>
-            <a:pPr marL="285750" indent="-285750">
-              <a:buFont typeface="Wingdings" panose="05000000000000000000" pitchFamily="2" charset="2"/>
-              <a:buChar char="§"/>
-            </a:pPr>
-            <a:r>
-              <a:rPr lang="en-US" altLang="ko-KR" sz="1600" b="0" dirty="0">
-                <a:effectLst/>
-                <a:latin typeface="Consolas" panose="020B0609020204030204" pitchFamily="49" charset="0"/>
-              </a:rPr>
-              <a:t>ease-in: </a:t>
-            </a:r>
-            <a:r>
-              <a:rPr lang="ko-KR" altLang="en-US" sz="1600" b="0" dirty="0">
-                <a:effectLst/>
-                <a:latin typeface="Consolas" panose="020B0609020204030204" pitchFamily="49" charset="0"/>
-              </a:rPr>
-              <a:t>시작이 느리고 끝이 빠름</a:t>
-            </a:r>
-          </a:p>
-          <a:p>
-            <a:pPr marL="285750" indent="-285750">
-              <a:buFont typeface="Wingdings" panose="05000000000000000000" pitchFamily="2" charset="2"/>
-              <a:buChar char="§"/>
-            </a:pPr>
-            <a:r>
-              <a:rPr lang="en-US" altLang="ko-KR" sz="1600" b="0" dirty="0">
-                <a:effectLst/>
-                <a:latin typeface="Consolas" panose="020B0609020204030204" pitchFamily="49" charset="0"/>
-              </a:rPr>
-              <a:t>ease-out: </a:t>
-            </a:r>
-            <a:r>
-              <a:rPr lang="ko-KR" altLang="en-US" sz="1600" b="0" dirty="0">
-                <a:effectLst/>
-                <a:latin typeface="Consolas" panose="020B0609020204030204" pitchFamily="49" charset="0"/>
-              </a:rPr>
-              <a:t>시작이 빠르고 끝이 느림</a:t>
-            </a:r>
-            <a:endParaRPr lang="en-US" altLang="ko-KR" sz="1600" b="0" dirty="0">
-              <a:effectLst/>
-              <a:latin typeface="Consolas" panose="020B0609020204030204" pitchFamily="49" charset="0"/>
-            </a:endParaRPr>
-          </a:p>
-          <a:p>
-            <a:pPr marL="285750" indent="-285750">
-              <a:buFont typeface="Wingdings" panose="05000000000000000000" pitchFamily="2" charset="2"/>
-              <a:buChar char="§"/>
-            </a:pPr>
-            <a:r>
-              <a:rPr lang="en-US" altLang="ko-KR" sz="1600" b="0" dirty="0">
-                <a:effectLst/>
-                <a:latin typeface="Consolas" panose="020B0609020204030204" pitchFamily="49" charset="0"/>
-              </a:rPr>
-              <a:t>cubic-Bezier : </a:t>
-            </a:r>
-            <a:r>
-              <a:rPr lang="ko-KR" altLang="en-US" sz="1600" b="0" dirty="0">
-                <a:effectLst/>
-                <a:latin typeface="Consolas" panose="020B0609020204030204" pitchFamily="49" charset="0"/>
-              </a:rPr>
-              <a:t>직접 정의</a:t>
-            </a:r>
-          </a:p>
-        </p:txBody>
-      </p:sp>
-    </p:spTree>
-    <p:extLst>
-      <p:ext uri="{BB962C8B-B14F-4D97-AF65-F5344CB8AC3E}">
-        <p14:creationId xmlns:p14="http://schemas.microsoft.com/office/powerpoint/2010/main" val="1176229706"/>
+        <p14:creationId xmlns:p14="http://schemas.microsoft.com/office/powerpoint/2010/main" val="1373809754"/>
       </p:ext>
     </p:extLst>
   </p:cSld>
@@ -16734,7 +13895,7 @@
         <p:cNvPr id="1" name="">
           <a:extLst>
             <a:ext uri="{FF2B5EF4-FFF2-40B4-BE49-F238E27FC236}">
-              <a16:creationId xmlns:a16="http://schemas.microsoft.com/office/drawing/2014/main" id="{80230EA5-54AD-47AE-1039-E79CD74A2C68}"/>
+              <a16:creationId xmlns:a16="http://schemas.microsoft.com/office/drawing/2014/main" id="{46D4DF8D-2F5D-0B22-4DF0-6D7B764F5B48}"/>
             </a:ext>
           </a:extLst>
         </p:cNvPr>
@@ -16754,7 +13915,7 @@
           <p:cNvPr id="3" name="내용 개체 틀 2">
             <a:extLst>
               <a:ext uri="{FF2B5EF4-FFF2-40B4-BE49-F238E27FC236}">
-                <a16:creationId xmlns:a16="http://schemas.microsoft.com/office/drawing/2014/main" id="{E99D57BC-E765-00DF-EE7E-CF0FD5CAE334}"/>
+                <a16:creationId xmlns:a16="http://schemas.microsoft.com/office/drawing/2014/main" id="{9D6321B3-2833-9B15-4334-30E1FC419696}"/>
               </a:ext>
             </a:extLst>
           </p:cNvPr>
@@ -16767,8 +13928,8 @@
         </p:nvSpPr>
         <p:spPr>
           <a:xfrm>
-            <a:off x="838199" y="314697"/>
-            <a:ext cx="11068455" cy="1339006"/>
+            <a:off x="838200" y="314696"/>
+            <a:ext cx="10515600" cy="5862267"/>
           </a:xfrm>
         </p:spPr>
         <p:txBody>
@@ -16782,156 +13943,29 @@
             </a:pPr>
             <a:r>
               <a:rPr lang="en-US" altLang="ko-KR" dirty="0"/>
-              <a:t>3. CSS </a:t>
-            </a:r>
-            <a:r>
-              <a:rPr lang="ko-KR" altLang="en-US" dirty="0"/>
-              <a:t>기초</a:t>
-            </a:r>
+              <a:t>- flexbox1</a:t>
+            </a:r>
+          </a:p>
+          <a:p>
+            <a:pPr marL="0" indent="0">
+              <a:buNone/>
+            </a:pPr>
             <a:endParaRPr lang="en-US" altLang="ko-KR" dirty="0"/>
           </a:p>
           <a:p>
-            <a:pPr>
-              <a:buFont typeface="Wingdings" panose="05000000000000000000" pitchFamily="2" charset="2"/>
-              <a:buChar char="Ø"/>
-            </a:pPr>
-            <a:r>
-              <a:rPr lang="en-US" altLang="ko-KR" dirty="0"/>
-              <a:t>POSITION</a:t>
-            </a:r>
-          </a:p>
-        </p:txBody>
-      </p:sp>
-      <p:sp>
-        <p:nvSpPr>
-          <p:cNvPr id="14" name="TextBox 13">
-            <a:extLst>
-              <a:ext uri="{FF2B5EF4-FFF2-40B4-BE49-F238E27FC236}">
-                <a16:creationId xmlns:a16="http://schemas.microsoft.com/office/drawing/2014/main" id="{DA800778-32E8-BBDE-860F-DC23ADD8555A}"/>
-              </a:ext>
-            </a:extLst>
-          </p:cNvPr>
-          <p:cNvSpPr txBox="1"/>
-          <p:nvPr/>
-        </p:nvSpPr>
-        <p:spPr>
-          <a:xfrm>
-            <a:off x="963037" y="1828800"/>
-            <a:ext cx="10612877" cy="2585323"/>
-          </a:xfrm>
-          <a:prstGeom prst="rect">
-            <a:avLst/>
-          </a:prstGeom>
-          <a:noFill/>
-        </p:spPr>
-        <p:txBody>
-          <a:bodyPr wrap="square" rtlCol="0">
-            <a:spAutoFit/>
-          </a:bodyPr>
-          <a:lstStyle/>
-          <a:p>
-            <a:pPr marL="0" indent="0">
-              <a:buNone/>
-            </a:pPr>
-            <a:r>
-              <a:rPr lang="en-US" altLang="ko-KR" dirty="0"/>
-              <a:t>position: static;        </a:t>
-            </a:r>
-            <a:r>
-              <a:rPr lang="ko-KR" altLang="en-US" dirty="0"/>
-              <a:t>없음</a:t>
-            </a:r>
+            <a:pPr marL="0" indent="0">
+              <a:buNone/>
+            </a:pPr>
             <a:endParaRPr lang="en-US" altLang="ko-KR" dirty="0"/>
-          </a:p>
-          <a:p>
-            <a:pPr marL="0" indent="0">
-              <a:buNone/>
-            </a:pPr>
-            <a:endParaRPr lang="en-US" altLang="ko-KR" dirty="0"/>
-          </a:p>
-          <a:p>
-            <a:pPr marL="0" indent="0">
-              <a:buNone/>
-            </a:pPr>
-            <a:r>
-              <a:rPr lang="en-US" altLang="ko-KR" dirty="0"/>
-              <a:t>position: relative;     </a:t>
-            </a:r>
-            <a:r>
-              <a:rPr lang="ko-KR" altLang="en-US" dirty="0"/>
-              <a:t>원래 위치 기준</a:t>
-            </a:r>
-            <a:endParaRPr lang="en-US" altLang="ko-KR" dirty="0"/>
-          </a:p>
-          <a:p>
-            <a:pPr marL="0" indent="0">
-              <a:buNone/>
-            </a:pPr>
-            <a:endParaRPr lang="en-US" altLang="ko-KR" dirty="0"/>
-          </a:p>
-          <a:p>
-            <a:pPr marL="0" indent="0">
-              <a:buNone/>
-            </a:pPr>
-            <a:r>
-              <a:rPr lang="en-US" altLang="ko-KR" dirty="0"/>
-              <a:t>position: absolute;    relative</a:t>
-            </a:r>
-            <a:r>
-              <a:rPr lang="ko-KR" altLang="en-US" dirty="0"/>
-              <a:t>있는 부모 기준</a:t>
-            </a:r>
-            <a:endParaRPr lang="en-US" altLang="ko-KR" dirty="0"/>
-          </a:p>
-          <a:p>
-            <a:pPr marL="0" indent="0">
-              <a:buNone/>
-            </a:pPr>
-            <a:endParaRPr lang="en-US" altLang="ko-KR" dirty="0"/>
-          </a:p>
-          <a:p>
-            <a:pPr marL="0" indent="0">
-              <a:buNone/>
-            </a:pPr>
-            <a:r>
-              <a:rPr lang="en-US" altLang="ko-KR" dirty="0"/>
-              <a:t>position: fixed;         </a:t>
-            </a:r>
-            <a:r>
-              <a:rPr lang="ko-KR" altLang="en-US" dirty="0"/>
-              <a:t>창 기준</a:t>
-            </a:r>
-            <a:endParaRPr lang="en-US" altLang="ko-KR" dirty="0"/>
-          </a:p>
-          <a:p>
-            <a:pPr marL="0" indent="0">
-              <a:buNone/>
-            </a:pPr>
-            <a:endParaRPr lang="en-US" altLang="ko-KR" dirty="0"/>
-          </a:p>
-          <a:p>
-            <a:r>
-              <a:rPr lang="en-US" altLang="ko-KR" dirty="0"/>
-              <a:t>position: sticky;         </a:t>
-            </a:r>
-            <a:r>
-              <a:rPr lang="ko-KR" altLang="en-US" dirty="0"/>
-              <a:t>원래 위치에 있다가 스크롤이 넘어가면 창 기준으로 따라다님 </a:t>
-            </a:r>
-            <a:r>
-              <a:rPr lang="en-US" altLang="ko-KR" dirty="0"/>
-              <a:t>(static -&gt; fixed)</a:t>
-            </a:r>
-            <a:endParaRPr lang="ko-KR" altLang="en-US" dirty="0"/>
           </a:p>
         </p:txBody>
       </p:sp>
       <p:pic>
         <p:nvPicPr>
-          <p:cNvPr id="15" name="그림 14">
+          <p:cNvPr id="4" name="그림 3">
             <a:extLst>
               <a:ext uri="{FF2B5EF4-FFF2-40B4-BE49-F238E27FC236}">
-                <a16:creationId xmlns:a16="http://schemas.microsoft.com/office/drawing/2014/main" id="{1483A970-48A2-D008-5D0A-CE8953ABBA61}"/>
+                <a16:creationId xmlns:a16="http://schemas.microsoft.com/office/drawing/2014/main" id="{10A86565-EEDA-70AA-23A3-CFEF071632BE}"/>
               </a:ext>
             </a:extLst>
           </p:cNvPr>
@@ -16948,8 +13982,8 @@
         </p:blipFill>
         <p:spPr>
           <a:xfrm>
-            <a:off x="963037" y="4477353"/>
-            <a:ext cx="1972775" cy="2267673"/>
+            <a:off x="323485" y="1128370"/>
+            <a:ext cx="5220429" cy="4906060"/>
           </a:xfrm>
           <a:prstGeom prst="rect">
             <a:avLst/>
@@ -16958,10 +13992,10 @@
       </p:pic>
       <p:pic>
         <p:nvPicPr>
-          <p:cNvPr id="16" name="그림 15">
+          <p:cNvPr id="7" name="그림 6">
             <a:extLst>
               <a:ext uri="{FF2B5EF4-FFF2-40B4-BE49-F238E27FC236}">
-                <a16:creationId xmlns:a16="http://schemas.microsoft.com/office/drawing/2014/main" id="{25B38D3B-DC91-EA29-AD59-DEE79AC7730F}"/>
+                <a16:creationId xmlns:a16="http://schemas.microsoft.com/office/drawing/2014/main" id="{EB30F706-8A44-0A8F-4151-C8EDB90F461A}"/>
               </a:ext>
             </a:extLst>
           </p:cNvPr>
@@ -16978,8 +14012,8 @@
         </p:blipFill>
         <p:spPr>
           <a:xfrm>
-            <a:off x="3549113" y="4546599"/>
-            <a:ext cx="2252748" cy="2129180"/>
+            <a:off x="6058629" y="1128370"/>
+            <a:ext cx="2957644" cy="4879362"/>
           </a:xfrm>
           <a:prstGeom prst="rect">
             <a:avLst/>
@@ -16989,7 +14023,7 @@
     </p:spTree>
     <p:extLst>
       <p:ext uri="{BB962C8B-B14F-4D97-AF65-F5344CB8AC3E}">
-        <p14:creationId xmlns:p14="http://schemas.microsoft.com/office/powerpoint/2010/main" val="1296366082"/>
+        <p14:creationId xmlns:p14="http://schemas.microsoft.com/office/powerpoint/2010/main" val="2537873286"/>
       </p:ext>
     </p:extLst>
   </p:cSld>
@@ -17007,7 +14041,7 @@
         <p:cNvPr id="1" name="">
           <a:extLst>
             <a:ext uri="{FF2B5EF4-FFF2-40B4-BE49-F238E27FC236}">
-              <a16:creationId xmlns:a16="http://schemas.microsoft.com/office/drawing/2014/main" id="{7A1206C6-E842-8422-C5D2-33A1014655EF}"/>
+              <a16:creationId xmlns:a16="http://schemas.microsoft.com/office/drawing/2014/main" id="{8BE55A7E-0ED3-727F-ABA1-8F2BA6803244}"/>
             </a:ext>
           </a:extLst>
         </p:cNvPr>
@@ -17027,7 +14061,7 @@
           <p:cNvPr id="3" name="내용 개체 틀 2">
             <a:extLst>
               <a:ext uri="{FF2B5EF4-FFF2-40B4-BE49-F238E27FC236}">
-                <a16:creationId xmlns:a16="http://schemas.microsoft.com/office/drawing/2014/main" id="{94E3D521-AB17-3EED-6281-61D5ABD19CF5}"/>
+                <a16:creationId xmlns:a16="http://schemas.microsoft.com/office/drawing/2014/main" id="{0AFACCBE-2B9B-FA1F-43D0-B0B6E54ECA85}"/>
               </a:ext>
             </a:extLst>
           </p:cNvPr>
@@ -17040,8 +14074,8 @@
         </p:nvSpPr>
         <p:spPr>
           <a:xfrm>
-            <a:off x="838199" y="314697"/>
-            <a:ext cx="11068455" cy="1339006"/>
+            <a:off x="838200" y="314696"/>
+            <a:ext cx="10515600" cy="5862267"/>
           </a:xfrm>
         </p:spPr>
         <p:txBody>
@@ -17055,32 +14089,29 @@
             </a:pPr>
             <a:r>
               <a:rPr lang="en-US" altLang="ko-KR" dirty="0"/>
-              <a:t>3. CSS </a:t>
-            </a:r>
-            <a:r>
-              <a:rPr lang="ko-KR" altLang="en-US" dirty="0"/>
-              <a:t>기초</a:t>
-            </a:r>
+              <a:t>- flexbox2</a:t>
+            </a:r>
+          </a:p>
+          <a:p>
+            <a:pPr marL="0" indent="0">
+              <a:buNone/>
+            </a:pPr>
             <a:endParaRPr lang="en-US" altLang="ko-KR" dirty="0"/>
           </a:p>
           <a:p>
-            <a:pPr>
-              <a:buFont typeface="Wingdings" panose="05000000000000000000" pitchFamily="2" charset="2"/>
-              <a:buChar char="Ø"/>
-            </a:pPr>
-            <a:r>
-              <a:rPr lang="en-US" altLang="ko-KR" dirty="0"/>
-              <a:t>POSITION</a:t>
-            </a:r>
+            <a:pPr marL="0" indent="0">
+              <a:buNone/>
+            </a:pPr>
+            <a:endParaRPr lang="en-US" altLang="ko-KR" dirty="0"/>
           </a:p>
         </p:txBody>
       </p:sp>
       <p:pic>
         <p:nvPicPr>
-          <p:cNvPr id="5" name="그림 4">
+          <p:cNvPr id="7" name="그림 6">
             <a:extLst>
               <a:ext uri="{FF2B5EF4-FFF2-40B4-BE49-F238E27FC236}">
-                <a16:creationId xmlns:a16="http://schemas.microsoft.com/office/drawing/2014/main" id="{43E96EEF-2C01-7E8C-A39A-BBCC397D6CE7}"/>
+                <a16:creationId xmlns:a16="http://schemas.microsoft.com/office/drawing/2014/main" id="{DD6D1FCF-AB4E-F498-0D02-7FAC8BE3697D}"/>
               </a:ext>
             </a:extLst>
           </p:cNvPr>
@@ -17097,8 +14128,8 @@
         </p:blipFill>
         <p:spPr>
           <a:xfrm>
-            <a:off x="111156" y="1556426"/>
-            <a:ext cx="5725302" cy="2850204"/>
+            <a:off x="6006440" y="1042271"/>
+            <a:ext cx="3112413" cy="5134691"/>
           </a:xfrm>
           <a:prstGeom prst="rect">
             <a:avLst/>
@@ -17107,10 +14138,10 @@
       </p:pic>
       <p:pic>
         <p:nvPicPr>
-          <p:cNvPr id="9" name="그림 8">
+          <p:cNvPr id="5" name="그림 4">
             <a:extLst>
               <a:ext uri="{FF2B5EF4-FFF2-40B4-BE49-F238E27FC236}">
-                <a16:creationId xmlns:a16="http://schemas.microsoft.com/office/drawing/2014/main" id="{08AA2C49-7E74-DB71-7FE9-0BAC6999B3AE}"/>
+                <a16:creationId xmlns:a16="http://schemas.microsoft.com/office/drawing/2014/main" id="{6A53A758-DA16-A18D-D3C0-85F7A260941C}"/>
               </a:ext>
             </a:extLst>
           </p:cNvPr>
@@ -17127,68 +14158,8 @@
         </p:blipFill>
         <p:spPr>
           <a:xfrm>
-            <a:off x="96574" y="4519307"/>
-            <a:ext cx="2695264" cy="1893258"/>
-          </a:xfrm>
-          <a:prstGeom prst="rect">
-            <a:avLst/>
-          </a:prstGeom>
-        </p:spPr>
-      </p:pic>
-      <p:pic>
-        <p:nvPicPr>
-          <p:cNvPr id="11" name="그림 10">
-            <a:extLst>
-              <a:ext uri="{FF2B5EF4-FFF2-40B4-BE49-F238E27FC236}">
-                <a16:creationId xmlns:a16="http://schemas.microsoft.com/office/drawing/2014/main" id="{D6F8DDED-A2B6-7C67-695E-90EF76B69F7D}"/>
-              </a:ext>
-            </a:extLst>
-          </p:cNvPr>
-          <p:cNvPicPr>
-            <a:picLocks noChangeAspect="1"/>
-          </p:cNvPicPr>
-          <p:nvPr/>
-        </p:nvPicPr>
-        <p:blipFill>
-          <a:blip r:embed="rId4"/>
-          <a:stretch>
-            <a:fillRect/>
-          </a:stretch>
-        </p:blipFill>
-        <p:spPr>
-          <a:xfrm>
-            <a:off x="6096000" y="1556426"/>
-            <a:ext cx="2465601" cy="5159499"/>
-          </a:xfrm>
-          <a:prstGeom prst="rect">
-            <a:avLst/>
-          </a:prstGeom>
-        </p:spPr>
-      </p:pic>
-      <p:pic>
-        <p:nvPicPr>
-          <p:cNvPr id="13" name="그림 12">
-            <a:extLst>
-              <a:ext uri="{FF2B5EF4-FFF2-40B4-BE49-F238E27FC236}">
-                <a16:creationId xmlns:a16="http://schemas.microsoft.com/office/drawing/2014/main" id="{1998F80F-4FFC-6B1E-1615-A906276F3DFF}"/>
-              </a:ext>
-            </a:extLst>
-          </p:cNvPr>
-          <p:cNvPicPr>
-            <a:picLocks noChangeAspect="1"/>
-          </p:cNvPicPr>
-          <p:nvPr/>
-        </p:nvPicPr>
-        <p:blipFill>
-          <a:blip r:embed="rId5"/>
-          <a:stretch>
-            <a:fillRect/>
-          </a:stretch>
-        </p:blipFill>
-        <p:spPr>
-          <a:xfrm>
-            <a:off x="8736698" y="1556426"/>
-            <a:ext cx="2465601" cy="3366893"/>
+            <a:off x="571130" y="1042271"/>
+            <a:ext cx="5296639" cy="5134692"/>
           </a:xfrm>
           <a:prstGeom prst="rect">
             <a:avLst/>
@@ -17198,7 +14169,7 @@
     </p:spTree>
     <p:extLst>
       <p:ext uri="{BB962C8B-B14F-4D97-AF65-F5344CB8AC3E}">
-        <p14:creationId xmlns:p14="http://schemas.microsoft.com/office/powerpoint/2010/main" val="3970084767"/>
+        <p14:creationId xmlns:p14="http://schemas.microsoft.com/office/powerpoint/2010/main" val="1080472162"/>
       </p:ext>
     </p:extLst>
   </p:cSld>
@@ -17216,7 +14187,7 @@
         <p:cNvPr id="1" name="">
           <a:extLst>
             <a:ext uri="{FF2B5EF4-FFF2-40B4-BE49-F238E27FC236}">
-              <a16:creationId xmlns:a16="http://schemas.microsoft.com/office/drawing/2014/main" id="{B119C335-DF39-FBC2-F69A-38327DC5B92E}"/>
+              <a16:creationId xmlns:a16="http://schemas.microsoft.com/office/drawing/2014/main" id="{86235467-A2CA-E8A6-D5C8-96CE8308E7D0}"/>
             </a:ext>
           </a:extLst>
         </p:cNvPr>
@@ -17236,7 +14207,7 @@
           <p:cNvPr id="3" name="내용 개체 틀 2">
             <a:extLst>
               <a:ext uri="{FF2B5EF4-FFF2-40B4-BE49-F238E27FC236}">
-                <a16:creationId xmlns:a16="http://schemas.microsoft.com/office/drawing/2014/main" id="{961C0312-20BF-F366-4710-D3FD793BD4F1}"/>
+                <a16:creationId xmlns:a16="http://schemas.microsoft.com/office/drawing/2014/main" id="{9EDC278F-334C-2578-D3C8-EEB55E9281C6}"/>
               </a:ext>
             </a:extLst>
           </p:cNvPr>
@@ -17249,7 +14220,7 @@
         </p:nvSpPr>
         <p:spPr>
           <a:xfrm>
-            <a:off x="838200" y="497866"/>
+            <a:off x="838200" y="314696"/>
             <a:ext cx="10515600" cy="5862267"/>
           </a:xfrm>
         </p:spPr>
@@ -17264,46 +14235,29 @@
             </a:pPr>
             <a:r>
               <a:rPr lang="en-US" altLang="ko-KR" dirty="0"/>
-              <a:t>3. CSS </a:t>
-            </a:r>
-            <a:r>
-              <a:rPr lang="ko-KR" altLang="en-US" dirty="0"/>
-              <a:t>기초</a:t>
-            </a:r>
+              <a:t>- flexbox3</a:t>
+            </a:r>
+          </a:p>
+          <a:p>
+            <a:pPr marL="0" indent="0">
+              <a:buNone/>
+            </a:pPr>
             <a:endParaRPr lang="en-US" altLang="ko-KR" dirty="0"/>
           </a:p>
           <a:p>
             <a:pPr marL="0" indent="0">
               <a:buNone/>
             </a:pPr>
-            <a:endParaRPr lang="en-US" altLang="ko-KR" dirty="0"/>
-          </a:p>
-          <a:p>
-            <a:pPr marL="0" indent="0">
-              <a:buNone/>
-            </a:pPr>
-            <a:r>
-              <a:rPr lang="en-US" altLang="ko-KR"/>
-              <a:t>flexbox </a:t>
-            </a:r>
-            <a:r>
-              <a:rPr lang="ko-KR" altLang="en-US"/>
-              <a:t>아래 </a:t>
-            </a:r>
-            <a:r>
-              <a:rPr lang="ko-KR" altLang="en-US" dirty="0"/>
-              <a:t>화면을 만들어보자</a:t>
-            </a:r>
             <a:endParaRPr lang="en-US" altLang="ko-KR" dirty="0"/>
           </a:p>
         </p:txBody>
       </p:sp>
       <p:pic>
         <p:nvPicPr>
-          <p:cNvPr id="4" name="그림 3">
+          <p:cNvPr id="7" name="그림 6">
             <a:extLst>
               <a:ext uri="{FF2B5EF4-FFF2-40B4-BE49-F238E27FC236}">
-                <a16:creationId xmlns:a16="http://schemas.microsoft.com/office/drawing/2014/main" id="{D8ED2C31-C96D-5B15-5CAF-2F56F185B2FD}"/>
+                <a16:creationId xmlns:a16="http://schemas.microsoft.com/office/drawing/2014/main" id="{D5F973A6-6514-3001-B424-773953DCBC58}"/>
               </a:ext>
             </a:extLst>
           </p:cNvPr>
@@ -17320,8 +14274,38 @@
         </p:blipFill>
         <p:spPr>
           <a:xfrm>
-            <a:off x="2751855" y="2678019"/>
-            <a:ext cx="5468017" cy="3901250"/>
+            <a:off x="6096000" y="1156586"/>
+            <a:ext cx="2973827" cy="4906060"/>
+          </a:xfrm>
+          <a:prstGeom prst="rect">
+            <a:avLst/>
+          </a:prstGeom>
+        </p:spPr>
+      </p:pic>
+      <p:pic>
+        <p:nvPicPr>
+          <p:cNvPr id="4" name="그림 3">
+            <a:extLst>
+              <a:ext uri="{FF2B5EF4-FFF2-40B4-BE49-F238E27FC236}">
+                <a16:creationId xmlns:a16="http://schemas.microsoft.com/office/drawing/2014/main" id="{5D485E20-9828-47E0-F259-EB316D5048AE}"/>
+              </a:ext>
+            </a:extLst>
+          </p:cNvPr>
+          <p:cNvPicPr>
+            <a:picLocks noChangeAspect="1"/>
+          </p:cNvPicPr>
+          <p:nvPr/>
+        </p:nvPicPr>
+        <p:blipFill>
+          <a:blip r:embed="rId3"/>
+          <a:stretch>
+            <a:fillRect/>
+          </a:stretch>
+        </p:blipFill>
+        <p:spPr>
+          <a:xfrm>
+            <a:off x="433020" y="1156586"/>
+            <a:ext cx="5268060" cy="4906060"/>
           </a:xfrm>
           <a:prstGeom prst="rect">
             <a:avLst/>
@@ -17331,7 +14315,7 @@
     </p:spTree>
     <p:extLst>
       <p:ext uri="{BB962C8B-B14F-4D97-AF65-F5344CB8AC3E}">
-        <p14:creationId xmlns:p14="http://schemas.microsoft.com/office/powerpoint/2010/main" val="4068231637"/>
+        <p14:creationId xmlns:p14="http://schemas.microsoft.com/office/powerpoint/2010/main" val="943048363"/>
       </p:ext>
     </p:extLst>
   </p:cSld>
@@ -17349,7 +14333,7 @@
         <p:cNvPr id="1" name="">
           <a:extLst>
             <a:ext uri="{FF2B5EF4-FFF2-40B4-BE49-F238E27FC236}">
-              <a16:creationId xmlns:a16="http://schemas.microsoft.com/office/drawing/2014/main" id="{7BFCCF7B-66BC-9DA8-667D-C4D83E1AE3C5}"/>
+              <a16:creationId xmlns:a16="http://schemas.microsoft.com/office/drawing/2014/main" id="{2CCFE67E-8845-7D9B-1D5D-7C8CDFC03DFC}"/>
             </a:ext>
           </a:extLst>
         </p:cNvPr>
@@ -17369,7 +14353,7 @@
           <p:cNvPr id="3" name="내용 개체 틀 2">
             <a:extLst>
               <a:ext uri="{FF2B5EF4-FFF2-40B4-BE49-F238E27FC236}">
-                <a16:creationId xmlns:a16="http://schemas.microsoft.com/office/drawing/2014/main" id="{F9348550-22B3-2BF7-FFBD-92DF9439F907}"/>
+                <a16:creationId xmlns:a16="http://schemas.microsoft.com/office/drawing/2014/main" id="{79F9872D-158D-FAA3-4D5F-B471B8B64B9A}"/>
               </a:ext>
             </a:extLst>
           </p:cNvPr>
@@ -17382,7 +14366,7 @@
         </p:nvSpPr>
         <p:spPr>
           <a:xfrm>
-            <a:off x="838200" y="497866"/>
+            <a:off x="838200" y="314696"/>
             <a:ext cx="10515600" cy="5862267"/>
           </a:xfrm>
         </p:spPr>
@@ -17397,28 +14381,19 @@
             </a:pPr>
             <a:r>
               <a:rPr lang="en-US" altLang="ko-KR" dirty="0"/>
-              <a:t>3. CSS </a:t>
-            </a:r>
-            <a:r>
-              <a:rPr lang="ko-KR" altLang="en-US" dirty="0"/>
-              <a:t>기초</a:t>
-            </a:r>
+              <a:t>- flexbox4</a:t>
+            </a:r>
+          </a:p>
+          <a:p>
+            <a:pPr marL="0" indent="0">
+              <a:buNone/>
+            </a:pPr>
             <a:endParaRPr lang="en-US" altLang="ko-KR" dirty="0"/>
           </a:p>
           <a:p>
             <a:pPr marL="0" indent="0">
               <a:buNone/>
             </a:pPr>
-            <a:endParaRPr lang="en-US" altLang="ko-KR" dirty="0"/>
-          </a:p>
-          <a:p>
-            <a:pPr marL="0" indent="0">
-              <a:buNone/>
-            </a:pPr>
-            <a:r>
-              <a:rPr lang="ko-KR" altLang="en-US" dirty="0"/>
-              <a:t>아래 화면을 만들어보자</a:t>
-            </a:r>
             <a:endParaRPr lang="en-US" altLang="ko-KR" dirty="0"/>
           </a:p>
         </p:txBody>
@@ -17428,7 +14403,7 @@
           <p:cNvPr id="5" name="그림 4">
             <a:extLst>
               <a:ext uri="{FF2B5EF4-FFF2-40B4-BE49-F238E27FC236}">
-                <a16:creationId xmlns:a16="http://schemas.microsoft.com/office/drawing/2014/main" id="{C3900B8A-EEE3-767A-61A8-6AACE49F347A}"/>
+                <a16:creationId xmlns:a16="http://schemas.microsoft.com/office/drawing/2014/main" id="{4DF180C9-3320-9BF2-89DE-8CF86C3E5D43}"/>
               </a:ext>
             </a:extLst>
           </p:cNvPr>
@@ -17445,8 +14420,38 @@
         </p:blipFill>
         <p:spPr>
           <a:xfrm>
-            <a:off x="838200" y="2669154"/>
-            <a:ext cx="9721369" cy="3601409"/>
+            <a:off x="838200" y="1159562"/>
+            <a:ext cx="3333750" cy="5123447"/>
+          </a:xfrm>
+          <a:prstGeom prst="rect">
+            <a:avLst/>
+          </a:prstGeom>
+        </p:spPr>
+      </p:pic>
+      <p:pic>
+        <p:nvPicPr>
+          <p:cNvPr id="6" name="그림 5">
+            <a:extLst>
+              <a:ext uri="{FF2B5EF4-FFF2-40B4-BE49-F238E27FC236}">
+                <a16:creationId xmlns:a16="http://schemas.microsoft.com/office/drawing/2014/main" id="{D22AB750-7295-38BB-776D-2D1404AF3410}"/>
+              </a:ext>
+            </a:extLst>
+          </p:cNvPr>
+          <p:cNvPicPr>
+            <a:picLocks noChangeAspect="1"/>
+          </p:cNvPicPr>
+          <p:nvPr/>
+        </p:nvPicPr>
+        <p:blipFill>
+          <a:blip r:embed="rId3"/>
+          <a:stretch>
+            <a:fillRect/>
+          </a:stretch>
+        </p:blipFill>
+        <p:spPr>
+          <a:xfrm>
+            <a:off x="4789047" y="1270903"/>
+            <a:ext cx="2973827" cy="4906060"/>
           </a:xfrm>
           <a:prstGeom prst="rect">
             <a:avLst/>
@@ -17456,7 +14461,7 @@
     </p:spTree>
     <p:extLst>
       <p:ext uri="{BB962C8B-B14F-4D97-AF65-F5344CB8AC3E}">
-        <p14:creationId xmlns:p14="http://schemas.microsoft.com/office/powerpoint/2010/main" val="3605140959"/>
+        <p14:creationId xmlns:p14="http://schemas.microsoft.com/office/powerpoint/2010/main" val="827742647"/>
       </p:ext>
     </p:extLst>
   </p:cSld>
@@ -17474,7 +14479,7 @@
         <p:cNvPr id="1" name="">
           <a:extLst>
             <a:ext uri="{FF2B5EF4-FFF2-40B4-BE49-F238E27FC236}">
-              <a16:creationId xmlns:a16="http://schemas.microsoft.com/office/drawing/2014/main" id="{3FC79613-FADB-3467-7923-4EA4E1895A9C}"/>
+              <a16:creationId xmlns:a16="http://schemas.microsoft.com/office/drawing/2014/main" id="{2F818B72-F4A5-3B03-349A-B891B92FD918}"/>
             </a:ext>
           </a:extLst>
         </p:cNvPr>
@@ -17494,7 +14499,7 @@
           <p:cNvPr id="3" name="내용 개체 틀 2">
             <a:extLst>
               <a:ext uri="{FF2B5EF4-FFF2-40B4-BE49-F238E27FC236}">
-                <a16:creationId xmlns:a16="http://schemas.microsoft.com/office/drawing/2014/main" id="{D883516A-D7EE-69BD-C7BB-04FE66E1D945}"/>
+                <a16:creationId xmlns:a16="http://schemas.microsoft.com/office/drawing/2014/main" id="{FF8794FE-453B-ADA7-68BC-9E6B5614FD39}"/>
               </a:ext>
             </a:extLst>
           </p:cNvPr>
@@ -17513,7 +14518,7 @@
         </p:spPr>
         <p:txBody>
           <a:bodyPr>
-            <a:normAutofit fontScale="70000" lnSpcReduction="20000"/>
+            <a:normAutofit/>
           </a:bodyPr>
           <a:lstStyle/>
           <a:p>
@@ -17521,14 +14526,9 @@
               <a:buNone/>
             </a:pPr>
             <a:r>
-              <a:rPr lang="en-US" altLang="ko-KR" sz="4600" dirty="0"/>
-              <a:t>3. HTML/CSS </a:t>
-            </a:r>
-            <a:r>
-              <a:rPr lang="ko-KR" altLang="en-US" sz="4600" dirty="0"/>
-              <a:t>기본</a:t>
-            </a:r>
-            <a:endParaRPr lang="en-US" altLang="ko-KR" sz="4600" dirty="0"/>
+              <a:rPr lang="en-US" altLang="ko-KR" dirty="0"/>
+              <a:t>- flexbox5</a:t>
+            </a:r>
           </a:p>
           <a:p>
             <a:pPr marL="0" indent="0">
@@ -17540,204 +14540,74 @@
             <a:pPr marL="0" indent="0">
               <a:buNone/>
             </a:pPr>
-            <a:r>
-              <a:rPr lang="en-US" altLang="ko-KR" dirty="0"/>
-              <a:t>form / input</a:t>
-            </a:r>
-          </a:p>
-          <a:p>
-            <a:pPr marL="0" indent="0">
-              <a:buNone/>
-            </a:pPr>
             <a:endParaRPr lang="en-US" altLang="ko-KR" dirty="0"/>
-          </a:p>
-          <a:p>
-            <a:pPr marL="0" indent="0">
-              <a:buNone/>
-            </a:pPr>
-            <a:r>
-              <a:rPr lang="en-US" altLang="ko-KR" dirty="0"/>
-              <a:t>&lt;form action=“</a:t>
-            </a:r>
-            <a:r>
-              <a:rPr lang="ko-KR" altLang="en-US" dirty="0"/>
-              <a:t>서버경로</a:t>
-            </a:r>
-            <a:r>
-              <a:rPr lang="en-US" altLang="ko-KR" dirty="0"/>
-              <a:t>” method=“</a:t>
-            </a:r>
-            <a:r>
-              <a:rPr lang="ko-KR" altLang="en-US" dirty="0"/>
-              <a:t>전송방식</a:t>
-            </a:r>
-            <a:r>
-              <a:rPr lang="en-US" altLang="ko-KR" dirty="0"/>
-              <a:t>”&gt;</a:t>
-            </a:r>
-          </a:p>
-          <a:p>
-            <a:pPr marL="0" indent="0">
-              <a:buNone/>
-            </a:pPr>
-            <a:r>
-              <a:rPr lang="en-US" altLang="ko-KR" dirty="0"/>
-              <a:t>    &lt;input type=“text” value=“</a:t>
-            </a:r>
-            <a:r>
-              <a:rPr lang="ko-KR" altLang="en-US" dirty="0"/>
-              <a:t>초기값</a:t>
-            </a:r>
-            <a:r>
-              <a:rPr lang="en-US" altLang="ko-KR" dirty="0"/>
-              <a:t>”&gt;</a:t>
-            </a:r>
-          </a:p>
-          <a:p>
-            <a:pPr marL="0" indent="0">
-              <a:buNone/>
-            </a:pPr>
-            <a:r>
-              <a:rPr lang="en-US" altLang="ko-KR" dirty="0"/>
-              <a:t>    &lt;input type=“number” placeholder=“</a:t>
-            </a:r>
-            <a:r>
-              <a:rPr lang="ko-KR" altLang="en-US" dirty="0"/>
-              <a:t>힌트</a:t>
-            </a:r>
-            <a:r>
-              <a:rPr lang="en-US" altLang="ko-KR" dirty="0"/>
-              <a:t>”&gt;</a:t>
-            </a:r>
-          </a:p>
-          <a:p>
-            <a:pPr marL="0" indent="0">
-              <a:buNone/>
-            </a:pPr>
-            <a:r>
-              <a:rPr lang="en-US" altLang="ko-KR" dirty="0"/>
-              <a:t>    &lt;input type=“password” name=“</a:t>
-            </a:r>
-            <a:r>
-              <a:rPr lang="ko-KR" altLang="en-US" dirty="0" err="1"/>
-              <a:t>서버로보내는값</a:t>
-            </a:r>
-            <a:r>
-              <a:rPr lang="en-US" altLang="ko-KR" dirty="0"/>
-              <a:t>”&gt;</a:t>
-            </a:r>
-          </a:p>
-          <a:p>
-            <a:pPr marL="0" indent="0">
-              <a:buNone/>
-            </a:pPr>
-            <a:r>
-              <a:rPr lang="en-US" altLang="ko-KR" dirty="0"/>
-              <a:t>    &lt;input type=“email”&gt;</a:t>
-            </a:r>
-          </a:p>
-          <a:p>
-            <a:pPr marL="0" indent="0">
-              <a:buNone/>
-            </a:pPr>
-            <a:r>
-              <a:rPr lang="en-US" altLang="ko-KR" dirty="0"/>
-              <a:t>    &lt;input type=“date”&gt;</a:t>
-            </a:r>
-          </a:p>
-          <a:p>
-            <a:pPr marL="0" indent="0">
-              <a:buNone/>
-            </a:pPr>
-            <a:r>
-              <a:rPr lang="en-US" altLang="ko-KR" dirty="0"/>
-              <a:t>    &lt;input type=“checkbox”&gt;</a:t>
-            </a:r>
-          </a:p>
-          <a:p>
-            <a:pPr marL="0" indent="0">
-              <a:buNone/>
-            </a:pPr>
-            <a:r>
-              <a:rPr lang="en-US" altLang="ko-KR" dirty="0"/>
-              <a:t>    &lt;input type=“radio” name=“</a:t>
-            </a:r>
-            <a:r>
-              <a:rPr lang="en-US" altLang="ko-KR" dirty="0" err="1"/>
-              <a:t>bundle_radio</a:t>
-            </a:r>
-            <a:r>
-              <a:rPr lang="en-US" altLang="ko-KR" dirty="0"/>
-              <a:t>” id=“rad1”&gt;</a:t>
-            </a:r>
-          </a:p>
-          <a:p>
-            <a:pPr marL="0" indent="0">
-              <a:buNone/>
-            </a:pPr>
-            <a:r>
-              <a:rPr lang="en-US" altLang="ko-KR" dirty="0"/>
-              <a:t>    &lt;label for=“rad1”&gt;A&lt;/label&gt;</a:t>
-            </a:r>
-          </a:p>
-          <a:p>
-            <a:pPr marL="0" indent="0">
-              <a:buNone/>
-            </a:pPr>
-            <a:r>
-              <a:rPr lang="en-US" altLang="ko-KR" dirty="0"/>
-              <a:t>    &lt;input type=“radio” name=“</a:t>
-            </a:r>
-            <a:r>
-              <a:rPr lang="en-US" altLang="ko-KR" dirty="0" err="1"/>
-              <a:t>bundle_radio</a:t>
-            </a:r>
-            <a:r>
-              <a:rPr lang="en-US" altLang="ko-KR" dirty="0"/>
-              <a:t>” id=“rad2”&gt;</a:t>
-            </a:r>
-          </a:p>
-          <a:p>
-            <a:pPr marL="0" indent="0">
-              <a:buNone/>
-            </a:pPr>
-            <a:r>
-              <a:rPr lang="en-US" altLang="ko-KR" dirty="0"/>
-              <a:t>    &lt;label for=“rad2”&gt;B&lt;/label&gt;</a:t>
-            </a:r>
-          </a:p>
-          <a:p>
-            <a:pPr marL="0" indent="0">
-              <a:buNone/>
-            </a:pPr>
-            <a:r>
-              <a:rPr lang="en-US" altLang="ko-KR" dirty="0"/>
-              <a:t>    &lt;input type=“submit” value=“</a:t>
-            </a:r>
-            <a:r>
-              <a:rPr lang="ko-KR" altLang="en-US" dirty="0"/>
-              <a:t>전송하기</a:t>
-            </a:r>
-            <a:r>
-              <a:rPr lang="en-US" altLang="ko-KR" dirty="0"/>
-              <a:t>”&gt;</a:t>
-            </a:r>
-          </a:p>
-          <a:p>
-            <a:pPr marL="0" indent="0">
-              <a:buNone/>
-            </a:pPr>
-            <a:r>
-              <a:rPr lang="en-US" altLang="ko-KR" dirty="0"/>
-              <a:t>&lt;/form&gt;</a:t>
-            </a:r>
           </a:p>
         </p:txBody>
       </p:sp>
+      <p:pic>
+        <p:nvPicPr>
+          <p:cNvPr id="4" name="그림 3">
+            <a:extLst>
+              <a:ext uri="{FF2B5EF4-FFF2-40B4-BE49-F238E27FC236}">
+                <a16:creationId xmlns:a16="http://schemas.microsoft.com/office/drawing/2014/main" id="{6E210F23-7D04-2466-B352-EB36661668A1}"/>
+              </a:ext>
+            </a:extLst>
+          </p:cNvPr>
+          <p:cNvPicPr>
+            <a:picLocks noChangeAspect="1"/>
+          </p:cNvPicPr>
+          <p:nvPr/>
+        </p:nvPicPr>
+        <p:blipFill>
+          <a:blip r:embed="rId2"/>
+          <a:stretch>
+            <a:fillRect/>
+          </a:stretch>
+        </p:blipFill>
+        <p:spPr>
+          <a:xfrm>
+            <a:off x="280744" y="983668"/>
+            <a:ext cx="5167555" cy="5379920"/>
+          </a:xfrm>
+          <a:prstGeom prst="rect">
+            <a:avLst/>
+          </a:prstGeom>
+        </p:spPr>
+      </p:pic>
+      <p:pic>
+        <p:nvPicPr>
+          <p:cNvPr id="8" name="그림 7">
+            <a:extLst>
+              <a:ext uri="{FF2B5EF4-FFF2-40B4-BE49-F238E27FC236}">
+                <a16:creationId xmlns:a16="http://schemas.microsoft.com/office/drawing/2014/main" id="{D5E99A8D-7246-E252-9C0D-6A94BDAA0ED6}"/>
+              </a:ext>
+            </a:extLst>
+          </p:cNvPr>
+          <p:cNvPicPr>
+            <a:picLocks noChangeAspect="1"/>
+          </p:cNvPicPr>
+          <p:nvPr/>
+        </p:nvPicPr>
+        <p:blipFill>
+          <a:blip r:embed="rId3"/>
+          <a:stretch>
+            <a:fillRect/>
+          </a:stretch>
+        </p:blipFill>
+        <p:spPr>
+          <a:xfrm>
+            <a:off x="5734050" y="0"/>
+            <a:ext cx="3981450" cy="6872374"/>
+          </a:xfrm>
+          <a:prstGeom prst="rect">
+            <a:avLst/>
+          </a:prstGeom>
+        </p:spPr>
+      </p:pic>
     </p:spTree>
     <p:extLst>
       <p:ext uri="{BB962C8B-B14F-4D97-AF65-F5344CB8AC3E}">
-        <p14:creationId xmlns:p14="http://schemas.microsoft.com/office/powerpoint/2010/main" val="2591352747"/>
+        <p14:creationId xmlns:p14="http://schemas.microsoft.com/office/powerpoint/2010/main" val="762634541"/>
       </p:ext>
     </p:extLst>
   </p:cSld>
@@ -17755,7 +14625,7 @@
         <p:cNvPr id="1" name="">
           <a:extLst>
             <a:ext uri="{FF2B5EF4-FFF2-40B4-BE49-F238E27FC236}">
-              <a16:creationId xmlns:a16="http://schemas.microsoft.com/office/drawing/2014/main" id="{481B4EA8-BF6D-04B6-DD65-80EFE274C6CD}"/>
+              <a16:creationId xmlns:a16="http://schemas.microsoft.com/office/drawing/2014/main" id="{C0179105-364D-88B6-278A-68B036CA4163}"/>
             </a:ext>
           </a:extLst>
         </p:cNvPr>
@@ -17775,7 +14645,7 @@
           <p:cNvPr id="3" name="내용 개체 틀 2">
             <a:extLst>
               <a:ext uri="{FF2B5EF4-FFF2-40B4-BE49-F238E27FC236}">
-                <a16:creationId xmlns:a16="http://schemas.microsoft.com/office/drawing/2014/main" id="{9E6062FC-AFB9-02F1-7FAF-F4D13F7EF209}"/>
+                <a16:creationId xmlns:a16="http://schemas.microsoft.com/office/drawing/2014/main" id="{FA2A84C2-7A9B-53C5-CACF-4A9E336C21BB}"/>
               </a:ext>
             </a:extLst>
           </p:cNvPr>
@@ -17794,7 +14664,7 @@
         </p:spPr>
         <p:txBody>
           <a:bodyPr>
-            <a:normAutofit fontScale="77500" lnSpcReduction="20000"/>
+            <a:normAutofit/>
           </a:bodyPr>
           <a:lstStyle/>
           <a:p>
@@ -17802,14 +14672,9 @@
               <a:buNone/>
             </a:pPr>
             <a:r>
-              <a:rPr lang="en-US" altLang="ko-KR" sz="4100" dirty="0"/>
-              <a:t>2. HTML </a:t>
-            </a:r>
-            <a:r>
-              <a:rPr lang="ko-KR" altLang="en-US" sz="4100" dirty="0"/>
-              <a:t>기초</a:t>
-            </a:r>
-            <a:endParaRPr lang="en-US" altLang="ko-KR" sz="4100" dirty="0"/>
+              <a:rPr lang="en-US" altLang="ko-KR" dirty="0"/>
+              <a:t>- grid1</a:t>
+            </a:r>
           </a:p>
           <a:p>
             <a:pPr marL="0" indent="0">
@@ -17822,174 +14687,103 @@
               <a:buNone/>
             </a:pPr>
             <a:endParaRPr lang="en-US" altLang="ko-KR" dirty="0"/>
-          </a:p>
-          <a:p>
-            <a:pPr marL="0" indent="0">
-              <a:buNone/>
-            </a:pPr>
-            <a:r>
-              <a:rPr lang="en-US" altLang="ko-KR" dirty="0"/>
-              <a:t>form / input</a:t>
-            </a:r>
-          </a:p>
-          <a:p>
-            <a:pPr marL="0" indent="0">
-              <a:buNone/>
-            </a:pPr>
-            <a:endParaRPr lang="en-US" altLang="ko-KR" dirty="0"/>
-          </a:p>
-          <a:p>
-            <a:pPr marL="0" indent="0">
-              <a:buNone/>
-            </a:pPr>
-            <a:r>
-              <a:rPr lang="en-US" altLang="ko-KR" dirty="0"/>
-              <a:t>&lt;form action=“</a:t>
-            </a:r>
-            <a:r>
-              <a:rPr lang="ko-KR" altLang="en-US" dirty="0"/>
-              <a:t>서버경로</a:t>
-            </a:r>
-            <a:r>
-              <a:rPr lang="en-US" altLang="ko-KR" dirty="0"/>
-              <a:t>” method=“</a:t>
-            </a:r>
-            <a:r>
-              <a:rPr lang="ko-KR" altLang="en-US" dirty="0"/>
-              <a:t>전송방식</a:t>
-            </a:r>
-            <a:r>
-              <a:rPr lang="en-US" altLang="ko-KR" dirty="0"/>
-              <a:t>”&gt;</a:t>
-            </a:r>
-          </a:p>
-          <a:p>
-            <a:pPr marL="0" indent="0">
-              <a:buNone/>
-            </a:pPr>
-            <a:r>
-              <a:rPr lang="en-US" altLang="ko-KR" dirty="0"/>
-              <a:t>    &lt;input type=“text” value=“</a:t>
-            </a:r>
-            <a:r>
-              <a:rPr lang="ko-KR" altLang="en-US" dirty="0"/>
-              <a:t>초기값</a:t>
-            </a:r>
-            <a:r>
-              <a:rPr lang="en-US" altLang="ko-KR" dirty="0"/>
-              <a:t>”&gt;</a:t>
-            </a:r>
-          </a:p>
-          <a:p>
-            <a:pPr marL="0" indent="0">
-              <a:buNone/>
-            </a:pPr>
-            <a:r>
-              <a:rPr lang="en-US" altLang="ko-KR" dirty="0"/>
-              <a:t>    &lt;input type=“number” placeholder=“</a:t>
-            </a:r>
-            <a:r>
-              <a:rPr lang="ko-KR" altLang="en-US" dirty="0"/>
-              <a:t>힌트</a:t>
-            </a:r>
-            <a:r>
-              <a:rPr lang="en-US" altLang="ko-KR" dirty="0"/>
-              <a:t>”&gt;</a:t>
-            </a:r>
-          </a:p>
-          <a:p>
-            <a:pPr marL="0" indent="0">
-              <a:buNone/>
-            </a:pPr>
-            <a:r>
-              <a:rPr lang="en-US" altLang="ko-KR" dirty="0"/>
-              <a:t>    &lt;select&gt;</a:t>
-            </a:r>
-          </a:p>
-          <a:p>
-            <a:pPr marL="0" indent="0">
-              <a:buNone/>
-            </a:pPr>
-            <a:r>
-              <a:rPr lang="en-US" altLang="ko-KR" dirty="0"/>
-              <a:t>        &lt;option&gt;1&lt;/option&gt;</a:t>
-            </a:r>
-          </a:p>
-          <a:p>
-            <a:pPr marL="0" indent="0">
-              <a:buNone/>
-            </a:pPr>
-            <a:r>
-              <a:rPr lang="en-US" altLang="ko-KR" dirty="0"/>
-              <a:t>        &lt;option&gt;2&lt;/option&gt;</a:t>
-            </a:r>
-          </a:p>
-          <a:p>
-            <a:pPr marL="0" indent="0">
-              <a:buNone/>
-            </a:pPr>
-            <a:r>
-              <a:rPr lang="en-US" altLang="ko-KR" dirty="0"/>
-              <a:t>        &lt;option&gt;3&lt;/option&gt;</a:t>
-            </a:r>
-          </a:p>
-          <a:p>
-            <a:pPr marL="0" indent="0">
-              <a:buNone/>
-            </a:pPr>
-            <a:r>
-              <a:rPr lang="en-US" altLang="ko-KR" dirty="0"/>
-              <a:t>    &lt;/select&gt;    &lt;!-- </a:t>
-            </a:r>
-            <a:r>
-              <a:rPr lang="ko-KR" altLang="en-US" dirty="0"/>
-              <a:t>드롭다운</a:t>
-            </a:r>
-            <a:r>
-              <a:rPr lang="en-US" altLang="ko-KR" dirty="0"/>
-              <a:t> --&gt;</a:t>
-            </a:r>
-          </a:p>
-          <a:p>
-            <a:pPr marL="0" indent="0">
-              <a:buNone/>
-            </a:pPr>
-            <a:r>
-              <a:rPr lang="en-US" altLang="ko-KR" dirty="0"/>
-              <a:t>    &lt;</a:t>
-            </a:r>
-            <a:r>
-              <a:rPr lang="en-US" altLang="ko-KR" dirty="0" err="1"/>
-              <a:t>textarea</a:t>
-            </a:r>
-            <a:r>
-              <a:rPr lang="en-US" altLang="ko-KR" dirty="0"/>
-              <a:t>&gt;&lt;/</a:t>
-            </a:r>
-            <a:r>
-              <a:rPr lang="en-US" altLang="ko-KR" dirty="0" err="1"/>
-              <a:t>textarea</a:t>
-            </a:r>
-            <a:r>
-              <a:rPr lang="en-US" altLang="ko-KR" dirty="0"/>
-              <a:t>&gt;</a:t>
-            </a:r>
-          </a:p>
-          <a:p>
-            <a:pPr marL="0" indent="0">
-              <a:buNone/>
-            </a:pPr>
-            <a:r>
-              <a:rPr lang="en-US" altLang="ko-KR" dirty="0"/>
-              <a:t>&lt;/form&gt;</a:t>
-            </a:r>
           </a:p>
         </p:txBody>
       </p:sp>
+      <p:pic>
+        <p:nvPicPr>
+          <p:cNvPr id="5" name="그림 4">
+            <a:extLst>
+              <a:ext uri="{FF2B5EF4-FFF2-40B4-BE49-F238E27FC236}">
+                <a16:creationId xmlns:a16="http://schemas.microsoft.com/office/drawing/2014/main" id="{2C911647-35B7-CF4E-40A5-1262520AF9D3}"/>
+              </a:ext>
+            </a:extLst>
+          </p:cNvPr>
+          <p:cNvPicPr>
+            <a:picLocks noChangeAspect="1"/>
+          </p:cNvPicPr>
+          <p:nvPr/>
+        </p:nvPicPr>
+        <p:blipFill>
+          <a:blip r:embed="rId2"/>
+          <a:stretch>
+            <a:fillRect/>
+          </a:stretch>
+        </p:blipFill>
+        <p:spPr>
+          <a:xfrm>
+            <a:off x="0" y="1740435"/>
+            <a:ext cx="3821766" cy="3600953"/>
+          </a:xfrm>
+          <a:prstGeom prst="rect">
+            <a:avLst/>
+          </a:prstGeom>
+        </p:spPr>
+      </p:pic>
+      <p:pic>
+        <p:nvPicPr>
+          <p:cNvPr id="7" name="그림 6">
+            <a:extLst>
+              <a:ext uri="{FF2B5EF4-FFF2-40B4-BE49-F238E27FC236}">
+                <a16:creationId xmlns:a16="http://schemas.microsoft.com/office/drawing/2014/main" id="{B33555FC-7B92-0A02-BD65-6513DFD0261F}"/>
+              </a:ext>
+            </a:extLst>
+          </p:cNvPr>
+          <p:cNvPicPr>
+            <a:picLocks noChangeAspect="1"/>
+          </p:cNvPicPr>
+          <p:nvPr/>
+        </p:nvPicPr>
+        <p:blipFill>
+          <a:blip r:embed="rId3"/>
+          <a:stretch>
+            <a:fillRect/>
+          </a:stretch>
+        </p:blipFill>
+        <p:spPr>
+          <a:xfrm>
+            <a:off x="4199102" y="1740435"/>
+            <a:ext cx="3724795" cy="3600953"/>
+          </a:xfrm>
+          <a:prstGeom prst="rect">
+            <a:avLst/>
+          </a:prstGeom>
+        </p:spPr>
+      </p:pic>
+      <p:pic>
+        <p:nvPicPr>
+          <p:cNvPr id="10" name="그림 9">
+            <a:extLst>
+              <a:ext uri="{FF2B5EF4-FFF2-40B4-BE49-F238E27FC236}">
+                <a16:creationId xmlns:a16="http://schemas.microsoft.com/office/drawing/2014/main" id="{F184FE54-513B-7562-223A-E4F743CEE18C}"/>
+              </a:ext>
+            </a:extLst>
+          </p:cNvPr>
+          <p:cNvPicPr>
+            <a:picLocks noChangeAspect="1"/>
+          </p:cNvPicPr>
+          <p:nvPr/>
+        </p:nvPicPr>
+        <p:blipFill>
+          <a:blip r:embed="rId4"/>
+          <a:stretch>
+            <a:fillRect/>
+          </a:stretch>
+        </p:blipFill>
+        <p:spPr>
+          <a:xfrm>
+            <a:off x="8301234" y="1722807"/>
+            <a:ext cx="3596290" cy="3618581"/>
+          </a:xfrm>
+          <a:prstGeom prst="rect">
+            <a:avLst/>
+          </a:prstGeom>
+        </p:spPr>
+      </p:pic>
     </p:spTree>
     <p:extLst>
       <p:ext uri="{BB962C8B-B14F-4D97-AF65-F5344CB8AC3E}">
-        <p14:creationId xmlns:p14="http://schemas.microsoft.com/office/powerpoint/2010/main" val="1971886144"/>
+        <p14:creationId xmlns:p14="http://schemas.microsoft.com/office/powerpoint/2010/main" val="4018762074"/>
       </p:ext>
     </p:extLst>
   </p:cSld>
@@ -18007,7 +14801,7 @@
         <p:cNvPr id="1" name="">
           <a:extLst>
             <a:ext uri="{FF2B5EF4-FFF2-40B4-BE49-F238E27FC236}">
-              <a16:creationId xmlns:a16="http://schemas.microsoft.com/office/drawing/2014/main" id="{D0192D05-9036-2B3A-0DD0-0067AC38079D}"/>
+              <a16:creationId xmlns:a16="http://schemas.microsoft.com/office/drawing/2014/main" id="{B65E9C76-FB9B-34DF-347B-535EE5ECE525}"/>
             </a:ext>
           </a:extLst>
         </p:cNvPr>
@@ -18027,7 +14821,7 @@
           <p:cNvPr id="3" name="내용 개체 틀 2">
             <a:extLst>
               <a:ext uri="{FF2B5EF4-FFF2-40B4-BE49-F238E27FC236}">
-                <a16:creationId xmlns:a16="http://schemas.microsoft.com/office/drawing/2014/main" id="{F95F9618-C28F-2F07-6509-C3485D34650E}"/>
+                <a16:creationId xmlns:a16="http://schemas.microsoft.com/office/drawing/2014/main" id="{92E3418B-4EB5-271F-F771-44C95B597C3B}"/>
               </a:ext>
             </a:extLst>
           </p:cNvPr>
@@ -18055,124 +14849,7 @@
             </a:pPr>
             <a:r>
               <a:rPr lang="en-US" altLang="ko-KR" dirty="0"/>
-              <a:t>2. HTML </a:t>
-            </a:r>
-            <a:r>
-              <a:rPr lang="ko-KR" altLang="en-US" dirty="0"/>
-              <a:t>기초</a:t>
-            </a:r>
-            <a:endParaRPr lang="en-US" altLang="ko-KR" dirty="0"/>
-          </a:p>
-          <a:p>
-            <a:pPr marL="0" indent="0">
-              <a:buNone/>
-            </a:pPr>
-            <a:endParaRPr lang="en-US" altLang="ko-KR" dirty="0"/>
-          </a:p>
-          <a:p>
-            <a:pPr marL="0" indent="0">
-              <a:buNone/>
-            </a:pPr>
-            <a:r>
-              <a:rPr lang="en-US" altLang="ko-KR" dirty="0"/>
-              <a:t>form / input</a:t>
-            </a:r>
-          </a:p>
-          <a:p>
-            <a:pPr marL="0" indent="0">
-              <a:buNone/>
-            </a:pPr>
-            <a:endParaRPr lang="en-US" altLang="ko-KR" dirty="0"/>
-          </a:p>
-          <a:p>
-            <a:pPr marL="0" indent="0">
-              <a:buNone/>
-            </a:pPr>
-            <a:r>
-              <a:rPr lang="en-US" altLang="ko-KR" dirty="0"/>
-              <a:t>&lt;form action=“</a:t>
-            </a:r>
-            <a:r>
-              <a:rPr lang="ko-KR" altLang="en-US" dirty="0"/>
-              <a:t>서버경로</a:t>
-            </a:r>
-            <a:r>
-              <a:rPr lang="en-US" altLang="ko-KR" dirty="0"/>
-              <a:t>” method=“</a:t>
-            </a:r>
-            <a:r>
-              <a:rPr lang="ko-KR" altLang="en-US" dirty="0"/>
-              <a:t>전송방식</a:t>
-            </a:r>
-            <a:r>
-              <a:rPr lang="en-US" altLang="ko-KR" dirty="0"/>
-              <a:t>”&gt;</a:t>
-            </a:r>
-          </a:p>
-          <a:p>
-            <a:pPr marL="0" indent="0">
-              <a:buNone/>
-            </a:pPr>
-            <a:r>
-              <a:rPr lang="en-US" altLang="ko-KR" dirty="0"/>
-              <a:t>    &lt;input type=“text” placeholder=“</a:t>
-            </a:r>
-            <a:r>
-              <a:rPr lang="ko-KR" altLang="en-US" dirty="0"/>
-              <a:t>힌트</a:t>
-            </a:r>
-            <a:r>
-              <a:rPr lang="en-US" altLang="ko-KR" dirty="0"/>
-              <a:t>”&gt;</a:t>
-            </a:r>
-          </a:p>
-          <a:p>
-            <a:pPr marL="0" indent="0">
-              <a:buNone/>
-            </a:pPr>
-            <a:endParaRPr lang="en-US" altLang="ko-KR" dirty="0"/>
-          </a:p>
-          <a:p>
-            <a:pPr marL="0" indent="0">
-              <a:buNone/>
-            </a:pPr>
-            <a:r>
-              <a:rPr lang="en-US" altLang="ko-KR" dirty="0"/>
-              <a:t>    &lt;input type=“checkbox” id=“</a:t>
-            </a:r>
-            <a:r>
-              <a:rPr lang="en-US" altLang="ko-KR" dirty="0" err="1"/>
-              <a:t>chk</a:t>
-            </a:r>
-            <a:r>
-              <a:rPr lang="en-US" altLang="ko-KR" dirty="0"/>
-              <a:t>”&gt;</a:t>
-            </a:r>
-          </a:p>
-          <a:p>
-            <a:pPr marL="0" indent="0">
-              <a:buNone/>
-            </a:pPr>
-            <a:r>
-              <a:rPr lang="en-US" altLang="ko-KR" dirty="0"/>
-              <a:t>    &lt;label for=“</a:t>
-            </a:r>
-            <a:r>
-              <a:rPr lang="en-US" altLang="ko-KR" dirty="0" err="1"/>
-              <a:t>chk</a:t>
-            </a:r>
-            <a:r>
-              <a:rPr lang="en-US" altLang="ko-KR" dirty="0"/>
-              <a:t>”&gt;Check this!&lt;/label&gt;</a:t>
-            </a:r>
-          </a:p>
-          <a:p>
-            <a:pPr marL="0" indent="0">
-              <a:buNone/>
-            </a:pPr>
-            <a:r>
-              <a:rPr lang="en-US" altLang="ko-KR" dirty="0"/>
-              <a:t>&lt;/form&gt;</a:t>
+              <a:t>- grid2</a:t>
             </a:r>
           </a:p>
           <a:p>
@@ -18189,10 +14866,100 @@
           </a:p>
         </p:txBody>
       </p:sp>
+      <p:pic>
+        <p:nvPicPr>
+          <p:cNvPr id="2" name="그림 1">
+            <a:extLst>
+              <a:ext uri="{FF2B5EF4-FFF2-40B4-BE49-F238E27FC236}">
+                <a16:creationId xmlns:a16="http://schemas.microsoft.com/office/drawing/2014/main" id="{8AAA49F0-A531-BB85-1E5A-06D132D9EEEB}"/>
+              </a:ext>
+            </a:extLst>
+          </p:cNvPr>
+          <p:cNvPicPr>
+            <a:picLocks noChangeAspect="1"/>
+          </p:cNvPicPr>
+          <p:nvPr/>
+        </p:nvPicPr>
+        <p:blipFill>
+          <a:blip r:embed="rId2"/>
+          <a:stretch>
+            <a:fillRect/>
+          </a:stretch>
+        </p:blipFill>
+        <p:spPr>
+          <a:xfrm>
+            <a:off x="0" y="1740435"/>
+            <a:ext cx="3821766" cy="3600953"/>
+          </a:xfrm>
+          <a:prstGeom prst="rect">
+            <a:avLst/>
+          </a:prstGeom>
+        </p:spPr>
+      </p:pic>
+      <p:pic>
+        <p:nvPicPr>
+          <p:cNvPr id="6" name="그림 5">
+            <a:extLst>
+              <a:ext uri="{FF2B5EF4-FFF2-40B4-BE49-F238E27FC236}">
+                <a16:creationId xmlns:a16="http://schemas.microsoft.com/office/drawing/2014/main" id="{45D2E907-389D-AE84-70B6-433C6A7E4A19}"/>
+              </a:ext>
+            </a:extLst>
+          </p:cNvPr>
+          <p:cNvPicPr>
+            <a:picLocks noChangeAspect="1"/>
+          </p:cNvPicPr>
+          <p:nvPr/>
+        </p:nvPicPr>
+        <p:blipFill>
+          <a:blip r:embed="rId3"/>
+          <a:stretch>
+            <a:fillRect/>
+          </a:stretch>
+        </p:blipFill>
+        <p:spPr>
+          <a:xfrm>
+            <a:off x="4001416" y="314696"/>
+            <a:ext cx="3821766" cy="6340658"/>
+          </a:xfrm>
+          <a:prstGeom prst="rect">
+            <a:avLst/>
+          </a:prstGeom>
+        </p:spPr>
+      </p:pic>
+      <p:pic>
+        <p:nvPicPr>
+          <p:cNvPr id="9" name="그림 8">
+            <a:extLst>
+              <a:ext uri="{FF2B5EF4-FFF2-40B4-BE49-F238E27FC236}">
+                <a16:creationId xmlns:a16="http://schemas.microsoft.com/office/drawing/2014/main" id="{FB2C5245-ECF3-2CAE-D42E-6FAA3825C161}"/>
+              </a:ext>
+            </a:extLst>
+          </p:cNvPr>
+          <p:cNvPicPr>
+            <a:picLocks noChangeAspect="1"/>
+          </p:cNvPicPr>
+          <p:nvPr/>
+        </p:nvPicPr>
+        <p:blipFill>
+          <a:blip r:embed="rId4"/>
+          <a:stretch>
+            <a:fillRect/>
+          </a:stretch>
+        </p:blipFill>
+        <p:spPr>
+          <a:xfrm>
+            <a:off x="8423086" y="1919053"/>
+            <a:ext cx="3234189" cy="3243715"/>
+          </a:xfrm>
+          <a:prstGeom prst="rect">
+            <a:avLst/>
+          </a:prstGeom>
+        </p:spPr>
+      </p:pic>
     </p:spTree>
     <p:extLst>
       <p:ext uri="{BB962C8B-B14F-4D97-AF65-F5344CB8AC3E}">
-        <p14:creationId xmlns:p14="http://schemas.microsoft.com/office/powerpoint/2010/main" val="1523792311"/>
+        <p14:creationId xmlns:p14="http://schemas.microsoft.com/office/powerpoint/2010/main" val="1907496885"/>
       </p:ext>
     </p:extLst>
   </p:cSld>
@@ -18210,7 +14977,7 @@
         <p:cNvPr id="1" name="">
           <a:extLst>
             <a:ext uri="{FF2B5EF4-FFF2-40B4-BE49-F238E27FC236}">
-              <a16:creationId xmlns:a16="http://schemas.microsoft.com/office/drawing/2014/main" id="{22504861-1E91-E75B-2204-03FD50B397FE}"/>
+              <a16:creationId xmlns:a16="http://schemas.microsoft.com/office/drawing/2014/main" id="{794F6009-3BF6-D726-1CEB-177FE14BCBDA}"/>
             </a:ext>
           </a:extLst>
         </p:cNvPr>
@@ -18230,7 +14997,7 @@
           <p:cNvPr id="3" name="내용 개체 틀 2">
             <a:extLst>
               <a:ext uri="{FF2B5EF4-FFF2-40B4-BE49-F238E27FC236}">
-                <a16:creationId xmlns:a16="http://schemas.microsoft.com/office/drawing/2014/main" id="{D9E78BF6-98A0-91DA-DCE5-04A04852537A}"/>
+                <a16:creationId xmlns:a16="http://schemas.microsoft.com/office/drawing/2014/main" id="{DFCB36D5-DBF5-6C4A-BBB6-A2064CB16954}"/>
               </a:ext>
             </a:extLst>
           </p:cNvPr>
@@ -18258,34 +15025,8 @@
             </a:pPr>
             <a:r>
               <a:rPr lang="en-US" altLang="ko-KR" dirty="0"/>
-              <a:t>3. CSS </a:t>
-            </a:r>
-            <a:r>
-              <a:rPr lang="ko-KR" altLang="en-US" dirty="0"/>
-              <a:t>기초</a:t>
-            </a:r>
-            <a:endParaRPr lang="en-US" altLang="ko-KR" dirty="0"/>
-          </a:p>
-          <a:p>
-            <a:pPr marL="0" indent="0">
-              <a:buNone/>
-            </a:pPr>
-            <a:endParaRPr lang="en-US" altLang="ko-KR" dirty="0"/>
-          </a:p>
-          <a:p>
-            <a:pPr marL="0" indent="0">
-              <a:buNone/>
-            </a:pPr>
-            <a:r>
-              <a:rPr lang="en-US" altLang="ko-KR" dirty="0"/>
-              <a:t>form / input</a:t>
-            </a:r>
-          </a:p>
-          <a:p>
-            <a:pPr marL="0" indent="0">
-              <a:buNone/>
-            </a:pPr>
-            <a:endParaRPr lang="en-US" altLang="ko-KR" dirty="0"/>
+              <a:t>- grid3</a:t>
+            </a:r>
           </a:p>
           <a:p>
             <a:pPr marL="0" indent="0">
@@ -18303,10 +15044,10 @@
       </p:sp>
       <p:pic>
         <p:nvPicPr>
-          <p:cNvPr id="9" name="그림 8">
+          <p:cNvPr id="4" name="그림 3">
             <a:extLst>
               <a:ext uri="{FF2B5EF4-FFF2-40B4-BE49-F238E27FC236}">
-                <a16:creationId xmlns:a16="http://schemas.microsoft.com/office/drawing/2014/main" id="{6CE9F3F0-AC9E-B93F-222A-8DE3E38931A2}"/>
+                <a16:creationId xmlns:a16="http://schemas.microsoft.com/office/drawing/2014/main" id="{EAB1C03E-FA94-37F1-6BBB-7B87F82E9F70}"/>
               </a:ext>
             </a:extLst>
           </p:cNvPr>
@@ -18323,8 +15064,68 @@
         </p:blipFill>
         <p:spPr>
           <a:xfrm>
-            <a:off x="3617976" y="905406"/>
-            <a:ext cx="5367528" cy="5722102"/>
+            <a:off x="0" y="3696399"/>
+            <a:ext cx="6427105" cy="3161601"/>
+          </a:xfrm>
+          <a:prstGeom prst="rect">
+            <a:avLst/>
+          </a:prstGeom>
+        </p:spPr>
+      </p:pic>
+      <p:pic>
+        <p:nvPicPr>
+          <p:cNvPr id="6" name="그림 5">
+            <a:extLst>
+              <a:ext uri="{FF2B5EF4-FFF2-40B4-BE49-F238E27FC236}">
+                <a16:creationId xmlns:a16="http://schemas.microsoft.com/office/drawing/2014/main" id="{184DF9CE-C3A1-E9CC-F477-028D1BFC6C8E}"/>
+              </a:ext>
+            </a:extLst>
+          </p:cNvPr>
+          <p:cNvPicPr>
+            <a:picLocks noChangeAspect="1"/>
+          </p:cNvPicPr>
+          <p:nvPr/>
+        </p:nvPicPr>
+        <p:blipFill>
+          <a:blip r:embed="rId3"/>
+          <a:stretch>
+            <a:fillRect/>
+          </a:stretch>
+        </p:blipFill>
+        <p:spPr>
+          <a:xfrm>
+            <a:off x="6845722" y="314696"/>
+            <a:ext cx="4957481" cy="6543304"/>
+          </a:xfrm>
+          <a:prstGeom prst="rect">
+            <a:avLst/>
+          </a:prstGeom>
+        </p:spPr>
+      </p:pic>
+      <p:pic>
+        <p:nvPicPr>
+          <p:cNvPr id="8" name="그림 7">
+            <a:extLst>
+              <a:ext uri="{FF2B5EF4-FFF2-40B4-BE49-F238E27FC236}">
+                <a16:creationId xmlns:a16="http://schemas.microsoft.com/office/drawing/2014/main" id="{6ECAB818-926C-2C37-9E49-3E6EB0589E5B}"/>
+              </a:ext>
+            </a:extLst>
+          </p:cNvPr>
+          <p:cNvPicPr>
+            <a:picLocks noChangeAspect="1"/>
+          </p:cNvPicPr>
+          <p:nvPr/>
+        </p:nvPicPr>
+        <p:blipFill>
+          <a:blip r:embed="rId4"/>
+          <a:stretch>
+            <a:fillRect/>
+          </a:stretch>
+        </p:blipFill>
+        <p:spPr>
+          <a:xfrm>
+            <a:off x="2663364" y="457318"/>
+            <a:ext cx="3096459" cy="3096459"/>
           </a:xfrm>
           <a:prstGeom prst="rect">
             <a:avLst/>
@@ -18334,7 +15135,7 @@
     </p:spTree>
     <p:extLst>
       <p:ext uri="{BB962C8B-B14F-4D97-AF65-F5344CB8AC3E}">
-        <p14:creationId xmlns:p14="http://schemas.microsoft.com/office/powerpoint/2010/main" val="2750758045"/>
+        <p14:creationId xmlns:p14="http://schemas.microsoft.com/office/powerpoint/2010/main" val="3074951497"/>
       </p:ext>
     </p:extLst>
   </p:cSld>
@@ -18352,7 +15153,7 @@
         <p:cNvPr id="1" name="">
           <a:extLst>
             <a:ext uri="{FF2B5EF4-FFF2-40B4-BE49-F238E27FC236}">
-              <a16:creationId xmlns:a16="http://schemas.microsoft.com/office/drawing/2014/main" id="{F52A553D-57CD-C7A3-023A-C1C88C4746DB}"/>
+              <a16:creationId xmlns:a16="http://schemas.microsoft.com/office/drawing/2014/main" id="{133CD5C8-E356-4874-311A-B738C8648CE7}"/>
             </a:ext>
           </a:extLst>
         </p:cNvPr>
@@ -18372,7 +15173,7 @@
           <p:cNvPr id="3" name="내용 개체 틀 2">
             <a:extLst>
               <a:ext uri="{FF2B5EF4-FFF2-40B4-BE49-F238E27FC236}">
-                <a16:creationId xmlns:a16="http://schemas.microsoft.com/office/drawing/2014/main" id="{879C4787-CB9A-C6C5-E9A5-F53EE6BD7382}"/>
+                <a16:creationId xmlns:a16="http://schemas.microsoft.com/office/drawing/2014/main" id="{F0E21416-562A-261A-D734-91DC908D21FA}"/>
               </a:ext>
             </a:extLst>
           </p:cNvPr>
@@ -18400,18 +15201,16 @@
             </a:pPr>
             <a:r>
               <a:rPr lang="en-US" altLang="ko-KR" dirty="0"/>
-              <a:t>2. HTML </a:t>
+              <a:t>- grid4 (</a:t>
             </a:r>
             <a:r>
               <a:rPr lang="ko-KR" altLang="en-US" dirty="0"/>
-              <a:t>기초</a:t>
-            </a:r>
-            <a:endParaRPr lang="en-US" altLang="ko-KR" dirty="0"/>
-          </a:p>
-          <a:p>
-            <a:pPr marL="0" indent="0">
-              <a:buNone/>
-            </a:pPr>
+              <a:t>반응형</a:t>
+            </a:r>
+            <a:r>
+              <a:rPr lang="en-US" altLang="ko-KR"/>
+              <a:t>)</a:t>
+            </a:r>
             <a:endParaRPr lang="en-US" altLang="ko-KR" dirty="0"/>
           </a:p>
           <a:p>
@@ -18430,10 +15229,10 @@
       </p:sp>
       <p:pic>
         <p:nvPicPr>
-          <p:cNvPr id="10" name="그림 9">
+          <p:cNvPr id="4" name="그림 3">
             <a:extLst>
               <a:ext uri="{FF2B5EF4-FFF2-40B4-BE49-F238E27FC236}">
-                <a16:creationId xmlns:a16="http://schemas.microsoft.com/office/drawing/2014/main" id="{380D079C-4514-DE1E-88AC-EA99E11C6859}"/>
+                <a16:creationId xmlns:a16="http://schemas.microsoft.com/office/drawing/2014/main" id="{68A3043C-F0CB-64E5-4430-753399C42A0C}"/>
               </a:ext>
             </a:extLst>
           </p:cNvPr>
@@ -18450,8 +15249,38 @@
         </p:blipFill>
         <p:spPr>
           <a:xfrm>
-            <a:off x="3316188" y="1761191"/>
-            <a:ext cx="4904374" cy="3822745"/>
+            <a:off x="0" y="1501396"/>
+            <a:ext cx="4710318" cy="4433240"/>
+          </a:xfrm>
+          <a:prstGeom prst="rect">
+            <a:avLst/>
+          </a:prstGeom>
+        </p:spPr>
+      </p:pic>
+      <p:pic>
+        <p:nvPicPr>
+          <p:cNvPr id="6" name="그림 5">
+            <a:extLst>
+              <a:ext uri="{FF2B5EF4-FFF2-40B4-BE49-F238E27FC236}">
+                <a16:creationId xmlns:a16="http://schemas.microsoft.com/office/drawing/2014/main" id="{6EB9CD66-AABD-E922-7021-941C14B7FD36}"/>
+              </a:ext>
+            </a:extLst>
+          </p:cNvPr>
+          <p:cNvPicPr>
+            <a:picLocks noChangeAspect="1"/>
+          </p:cNvPicPr>
+          <p:nvPr/>
+        </p:nvPicPr>
+        <p:blipFill>
+          <a:blip r:embed="rId3"/>
+          <a:stretch>
+            <a:fillRect/>
+          </a:stretch>
+        </p:blipFill>
+        <p:spPr>
+          <a:xfrm>
+            <a:off x="5247362" y="805114"/>
+            <a:ext cx="6299445" cy="5825803"/>
           </a:xfrm>
           <a:prstGeom prst="rect">
             <a:avLst/>
@@ -18461,7 +15290,7 @@
     </p:spTree>
     <p:extLst>
       <p:ext uri="{BB962C8B-B14F-4D97-AF65-F5344CB8AC3E}">
-        <p14:creationId xmlns:p14="http://schemas.microsoft.com/office/powerpoint/2010/main" val="3692923431"/>
+        <p14:creationId xmlns:p14="http://schemas.microsoft.com/office/powerpoint/2010/main" val="405922956"/>
       </p:ext>
     </p:extLst>
   </p:cSld>
@@ -18479,7 +15308,7 @@
         <p:cNvPr id="1" name="">
           <a:extLst>
             <a:ext uri="{FF2B5EF4-FFF2-40B4-BE49-F238E27FC236}">
-              <a16:creationId xmlns:a16="http://schemas.microsoft.com/office/drawing/2014/main" id="{29B648FE-2339-F8D3-DEDE-ADB3E6D349A5}"/>
+              <a16:creationId xmlns:a16="http://schemas.microsoft.com/office/drawing/2014/main" id="{6AD992A7-590A-E6BA-C411-37ED44545750}"/>
             </a:ext>
           </a:extLst>
         </p:cNvPr>
@@ -18499,7 +15328,7 @@
           <p:cNvPr id="3" name="내용 개체 틀 2">
             <a:extLst>
               <a:ext uri="{FF2B5EF4-FFF2-40B4-BE49-F238E27FC236}">
-                <a16:creationId xmlns:a16="http://schemas.microsoft.com/office/drawing/2014/main" id="{6C99757D-1E09-B5B2-5565-0A3475CB6667}"/>
+                <a16:creationId xmlns:a16="http://schemas.microsoft.com/office/drawing/2014/main" id="{C2361DE9-8215-4732-B413-DCCDE891A4E2}"/>
               </a:ext>
             </a:extLst>
           </p:cNvPr>
@@ -18527,19 +15356,8 @@
             </a:pPr>
             <a:r>
               <a:rPr lang="en-US" altLang="ko-KR" dirty="0"/>
-              <a:t>3. CSS </a:t>
-            </a:r>
-            <a:r>
-              <a:rPr lang="ko-KR" altLang="en-US" dirty="0"/>
-              <a:t>기초</a:t>
-            </a:r>
-            <a:endParaRPr lang="en-US" altLang="ko-KR" dirty="0"/>
-          </a:p>
-          <a:p>
-            <a:pPr marL="0" indent="0">
-              <a:buNone/>
-            </a:pPr>
-            <a:endParaRPr lang="en-US" altLang="ko-KR" dirty="0"/>
+              <a:t>- Responsive</a:t>
+            </a:r>
           </a:p>
           <a:p>
             <a:pPr marL="0" indent="0">
@@ -18560,7 +15378,7 @@
           <p:cNvPr id="4" name="그림 3">
             <a:extLst>
               <a:ext uri="{FF2B5EF4-FFF2-40B4-BE49-F238E27FC236}">
-                <a16:creationId xmlns:a16="http://schemas.microsoft.com/office/drawing/2014/main" id="{43AE664D-0E18-A1C0-DA79-C93E3BA8694F}"/>
+                <a16:creationId xmlns:a16="http://schemas.microsoft.com/office/drawing/2014/main" id="{2068FC84-A4D0-BE5B-A9D7-632149A28DC8}"/>
               </a:ext>
             </a:extLst>
           </p:cNvPr>
@@ -18577,8 +15395,8 @@
         </p:blipFill>
         <p:spPr>
           <a:xfrm>
-            <a:off x="2585547" y="1576129"/>
-            <a:ext cx="7020905" cy="3705742"/>
+            <a:off x="693897" y="871493"/>
+            <a:ext cx="7546828" cy="5862268"/>
           </a:xfrm>
           <a:prstGeom prst="rect">
             <a:avLst/>
@@ -18588,7 +15406,7 @@
     </p:spTree>
     <p:extLst>
       <p:ext uri="{BB962C8B-B14F-4D97-AF65-F5344CB8AC3E}">
-        <p14:creationId xmlns:p14="http://schemas.microsoft.com/office/powerpoint/2010/main" val="1373809754"/>
+        <p14:creationId xmlns:p14="http://schemas.microsoft.com/office/powerpoint/2010/main" val="4092171273"/>
       </p:ext>
     </p:extLst>
   </p:cSld>

--- a/htmlcss수업참고자료.pptx
+++ b/htmlcss수업참고자료.pptx
@@ -5,7 +5,7 @@
     <p:sldMasterId id="2147483660" r:id="rId1"/>
   </p:sldMasterIdLst>
   <p:notesMasterIdLst>
-    <p:notesMasterId r:id="rId52"/>
+    <p:notesMasterId r:id="rId56"/>
   </p:notesMasterIdLst>
   <p:sldIdLst>
     <p:sldId id="256" r:id="rId2"/>
@@ -58,6 +58,10 @@
     <p:sldId id="326" r:id="rId49"/>
     <p:sldId id="304" r:id="rId50"/>
     <p:sldId id="305" r:id="rId51"/>
+    <p:sldId id="327" r:id="rId52"/>
+    <p:sldId id="328" r:id="rId53"/>
+    <p:sldId id="331" r:id="rId54"/>
+    <p:sldId id="330" r:id="rId55"/>
   </p:sldIdLst>
   <p:sldSz cx="12192000" cy="6858000"/>
   <p:notesSz cx="6858000" cy="9144000"/>
@@ -164,6 +168,14 @@
 </p:presentation>
 </file>
 
+<file path=ppt/revisionInfo.xml><?xml version="1.0" encoding="utf-8"?>
+<p1510:revInfo xmlns:a="http://schemas.openxmlformats.org/drawingml/2006/main" xmlns:r="http://schemas.openxmlformats.org/officeDocument/2006/relationships" xmlns:p1510="http://schemas.microsoft.com/office/powerpoint/2015/10/main">
+  <p1510:revLst>
+    <p1510:client id="{EE61E207-A62E-AB2F-42EA-345C6BFD24E6}" v="33" dt="2025-04-12T00:36:22.672"/>
+  </p1510:revLst>
+</p1510:revInfo>
+</file>
+
 <file path=ppt/notesMasters/notesMaster1.xml><?xml version="1.0" encoding="utf-8"?>
 <p:notesMaster xmlns:a="http://schemas.openxmlformats.org/drawingml/2006/main" xmlns:r="http://schemas.openxmlformats.org/officeDocument/2006/relationships" xmlns:p="http://schemas.openxmlformats.org/presentationml/2006/main">
   <p:cSld>
@@ -246,7 +258,7 @@
           <a:p>
             <a:fld id="{2DBDA9EE-54A2-477C-AEB9-809997B96F67}" type="datetimeFigureOut">
               <a:rPr lang="ko-KR" altLang="en-US" smtClean="0"/>
-              <a:t>2025-04-12</a:t>
+              <a:t>2025-04-11</a:t>
             </a:fld>
             <a:endParaRPr lang="ko-KR" altLang="en-US"/>
           </a:p>
@@ -1004,7 +1016,7 @@
           <a:p>
             <a:fld id="{C2B98DBC-31B0-4B92-AF78-88FAE7396B67}" type="datetimeFigureOut">
               <a:rPr lang="ko-KR" altLang="en-US" smtClean="0"/>
-              <a:t>2025-04-12</a:t>
+              <a:t>2025-04-11</a:t>
             </a:fld>
             <a:endParaRPr lang="ko-KR" altLang="en-US"/>
           </a:p>
@@ -1179,7 +1191,7 @@
           <a:p>
             <a:fld id="{C2B98DBC-31B0-4B92-AF78-88FAE7396B67}" type="datetimeFigureOut">
               <a:rPr lang="ko-KR" altLang="en-US" smtClean="0"/>
-              <a:t>2025-04-12</a:t>
+              <a:t>2025-04-11</a:t>
             </a:fld>
             <a:endParaRPr lang="ko-KR" altLang="en-US"/>
           </a:p>
@@ -1557,7 +1569,7 @@
           <a:p>
             <a:fld id="{C2B98DBC-31B0-4B92-AF78-88FAE7396B67}" type="datetimeFigureOut">
               <a:rPr lang="ko-KR" altLang="en-US" smtClean="0"/>
-              <a:t>2025-04-12</a:t>
+              <a:t>2025-04-11</a:t>
             </a:fld>
             <a:endParaRPr lang="ko-KR" altLang="en-US"/>
           </a:p>
@@ -1727,7 +1739,7 @@
           <a:p>
             <a:fld id="{C2B98DBC-31B0-4B92-AF78-88FAE7396B67}" type="datetimeFigureOut">
               <a:rPr lang="ko-KR" altLang="en-US" smtClean="0"/>
-              <a:t>2025-04-12</a:t>
+              <a:t>2025-04-11</a:t>
             </a:fld>
             <a:endParaRPr lang="ko-KR" altLang="en-US"/>
           </a:p>
@@ -1954,7 +1966,7 @@
           <a:p>
             <a:fld id="{C2B98DBC-31B0-4B92-AF78-88FAE7396B67}" type="datetimeFigureOut">
               <a:rPr lang="ko-KR" altLang="en-US" smtClean="0"/>
-              <a:t>2025-04-12</a:t>
+              <a:t>2025-04-11</a:t>
             </a:fld>
             <a:endParaRPr lang="ko-KR" altLang="en-US"/>
           </a:p>
@@ -2485,7 +2497,7 @@
           <a:p>
             <a:fld id="{C2B98DBC-31B0-4B92-AF78-88FAE7396B67}" type="datetimeFigureOut">
               <a:rPr lang="ko-KR" altLang="en-US" smtClean="0"/>
-              <a:t>2025-04-12</a:t>
+              <a:t>2025-04-11</a:t>
             </a:fld>
             <a:endParaRPr lang="ko-KR" altLang="en-US"/>
           </a:p>
@@ -2981,7 +2993,7 @@
           <a:p>
             <a:fld id="{C2B98DBC-31B0-4B92-AF78-88FAE7396B67}" type="datetimeFigureOut">
               <a:rPr lang="ko-KR" altLang="en-US" smtClean="0"/>
-              <a:t>2025-04-12</a:t>
+              <a:t>2025-04-11</a:t>
             </a:fld>
             <a:endParaRPr lang="ko-KR" altLang="en-US"/>
           </a:p>
@@ -3314,7 +3326,7 @@
           <a:p>
             <a:fld id="{C2B98DBC-31B0-4B92-AF78-88FAE7396B67}" type="datetimeFigureOut">
               <a:rPr lang="ko-KR" altLang="en-US" smtClean="0"/>
-              <a:t>2025-04-12</a:t>
+              <a:t>2025-04-11</a:t>
             </a:fld>
             <a:endParaRPr lang="ko-KR" altLang="en-US"/>
           </a:p>
@@ -3703,7 +3715,7 @@
           <a:p>
             <a:fld id="{C2B98DBC-31B0-4B92-AF78-88FAE7396B67}" type="datetimeFigureOut">
               <a:rPr lang="ko-KR" altLang="en-US" smtClean="0"/>
-              <a:t>2025-04-12</a:t>
+              <a:t>2025-04-11</a:t>
             </a:fld>
             <a:endParaRPr lang="ko-KR" altLang="en-US"/>
           </a:p>
@@ -3927,7 +3939,7 @@
           <a:p>
             <a:fld id="{C2B98DBC-31B0-4B92-AF78-88FAE7396B67}" type="datetimeFigureOut">
               <a:rPr lang="ko-KR" altLang="en-US" smtClean="0"/>
-              <a:t>2025-04-12</a:t>
+              <a:t>2025-04-11</a:t>
             </a:fld>
             <a:endParaRPr lang="ko-KR" altLang="en-US"/>
           </a:p>
@@ -4286,7 +4298,7 @@
           <a:p>
             <a:fld id="{C2B98DBC-31B0-4B92-AF78-88FAE7396B67}" type="datetimeFigureOut">
               <a:rPr lang="ko-KR" altLang="en-US" smtClean="0"/>
-              <a:t>2025-04-12</a:t>
+              <a:t>2025-04-11</a:t>
             </a:fld>
             <a:endParaRPr lang="ko-KR" altLang="en-US"/>
           </a:p>
@@ -4697,7 +4709,7 @@
           <a:p>
             <a:fld id="{C2B98DBC-31B0-4B92-AF78-88FAE7396B67}" type="datetimeFigureOut">
               <a:rPr lang="ko-KR" altLang="en-US" smtClean="0"/>
-              <a:t>2025-04-12</a:t>
+              <a:t>2025-04-11</a:t>
             </a:fld>
             <a:endParaRPr lang="ko-KR" altLang="en-US"/>
           </a:p>
@@ -15883,6 +15895,284 @@
     <p:extLst>
       <p:ext uri="{BB962C8B-B14F-4D97-AF65-F5344CB8AC3E}">
         <p14:creationId xmlns:p14="http://schemas.microsoft.com/office/powerpoint/2010/main" val="2855077764"/>
+      </p:ext>
+    </p:extLst>
+  </p:cSld>
+  <p:clrMapOvr>
+    <a:masterClrMapping/>
+  </p:clrMapOvr>
+</p:sld>
+</file>
+
+<file path=ppt/slides/slide51.xml><?xml version="1.0" encoding="utf-8"?>
+<p:sld xmlns:a="http://schemas.openxmlformats.org/drawingml/2006/main" xmlns:r="http://schemas.openxmlformats.org/officeDocument/2006/relationships" xmlns:p="http://schemas.openxmlformats.org/presentationml/2006/main">
+  <p:cSld>
+    <p:spTree>
+      <p:nvGrpSpPr>
+        <p:cNvPr id="1" name=""/>
+        <p:cNvGrpSpPr/>
+        <p:nvPr/>
+      </p:nvGrpSpPr>
+      <p:grpSpPr>
+        <a:xfrm>
+          <a:off x="0" y="0"/>
+          <a:ext cx="0" cy="0"/>
+          <a:chOff x="0" y="0"/>
+          <a:chExt cx="0" cy="0"/>
+        </a:xfrm>
+      </p:grpSpPr>
+      <p:pic>
+        <p:nvPicPr>
+          <p:cNvPr id="5" name="그림 4" descr="텍스트, 스크린샷, 폰트, 디자인이(가) 표시된 사진&#10;&#10;AI가 생성한 콘텐츠에는 오류가 있을 수 있습니다.">
+            <a:extLst>
+              <a:ext uri="{FF2B5EF4-FFF2-40B4-BE49-F238E27FC236}">
+                <a16:creationId xmlns:a16="http://schemas.microsoft.com/office/drawing/2014/main" id="{7821C134-FBB8-CB7A-2767-248CCA09E4B9}"/>
+              </a:ext>
+            </a:extLst>
+          </p:cNvPr>
+          <p:cNvPicPr>
+            <a:picLocks noChangeAspect="1"/>
+          </p:cNvPicPr>
+          <p:nvPr/>
+        </p:nvPicPr>
+        <p:blipFill>
+          <a:blip r:embed="rId2"/>
+          <a:stretch>
+            <a:fillRect/>
+          </a:stretch>
+        </p:blipFill>
+        <p:spPr>
+          <a:xfrm>
+            <a:off x="1752600" y="685800"/>
+            <a:ext cx="8686800" cy="5486400"/>
+          </a:xfrm>
+          <a:prstGeom prst="rect">
+            <a:avLst/>
+          </a:prstGeom>
+          <a:ln>
+            <a:solidFill>
+              <a:schemeClr val="tx1"/>
+            </a:solidFill>
+          </a:ln>
+        </p:spPr>
+      </p:pic>
+    </p:spTree>
+    <p:extLst>
+      <p:ext uri="{BB962C8B-B14F-4D97-AF65-F5344CB8AC3E}">
+        <p14:creationId xmlns:p14="http://schemas.microsoft.com/office/powerpoint/2010/main" val="1977215958"/>
+      </p:ext>
+    </p:extLst>
+  </p:cSld>
+  <p:clrMapOvr>
+    <a:masterClrMapping/>
+  </p:clrMapOvr>
+</p:sld>
+</file>
+
+<file path=ppt/slides/slide52.xml><?xml version="1.0" encoding="utf-8"?>
+<p:sld xmlns:a="http://schemas.openxmlformats.org/drawingml/2006/main" xmlns:r="http://schemas.openxmlformats.org/officeDocument/2006/relationships" xmlns:p="http://schemas.openxmlformats.org/presentationml/2006/main">
+  <p:cSld>
+    <p:spTree>
+      <p:nvGrpSpPr>
+        <p:cNvPr id="1" name="">
+          <a:extLst>
+            <a:ext uri="{FF2B5EF4-FFF2-40B4-BE49-F238E27FC236}">
+              <a16:creationId xmlns:a16="http://schemas.microsoft.com/office/drawing/2014/main" id="{867555E5-197B-AE25-835F-3FA0CCEF33D3}"/>
+            </a:ext>
+          </a:extLst>
+        </p:cNvPr>
+        <p:cNvGrpSpPr/>
+        <p:nvPr/>
+      </p:nvGrpSpPr>
+      <p:grpSpPr>
+        <a:xfrm>
+          <a:off x="0" y="0"/>
+          <a:ext cx="0" cy="0"/>
+          <a:chOff x="0" y="0"/>
+          <a:chExt cx="0" cy="0"/>
+        </a:xfrm>
+      </p:grpSpPr>
+      <p:pic>
+        <p:nvPicPr>
+          <p:cNvPr id="2" name="그림 1" descr="텍스트, 스크린샷, 폰트, 소프트웨어이(가) 표시된 사진&#10;&#10;AI가 생성한 콘텐츠에는 오류가 있을 수 있습니다.">
+            <a:extLst>
+              <a:ext uri="{FF2B5EF4-FFF2-40B4-BE49-F238E27FC236}">
+                <a16:creationId xmlns:a16="http://schemas.microsoft.com/office/drawing/2014/main" id="{334B1382-127E-4F23-5FBF-5E72F71C73DC}"/>
+              </a:ext>
+            </a:extLst>
+          </p:cNvPr>
+          <p:cNvPicPr>
+            <a:picLocks noChangeAspect="1"/>
+          </p:cNvPicPr>
+          <p:nvPr/>
+        </p:nvPicPr>
+        <p:blipFill>
+          <a:blip r:embed="rId2"/>
+          <a:stretch>
+            <a:fillRect/>
+          </a:stretch>
+        </p:blipFill>
+        <p:spPr>
+          <a:xfrm>
+            <a:off x="1900562" y="529167"/>
+            <a:ext cx="8634293" cy="6170083"/>
+          </a:xfrm>
+          <a:prstGeom prst="rect">
+            <a:avLst/>
+          </a:prstGeom>
+          <a:ln>
+            <a:solidFill>
+              <a:schemeClr val="tx1"/>
+            </a:solidFill>
+          </a:ln>
+        </p:spPr>
+      </p:pic>
+    </p:spTree>
+    <p:extLst>
+      <p:ext uri="{BB962C8B-B14F-4D97-AF65-F5344CB8AC3E}">
+        <p14:creationId xmlns:p14="http://schemas.microsoft.com/office/powerpoint/2010/main" val="4200148867"/>
+      </p:ext>
+    </p:extLst>
+  </p:cSld>
+  <p:clrMapOvr>
+    <a:masterClrMapping/>
+  </p:clrMapOvr>
+</p:sld>
+</file>
+
+<file path=ppt/slides/slide53.xml><?xml version="1.0" encoding="utf-8"?>
+<p:sld xmlns:a="http://schemas.openxmlformats.org/drawingml/2006/main" xmlns:r="http://schemas.openxmlformats.org/officeDocument/2006/relationships" xmlns:p="http://schemas.openxmlformats.org/presentationml/2006/main">
+  <p:cSld>
+    <p:spTree>
+      <p:nvGrpSpPr>
+        <p:cNvPr id="1" name="">
+          <a:extLst>
+            <a:ext uri="{FF2B5EF4-FFF2-40B4-BE49-F238E27FC236}">
+              <a16:creationId xmlns:a16="http://schemas.microsoft.com/office/drawing/2014/main" id="{8B20B3DD-0F96-CCBF-2A7B-5C69F5ADF0F4}"/>
+            </a:ext>
+          </a:extLst>
+        </p:cNvPr>
+        <p:cNvGrpSpPr/>
+        <p:nvPr/>
+      </p:nvGrpSpPr>
+      <p:grpSpPr>
+        <a:xfrm>
+          <a:off x="0" y="0"/>
+          <a:ext cx="0" cy="0"/>
+          <a:chOff x="0" y="0"/>
+          <a:chExt cx="0" cy="0"/>
+        </a:xfrm>
+      </p:grpSpPr>
+      <p:pic>
+        <p:nvPicPr>
+          <p:cNvPr id="2" name="그림 1" descr="텍스트, 전자제품, 스크린샷, 폰트이(가) 표시된 사진&#10;&#10;AI가 생성한 콘텐츠에는 오류가 있을 수 있습니다.">
+            <a:extLst>
+              <a:ext uri="{FF2B5EF4-FFF2-40B4-BE49-F238E27FC236}">
+                <a16:creationId xmlns:a16="http://schemas.microsoft.com/office/drawing/2014/main" id="{06758AF1-8B39-83E8-1CAF-19F8CC4FBB7F}"/>
+              </a:ext>
+            </a:extLst>
+          </p:cNvPr>
+          <p:cNvPicPr>
+            <a:picLocks noChangeAspect="1"/>
+          </p:cNvPicPr>
+          <p:nvPr/>
+        </p:nvPicPr>
+        <p:blipFill>
+          <a:blip r:embed="rId2"/>
+          <a:stretch>
+            <a:fillRect/>
+          </a:stretch>
+        </p:blipFill>
+        <p:spPr>
+          <a:xfrm>
+            <a:off x="1581150" y="542925"/>
+            <a:ext cx="9029700" cy="5772150"/>
+          </a:xfrm>
+          <a:prstGeom prst="rect">
+            <a:avLst/>
+          </a:prstGeom>
+          <a:ln>
+            <a:solidFill>
+              <a:schemeClr val="tx1"/>
+            </a:solidFill>
+          </a:ln>
+        </p:spPr>
+      </p:pic>
+    </p:spTree>
+    <p:extLst>
+      <p:ext uri="{BB962C8B-B14F-4D97-AF65-F5344CB8AC3E}">
+        <p14:creationId xmlns:p14="http://schemas.microsoft.com/office/powerpoint/2010/main" val="3611878792"/>
+      </p:ext>
+    </p:extLst>
+  </p:cSld>
+  <p:clrMapOvr>
+    <a:masterClrMapping/>
+  </p:clrMapOvr>
+</p:sld>
+</file>
+
+<file path=ppt/slides/slide54.xml><?xml version="1.0" encoding="utf-8"?>
+<p:sld xmlns:a="http://schemas.openxmlformats.org/drawingml/2006/main" xmlns:r="http://schemas.openxmlformats.org/officeDocument/2006/relationships" xmlns:p="http://schemas.openxmlformats.org/presentationml/2006/main">
+  <p:cSld>
+    <p:spTree>
+      <p:nvGrpSpPr>
+        <p:cNvPr id="1" name="">
+          <a:extLst>
+            <a:ext uri="{FF2B5EF4-FFF2-40B4-BE49-F238E27FC236}">
+              <a16:creationId xmlns:a16="http://schemas.microsoft.com/office/drawing/2014/main" id="{9BA19BA1-F5C4-7CD4-732D-7A3296CF8D2B}"/>
+            </a:ext>
+          </a:extLst>
+        </p:cNvPr>
+        <p:cNvGrpSpPr/>
+        <p:nvPr/>
+      </p:nvGrpSpPr>
+      <p:grpSpPr>
+        <a:xfrm>
+          <a:off x="0" y="0"/>
+          <a:ext cx="0" cy="0"/>
+          <a:chOff x="0" y="0"/>
+          <a:chExt cx="0" cy="0"/>
+        </a:xfrm>
+      </p:grpSpPr>
+      <p:pic>
+        <p:nvPicPr>
+          <p:cNvPr id="4" name="그림 3" descr="텍스트, 스크린샷, 운영 체제, 폰트이(가) 표시된 사진&#10;&#10;AI가 생성한 콘텐츠에는 오류가 있을 수 있습니다.">
+            <a:extLst>
+              <a:ext uri="{FF2B5EF4-FFF2-40B4-BE49-F238E27FC236}">
+                <a16:creationId xmlns:a16="http://schemas.microsoft.com/office/drawing/2014/main" id="{EE91D7C2-7266-E52A-B2B3-28FABC420543}"/>
+              </a:ext>
+            </a:extLst>
+          </p:cNvPr>
+          <p:cNvPicPr>
+            <a:picLocks noChangeAspect="1"/>
+          </p:cNvPicPr>
+          <p:nvPr/>
+        </p:nvPicPr>
+        <p:blipFill>
+          <a:blip r:embed="rId2"/>
+          <a:stretch>
+            <a:fillRect/>
+          </a:stretch>
+        </p:blipFill>
+        <p:spPr>
+          <a:xfrm>
+            <a:off x="1562100" y="1057275"/>
+            <a:ext cx="9067800" cy="4743450"/>
+          </a:xfrm>
+          <a:prstGeom prst="rect">
+            <a:avLst/>
+          </a:prstGeom>
+          <a:ln>
+            <a:solidFill>
+              <a:schemeClr val="tx1"/>
+            </a:solidFill>
+          </a:ln>
+        </p:spPr>
+      </p:pic>
+    </p:spTree>
+    <p:extLst>
+      <p:ext uri="{BB962C8B-B14F-4D97-AF65-F5344CB8AC3E}">
+        <p14:creationId xmlns:p14="http://schemas.microsoft.com/office/powerpoint/2010/main" val="3407466322"/>
       </p:ext>
     </p:extLst>
   </p:cSld>
